--- a/Презентация.pptx
+++ b/Презентация.pptx
@@ -4,38 +4,38 @@
   <p:sldMasterIdLst>
     <p:sldMasterId id="2147483648" r:id="rId2"/>
     <p:sldMasterId id="2147483661" r:id="rId3"/>
-    <p:sldMasterId id="2147483674" r:id="rId4"/>
   </p:sldMasterIdLst>
   <p:sldIdLst>
-    <p:sldId id="256" r:id="rId5"/>
-    <p:sldId id="257" r:id="rId6"/>
-    <p:sldId id="258" r:id="rId7"/>
-    <p:sldId id="259" r:id="rId8"/>
-    <p:sldId id="260" r:id="rId9"/>
-    <p:sldId id="261" r:id="rId10"/>
-    <p:sldId id="262" r:id="rId11"/>
-    <p:sldId id="263" r:id="rId12"/>
-    <p:sldId id="264" r:id="rId13"/>
-    <p:sldId id="265" r:id="rId14"/>
-    <p:sldId id="266" r:id="rId15"/>
-    <p:sldId id="267" r:id="rId16"/>
-    <p:sldId id="268" r:id="rId17"/>
-    <p:sldId id="269" r:id="rId18"/>
-    <p:sldId id="270" r:id="rId19"/>
-    <p:sldId id="271" r:id="rId20"/>
-    <p:sldId id="272" r:id="rId21"/>
-    <p:sldId id="273" r:id="rId22"/>
-    <p:sldId id="274" r:id="rId23"/>
-    <p:sldId id="275" r:id="rId24"/>
-    <p:sldId id="276" r:id="rId25"/>
-    <p:sldId id="277" r:id="rId26"/>
-    <p:sldId id="278" r:id="rId27"/>
-    <p:sldId id="279" r:id="rId28"/>
-    <p:sldId id="280" r:id="rId29"/>
-    <p:sldId id="281" r:id="rId30"/>
-    <p:sldId id="282" r:id="rId31"/>
-    <p:sldId id="283" r:id="rId32"/>
-    <p:sldId id="284" r:id="rId33"/>
+    <p:sldId id="256" r:id="rId4"/>
+    <p:sldId id="257" r:id="rId5"/>
+    <p:sldId id="258" r:id="rId6"/>
+    <p:sldId id="259" r:id="rId7"/>
+    <p:sldId id="260" r:id="rId8"/>
+    <p:sldId id="261" r:id="rId9"/>
+    <p:sldId id="262" r:id="rId10"/>
+    <p:sldId id="263" r:id="rId11"/>
+    <p:sldId id="264" r:id="rId12"/>
+    <p:sldId id="265" r:id="rId13"/>
+    <p:sldId id="266" r:id="rId14"/>
+    <p:sldId id="267" r:id="rId15"/>
+    <p:sldId id="268" r:id="rId16"/>
+    <p:sldId id="269" r:id="rId17"/>
+    <p:sldId id="270" r:id="rId18"/>
+    <p:sldId id="271" r:id="rId19"/>
+    <p:sldId id="272" r:id="rId20"/>
+    <p:sldId id="273" r:id="rId21"/>
+    <p:sldId id="274" r:id="rId22"/>
+    <p:sldId id="275" r:id="rId23"/>
+    <p:sldId id="276" r:id="rId24"/>
+    <p:sldId id="277" r:id="rId25"/>
+    <p:sldId id="278" r:id="rId26"/>
+    <p:sldId id="279" r:id="rId27"/>
+    <p:sldId id="280" r:id="rId28"/>
+    <p:sldId id="281" r:id="rId29"/>
+    <p:sldId id="282" r:id="rId30"/>
+    <p:sldId id="283" r:id="rId31"/>
+    <p:sldId id="284" r:id="rId32"/>
+    <p:sldId id="285" r:id="rId33"/>
   </p:sldIdLst>
   <p:sldSz cx="9144000" cy="6858000"/>
   <p:notesSz cx="7559675" cy="10691812"/>
@@ -94,7 +94,7 @@
         <p:spPr>
           <a:xfrm>
             <a:off x="457200" y="220680"/>
-            <a:ext cx="8228880" cy="1250280"/>
+            <a:ext cx="8228520" cy="1250280"/>
           </a:xfrm>
           <a:prstGeom prst="rect">
             <a:avLst/>
@@ -125,7 +125,7 @@
         <p:spPr>
           <a:xfrm>
             <a:off x="457200" y="1604520"/>
-            <a:ext cx="8229240" cy="1896840"/>
+            <a:ext cx="8228880" cy="1896840"/>
           </a:xfrm>
           <a:prstGeom prst="rect">
             <a:avLst/>
@@ -155,7 +155,7 @@
         <p:spPr>
           <a:xfrm>
             <a:off x="457200" y="3682080"/>
-            <a:ext cx="8229240" cy="1896840"/>
+            <a:ext cx="8228880" cy="1896840"/>
           </a:xfrm>
           <a:prstGeom prst="rect">
             <a:avLst/>
@@ -207,7 +207,7 @@
         <p:spPr>
           <a:xfrm>
             <a:off x="457200" y="220680"/>
-            <a:ext cx="8228880" cy="1250280"/>
+            <a:ext cx="8228520" cy="1250280"/>
           </a:xfrm>
           <a:prstGeom prst="rect">
             <a:avLst/>
@@ -238,7 +238,7 @@
         <p:spPr>
           <a:xfrm>
             <a:off x="457200" y="1604520"/>
-            <a:ext cx="4015800" cy="1896840"/>
+            <a:ext cx="4015440" cy="1896840"/>
           </a:xfrm>
           <a:prstGeom prst="rect">
             <a:avLst/>
@@ -267,8 +267,8 @@
         </p:nvSpPr>
         <p:spPr>
           <a:xfrm>
-            <a:off x="4674240" y="1604520"/>
-            <a:ext cx="4015800" cy="1896840"/>
+            <a:off x="4673880" y="1604520"/>
+            <a:ext cx="4015440" cy="1896840"/>
           </a:xfrm>
           <a:prstGeom prst="rect">
             <a:avLst/>
@@ -298,7 +298,7 @@
         <p:spPr>
           <a:xfrm>
             <a:off x="457200" y="3682080"/>
-            <a:ext cx="4015800" cy="1896840"/>
+            <a:ext cx="4015440" cy="1896840"/>
           </a:xfrm>
           <a:prstGeom prst="rect">
             <a:avLst/>
@@ -327,8 +327,8 @@
         </p:nvSpPr>
         <p:spPr>
           <a:xfrm>
-            <a:off x="4674240" y="3682080"/>
-            <a:ext cx="4015800" cy="1896840"/>
+            <a:off x="4673880" y="3682080"/>
+            <a:ext cx="4015440" cy="1896840"/>
           </a:xfrm>
           <a:prstGeom prst="rect">
             <a:avLst/>
@@ -380,7 +380,7 @@
         <p:spPr>
           <a:xfrm>
             <a:off x="457200" y="220680"/>
-            <a:ext cx="8228880" cy="1250280"/>
+            <a:ext cx="8228520" cy="1250280"/>
           </a:xfrm>
           <a:prstGeom prst="rect">
             <a:avLst/>
@@ -635,7 +635,7 @@
         <p:spPr>
           <a:xfrm>
             <a:off x="457200" y="220680"/>
-            <a:ext cx="8228880" cy="1250280"/>
+            <a:ext cx="8228520" cy="1250280"/>
           </a:xfrm>
           <a:prstGeom prst="rect">
             <a:avLst/>
@@ -666,7 +666,7 @@
         <p:spPr>
           <a:xfrm>
             <a:off x="457200" y="1604520"/>
-            <a:ext cx="8229240" cy="3977280"/>
+            <a:ext cx="8228880" cy="3976920"/>
           </a:xfrm>
           <a:prstGeom prst="rect">
             <a:avLst/>
@@ -719,7 +719,7 @@
         <p:spPr>
           <a:xfrm>
             <a:off x="457200" y="220680"/>
-            <a:ext cx="8228880" cy="1250280"/>
+            <a:ext cx="8228520" cy="1250280"/>
           </a:xfrm>
           <a:prstGeom prst="rect">
             <a:avLst/>
@@ -750,7 +750,7 @@
         <p:spPr>
           <a:xfrm>
             <a:off x="457200" y="1604520"/>
-            <a:ext cx="8229240" cy="3977280"/>
+            <a:ext cx="8228880" cy="3976920"/>
           </a:xfrm>
           <a:prstGeom prst="rect">
             <a:avLst/>
@@ -802,7 +802,7 @@
         <p:spPr>
           <a:xfrm>
             <a:off x="457200" y="220680"/>
-            <a:ext cx="8228880" cy="1250280"/>
+            <a:ext cx="8228520" cy="1250280"/>
           </a:xfrm>
           <a:prstGeom prst="rect">
             <a:avLst/>
@@ -833,7 +833,7 @@
         <p:spPr>
           <a:xfrm>
             <a:off x="457200" y="1604520"/>
-            <a:ext cx="4015800" cy="3977280"/>
+            <a:ext cx="4015440" cy="3976920"/>
           </a:xfrm>
           <a:prstGeom prst="rect">
             <a:avLst/>
@@ -862,8 +862,8 @@
         </p:nvSpPr>
         <p:spPr>
           <a:xfrm>
-            <a:off x="4674240" y="1604520"/>
-            <a:ext cx="4015800" cy="3977280"/>
+            <a:off x="4673880" y="1604520"/>
+            <a:ext cx="4015440" cy="3976920"/>
           </a:xfrm>
           <a:prstGeom prst="rect">
             <a:avLst/>
@@ -915,7 +915,7 @@
         <p:spPr>
           <a:xfrm>
             <a:off x="457200" y="220680"/>
-            <a:ext cx="8228880" cy="1250280"/>
+            <a:ext cx="8228520" cy="1250280"/>
           </a:xfrm>
           <a:prstGeom prst="rect">
             <a:avLst/>
@@ -967,8 +967,8 @@
         </p:nvSpPr>
         <p:spPr>
           <a:xfrm>
-            <a:off x="457200" y="274680"/>
-            <a:ext cx="8228880" cy="5296320"/>
+            <a:off x="457200" y="220680"/>
+            <a:ext cx="8228520" cy="5795280"/>
           </a:xfrm>
           <a:prstGeom prst="rect">
             <a:avLst/>
@@ -1021,7 +1021,7 @@
         <p:spPr>
           <a:xfrm>
             <a:off x="457200" y="220680"/>
-            <a:ext cx="8228880" cy="1250280"/>
+            <a:ext cx="8228520" cy="1250280"/>
           </a:xfrm>
           <a:prstGeom prst="rect">
             <a:avLst/>
@@ -1052,7 +1052,7 @@
         <p:spPr>
           <a:xfrm>
             <a:off x="457200" y="1604520"/>
-            <a:ext cx="4015800" cy="1896840"/>
+            <a:ext cx="4015440" cy="1896840"/>
           </a:xfrm>
           <a:prstGeom prst="rect">
             <a:avLst/>
@@ -1081,8 +1081,8 @@
         </p:nvSpPr>
         <p:spPr>
           <a:xfrm>
-            <a:off x="4674240" y="1604520"/>
-            <a:ext cx="4015800" cy="3977280"/>
+            <a:off x="4673880" y="1604520"/>
+            <a:ext cx="4015440" cy="3976920"/>
           </a:xfrm>
           <a:prstGeom prst="rect">
             <a:avLst/>
@@ -1112,7 +1112,7 @@
         <p:spPr>
           <a:xfrm>
             <a:off x="457200" y="3682080"/>
-            <a:ext cx="4015800" cy="1896840"/>
+            <a:ext cx="4015440" cy="1896840"/>
           </a:xfrm>
           <a:prstGeom prst="rect">
             <a:avLst/>
@@ -1164,7 +1164,7 @@
         <p:spPr>
           <a:xfrm>
             <a:off x="457200" y="220680"/>
-            <a:ext cx="8228880" cy="1250280"/>
+            <a:ext cx="8228520" cy="1250280"/>
           </a:xfrm>
           <a:prstGeom prst="rect">
             <a:avLst/>
@@ -1195,7 +1195,7 @@
         <p:spPr>
           <a:xfrm>
             <a:off x="457200" y="1604520"/>
-            <a:ext cx="8229240" cy="3977280"/>
+            <a:ext cx="8228880" cy="3976920"/>
           </a:xfrm>
           <a:prstGeom prst="rect">
             <a:avLst/>
@@ -1248,7 +1248,7 @@
         <p:spPr>
           <a:xfrm>
             <a:off x="457200" y="220680"/>
-            <a:ext cx="8228880" cy="1250280"/>
+            <a:ext cx="8228520" cy="1250280"/>
           </a:xfrm>
           <a:prstGeom prst="rect">
             <a:avLst/>
@@ -1279,7 +1279,7 @@
         <p:spPr>
           <a:xfrm>
             <a:off x="457200" y="1604520"/>
-            <a:ext cx="4015800" cy="3977280"/>
+            <a:ext cx="4015440" cy="3976920"/>
           </a:xfrm>
           <a:prstGeom prst="rect">
             <a:avLst/>
@@ -1308,8 +1308,8 @@
         </p:nvSpPr>
         <p:spPr>
           <a:xfrm>
-            <a:off x="4674240" y="1604520"/>
-            <a:ext cx="4015800" cy="1896840"/>
+            <a:off x="4673880" y="1604520"/>
+            <a:ext cx="4015440" cy="1896840"/>
           </a:xfrm>
           <a:prstGeom prst="rect">
             <a:avLst/>
@@ -1338,8 +1338,8 @@
         </p:nvSpPr>
         <p:spPr>
           <a:xfrm>
-            <a:off x="4674240" y="3682080"/>
-            <a:ext cx="4015800" cy="1896840"/>
+            <a:off x="4673880" y="3682080"/>
+            <a:ext cx="4015440" cy="1896840"/>
           </a:xfrm>
           <a:prstGeom prst="rect">
             <a:avLst/>
@@ -1391,7 +1391,7 @@
         <p:spPr>
           <a:xfrm>
             <a:off x="457200" y="220680"/>
-            <a:ext cx="8228880" cy="1250280"/>
+            <a:ext cx="8228520" cy="1250280"/>
           </a:xfrm>
           <a:prstGeom prst="rect">
             <a:avLst/>
@@ -1422,7 +1422,7 @@
         <p:spPr>
           <a:xfrm>
             <a:off x="457200" y="1604520"/>
-            <a:ext cx="4015800" cy="1896840"/>
+            <a:ext cx="4015440" cy="1896840"/>
           </a:xfrm>
           <a:prstGeom prst="rect">
             <a:avLst/>
@@ -1451,8 +1451,8 @@
         </p:nvSpPr>
         <p:spPr>
           <a:xfrm>
-            <a:off x="4674240" y="1604520"/>
-            <a:ext cx="4015800" cy="1896840"/>
+            <a:off x="4673880" y="1604520"/>
+            <a:ext cx="4015440" cy="1896840"/>
           </a:xfrm>
           <a:prstGeom prst="rect">
             <a:avLst/>
@@ -1482,7 +1482,7 @@
         <p:spPr>
           <a:xfrm>
             <a:off x="457200" y="3682080"/>
-            <a:ext cx="8229240" cy="1896840"/>
+            <a:ext cx="8228880" cy="1896840"/>
           </a:xfrm>
           <a:prstGeom prst="rect">
             <a:avLst/>
@@ -1534,7 +1534,7 @@
         <p:spPr>
           <a:xfrm>
             <a:off x="457200" y="220680"/>
-            <a:ext cx="8228880" cy="1250280"/>
+            <a:ext cx="8228520" cy="1250280"/>
           </a:xfrm>
           <a:prstGeom prst="rect">
             <a:avLst/>
@@ -1565,7 +1565,7 @@
         <p:spPr>
           <a:xfrm>
             <a:off x="457200" y="1604520"/>
-            <a:ext cx="8229240" cy="1896840"/>
+            <a:ext cx="8228880" cy="1896840"/>
           </a:xfrm>
           <a:prstGeom prst="rect">
             <a:avLst/>
@@ -1595,7 +1595,7 @@
         <p:spPr>
           <a:xfrm>
             <a:off x="457200" y="3682080"/>
-            <a:ext cx="8229240" cy="1896840"/>
+            <a:ext cx="8228880" cy="1896840"/>
           </a:xfrm>
           <a:prstGeom prst="rect">
             <a:avLst/>
@@ -1647,7 +1647,7 @@
         <p:spPr>
           <a:xfrm>
             <a:off x="457200" y="220680"/>
-            <a:ext cx="8228880" cy="1250280"/>
+            <a:ext cx="8228520" cy="1250280"/>
           </a:xfrm>
           <a:prstGeom prst="rect">
             <a:avLst/>
@@ -1678,7 +1678,7 @@
         <p:spPr>
           <a:xfrm>
             <a:off x="457200" y="1604520"/>
-            <a:ext cx="4015800" cy="1896840"/>
+            <a:ext cx="4015440" cy="1896840"/>
           </a:xfrm>
           <a:prstGeom prst="rect">
             <a:avLst/>
@@ -1707,8 +1707,8 @@
         </p:nvSpPr>
         <p:spPr>
           <a:xfrm>
-            <a:off x="4674240" y="1604520"/>
-            <a:ext cx="4015800" cy="1896840"/>
+            <a:off x="4673880" y="1604520"/>
+            <a:ext cx="4015440" cy="1896840"/>
           </a:xfrm>
           <a:prstGeom prst="rect">
             <a:avLst/>
@@ -1738,7 +1738,7 @@
         <p:spPr>
           <a:xfrm>
             <a:off x="457200" y="3682080"/>
-            <a:ext cx="4015800" cy="1896840"/>
+            <a:ext cx="4015440" cy="1896840"/>
           </a:xfrm>
           <a:prstGeom prst="rect">
             <a:avLst/>
@@ -1767,8 +1767,8 @@
         </p:nvSpPr>
         <p:spPr>
           <a:xfrm>
-            <a:off x="4674240" y="3682080"/>
-            <a:ext cx="4015800" cy="1896840"/>
+            <a:off x="4673880" y="3682080"/>
+            <a:ext cx="4015440" cy="1896840"/>
           </a:xfrm>
           <a:prstGeom prst="rect">
             <a:avLst/>
@@ -1820,7 +1820,7 @@
         <p:spPr>
           <a:xfrm>
             <a:off x="457200" y="220680"/>
-            <a:ext cx="8228880" cy="1250280"/>
+            <a:ext cx="8228520" cy="1250280"/>
           </a:xfrm>
           <a:prstGeom prst="rect">
             <a:avLst/>
@@ -2013,361 +2013,6 @@
           </a:bodyPr>
           <a:p>
             <a:endParaRPr b="0" lang="ru-RU" sz="3200" spc="-1" strike="noStrike">
-              <a:latin typeface="Arial"/>
-            </a:endParaRPr>
-          </a:p>
-        </p:txBody>
-      </p:sp>
-    </p:spTree>
-  </p:cSld>
-</p:sldLayout>
-</file>
-
-<file path=ppt/slideLayouts/slideLayout25.xml><?xml version="1.0" encoding="utf-8"?>
-<p:sldLayout xmlns:a="http://schemas.openxmlformats.org/drawingml/2006/main" xmlns:p="http://schemas.openxmlformats.org/presentationml/2006/main" xmlns:r="http://schemas.openxmlformats.org/officeDocument/2006/relationships" xmlns:p14="http://schemas.microsoft.com/office/powerpoint/2010/main" xmlns:p15="http://schemas.microsoft.com/office/powerpoint/2012/main" xmlns:mc="http://schemas.openxmlformats.org/markup-compatibility/2006" type="blank" preserve="1">
-  <p:cSld name="Blank Slide">
-    <p:spTree>
-      <p:nvGrpSpPr>
-        <p:cNvPr id="1" name=""/>
-        <p:cNvGrpSpPr/>
-        <p:nvPr/>
-      </p:nvGrpSpPr>
-      <p:grpSpPr>
-        <a:xfrm>
-          <a:off x="0" y="0"/>
-          <a:ext cx="0" cy="0"/>
-          <a:chOff x="0" y="0"/>
-          <a:chExt cx="0" cy="0"/>
-        </a:xfrm>
-      </p:grpSpPr>
-    </p:spTree>
-  </p:cSld>
-</p:sldLayout>
-</file>
-
-<file path=ppt/slideLayouts/slideLayout26.xml><?xml version="1.0" encoding="utf-8"?>
-<p:sldLayout xmlns:a="http://schemas.openxmlformats.org/drawingml/2006/main" xmlns:p="http://schemas.openxmlformats.org/presentationml/2006/main" xmlns:r="http://schemas.openxmlformats.org/officeDocument/2006/relationships" xmlns:p14="http://schemas.microsoft.com/office/powerpoint/2010/main" xmlns:p15="http://schemas.microsoft.com/office/powerpoint/2012/main" xmlns:mc="http://schemas.openxmlformats.org/markup-compatibility/2006" type="tx" preserve="1">
-  <p:cSld name="Title Slide">
-    <p:spTree>
-      <p:nvGrpSpPr>
-        <p:cNvPr id="1" name=""/>
-        <p:cNvGrpSpPr/>
-        <p:nvPr/>
-      </p:nvGrpSpPr>
-      <p:grpSpPr>
-        <a:xfrm>
-          <a:off x="0" y="0"/>
-          <a:ext cx="0" cy="0"/>
-          <a:chOff x="0" y="0"/>
-          <a:chExt cx="0" cy="0"/>
-        </a:xfrm>
-      </p:grpSpPr>
-      <p:sp>
-        <p:nvSpPr>
-          <p:cNvPr id="78" name="PlaceHolder 1"/>
-          <p:cNvSpPr>
-            <a:spLocks noGrp="1"/>
-          </p:cNvSpPr>
-          <p:nvPr>
-            <p:ph type="title"/>
-          </p:nvPr>
-        </p:nvSpPr>
-        <p:spPr>
-          <a:xfrm>
-            <a:off x="457200" y="220680"/>
-            <a:ext cx="8228880" cy="1250280"/>
-          </a:xfrm>
-          <a:prstGeom prst="rect">
-            <a:avLst/>
-          </a:prstGeom>
-        </p:spPr>
-        <p:txBody>
-          <a:bodyPr lIns="0" rIns="0" tIns="0" bIns="0" anchor="ctr">
-            <a:noAutofit/>
-          </a:bodyPr>
-          <a:p>
-            <a:pPr algn="ctr"/>
-            <a:endParaRPr b="0" lang="ru-RU" sz="4400" spc="-1" strike="noStrike">
-              <a:latin typeface="Arial"/>
-            </a:endParaRPr>
-          </a:p>
-        </p:txBody>
-      </p:sp>
-      <p:sp>
-        <p:nvSpPr>
-          <p:cNvPr id="79" name="PlaceHolder 2"/>
-          <p:cNvSpPr>
-            <a:spLocks noGrp="1"/>
-          </p:cNvSpPr>
-          <p:nvPr>
-            <p:ph type="subTitle"/>
-          </p:nvPr>
-        </p:nvSpPr>
-        <p:spPr>
-          <a:xfrm>
-            <a:off x="457200" y="1604520"/>
-            <a:ext cx="8229240" cy="3977280"/>
-          </a:xfrm>
-          <a:prstGeom prst="rect">
-            <a:avLst/>
-          </a:prstGeom>
-        </p:spPr>
-        <p:txBody>
-          <a:bodyPr lIns="0" rIns="0" tIns="0" bIns="0" anchor="ctr">
-            <a:noAutofit/>
-          </a:bodyPr>
-          <a:p>
-            <a:pPr algn="ctr"/>
-            <a:endParaRPr b="0" lang="ru-RU" sz="3200" spc="-1" strike="noStrike">
-              <a:latin typeface="Arial"/>
-            </a:endParaRPr>
-          </a:p>
-        </p:txBody>
-      </p:sp>
-    </p:spTree>
-  </p:cSld>
-</p:sldLayout>
-</file>
-
-<file path=ppt/slideLayouts/slideLayout27.xml><?xml version="1.0" encoding="utf-8"?>
-<p:sldLayout xmlns:a="http://schemas.openxmlformats.org/drawingml/2006/main" xmlns:p="http://schemas.openxmlformats.org/presentationml/2006/main" xmlns:r="http://schemas.openxmlformats.org/officeDocument/2006/relationships" xmlns:p14="http://schemas.microsoft.com/office/powerpoint/2010/main" xmlns:p15="http://schemas.microsoft.com/office/powerpoint/2012/main" xmlns:mc="http://schemas.openxmlformats.org/markup-compatibility/2006" type="obj" preserve="1">
-  <p:cSld name="Title, Content">
-    <p:spTree>
-      <p:nvGrpSpPr>
-        <p:cNvPr id="1" name=""/>
-        <p:cNvGrpSpPr/>
-        <p:nvPr/>
-      </p:nvGrpSpPr>
-      <p:grpSpPr>
-        <a:xfrm>
-          <a:off x="0" y="0"/>
-          <a:ext cx="0" cy="0"/>
-          <a:chOff x="0" y="0"/>
-          <a:chExt cx="0" cy="0"/>
-        </a:xfrm>
-      </p:grpSpPr>
-      <p:sp>
-        <p:nvSpPr>
-          <p:cNvPr id="80" name="PlaceHolder 1"/>
-          <p:cNvSpPr>
-            <a:spLocks noGrp="1"/>
-          </p:cNvSpPr>
-          <p:nvPr>
-            <p:ph type="title"/>
-          </p:nvPr>
-        </p:nvSpPr>
-        <p:spPr>
-          <a:xfrm>
-            <a:off x="457200" y="220680"/>
-            <a:ext cx="8228880" cy="1250280"/>
-          </a:xfrm>
-          <a:prstGeom prst="rect">
-            <a:avLst/>
-          </a:prstGeom>
-        </p:spPr>
-        <p:txBody>
-          <a:bodyPr lIns="0" rIns="0" tIns="0" bIns="0" anchor="ctr">
-            <a:noAutofit/>
-          </a:bodyPr>
-          <a:p>
-            <a:pPr algn="ctr"/>
-            <a:endParaRPr b="0" lang="ru-RU" sz="4400" spc="-1" strike="noStrike">
-              <a:latin typeface="Arial"/>
-            </a:endParaRPr>
-          </a:p>
-        </p:txBody>
-      </p:sp>
-      <p:sp>
-        <p:nvSpPr>
-          <p:cNvPr id="81" name="PlaceHolder 2"/>
-          <p:cNvSpPr>
-            <a:spLocks noGrp="1"/>
-          </p:cNvSpPr>
-          <p:nvPr>
-            <p:ph type="body"/>
-          </p:nvPr>
-        </p:nvSpPr>
-        <p:spPr>
-          <a:xfrm>
-            <a:off x="457200" y="1604520"/>
-            <a:ext cx="8229240" cy="3977280"/>
-          </a:xfrm>
-          <a:prstGeom prst="rect">
-            <a:avLst/>
-          </a:prstGeom>
-        </p:spPr>
-        <p:txBody>
-          <a:bodyPr lIns="0" rIns="0" tIns="0" bIns="0">
-            <a:normAutofit/>
-          </a:bodyPr>
-          <a:p>
-            <a:endParaRPr b="0" lang="ru-RU" sz="3200" spc="-1" strike="noStrike">
-              <a:latin typeface="Arial"/>
-            </a:endParaRPr>
-          </a:p>
-        </p:txBody>
-      </p:sp>
-    </p:spTree>
-  </p:cSld>
-</p:sldLayout>
-</file>
-
-<file path=ppt/slideLayouts/slideLayout28.xml><?xml version="1.0" encoding="utf-8"?>
-<p:sldLayout xmlns:a="http://schemas.openxmlformats.org/drawingml/2006/main" xmlns:p="http://schemas.openxmlformats.org/presentationml/2006/main" xmlns:r="http://schemas.openxmlformats.org/officeDocument/2006/relationships" xmlns:p14="http://schemas.microsoft.com/office/powerpoint/2010/main" xmlns:p15="http://schemas.microsoft.com/office/powerpoint/2012/main" xmlns:mc="http://schemas.openxmlformats.org/markup-compatibility/2006" type="twoObj" preserve="1">
-  <p:cSld name="Title, 2 Content">
-    <p:spTree>
-      <p:nvGrpSpPr>
-        <p:cNvPr id="1" name=""/>
-        <p:cNvGrpSpPr/>
-        <p:nvPr/>
-      </p:nvGrpSpPr>
-      <p:grpSpPr>
-        <a:xfrm>
-          <a:off x="0" y="0"/>
-          <a:ext cx="0" cy="0"/>
-          <a:chOff x="0" y="0"/>
-          <a:chExt cx="0" cy="0"/>
-        </a:xfrm>
-      </p:grpSpPr>
-      <p:sp>
-        <p:nvSpPr>
-          <p:cNvPr id="82" name="PlaceHolder 1"/>
-          <p:cNvSpPr>
-            <a:spLocks noGrp="1"/>
-          </p:cNvSpPr>
-          <p:nvPr>
-            <p:ph type="title"/>
-          </p:nvPr>
-        </p:nvSpPr>
-        <p:spPr>
-          <a:xfrm>
-            <a:off x="457200" y="220680"/>
-            <a:ext cx="8228880" cy="1250280"/>
-          </a:xfrm>
-          <a:prstGeom prst="rect">
-            <a:avLst/>
-          </a:prstGeom>
-        </p:spPr>
-        <p:txBody>
-          <a:bodyPr lIns="0" rIns="0" tIns="0" bIns="0" anchor="ctr">
-            <a:noAutofit/>
-          </a:bodyPr>
-          <a:p>
-            <a:pPr algn="ctr"/>
-            <a:endParaRPr b="0" lang="ru-RU" sz="4400" spc="-1" strike="noStrike">
-              <a:latin typeface="Arial"/>
-            </a:endParaRPr>
-          </a:p>
-        </p:txBody>
-      </p:sp>
-      <p:sp>
-        <p:nvSpPr>
-          <p:cNvPr id="83" name="PlaceHolder 2"/>
-          <p:cNvSpPr>
-            <a:spLocks noGrp="1"/>
-          </p:cNvSpPr>
-          <p:nvPr>
-            <p:ph type="body"/>
-          </p:nvPr>
-        </p:nvSpPr>
-        <p:spPr>
-          <a:xfrm>
-            <a:off x="457200" y="1604520"/>
-            <a:ext cx="4015800" cy="3977280"/>
-          </a:xfrm>
-          <a:prstGeom prst="rect">
-            <a:avLst/>
-          </a:prstGeom>
-        </p:spPr>
-        <p:txBody>
-          <a:bodyPr lIns="0" rIns="0" tIns="0" bIns="0">
-            <a:normAutofit/>
-          </a:bodyPr>
-          <a:p>
-            <a:endParaRPr b="0" lang="ru-RU" sz="3200" spc="-1" strike="noStrike">
-              <a:latin typeface="Arial"/>
-            </a:endParaRPr>
-          </a:p>
-        </p:txBody>
-      </p:sp>
-      <p:sp>
-        <p:nvSpPr>
-          <p:cNvPr id="84" name="PlaceHolder 3"/>
-          <p:cNvSpPr>
-            <a:spLocks noGrp="1"/>
-          </p:cNvSpPr>
-          <p:nvPr>
-            <p:ph type="body"/>
-          </p:nvPr>
-        </p:nvSpPr>
-        <p:spPr>
-          <a:xfrm>
-            <a:off x="4674240" y="1604520"/>
-            <a:ext cx="4015800" cy="3977280"/>
-          </a:xfrm>
-          <a:prstGeom prst="rect">
-            <a:avLst/>
-          </a:prstGeom>
-        </p:spPr>
-        <p:txBody>
-          <a:bodyPr lIns="0" rIns="0" tIns="0" bIns="0">
-            <a:normAutofit/>
-          </a:bodyPr>
-          <a:p>
-            <a:endParaRPr b="0" lang="ru-RU" sz="3200" spc="-1" strike="noStrike">
-              <a:latin typeface="Arial"/>
-            </a:endParaRPr>
-          </a:p>
-        </p:txBody>
-      </p:sp>
-    </p:spTree>
-  </p:cSld>
-</p:sldLayout>
-</file>
-
-<file path=ppt/slideLayouts/slideLayout29.xml><?xml version="1.0" encoding="utf-8"?>
-<p:sldLayout xmlns:a="http://schemas.openxmlformats.org/drawingml/2006/main" xmlns:p="http://schemas.openxmlformats.org/presentationml/2006/main" xmlns:r="http://schemas.openxmlformats.org/officeDocument/2006/relationships" xmlns:p14="http://schemas.microsoft.com/office/powerpoint/2010/main" xmlns:p15="http://schemas.microsoft.com/office/powerpoint/2012/main" xmlns:mc="http://schemas.openxmlformats.org/markup-compatibility/2006" type="titleOnly" preserve="1">
-  <p:cSld name="Title Only">
-    <p:spTree>
-      <p:nvGrpSpPr>
-        <p:cNvPr id="1" name=""/>
-        <p:cNvGrpSpPr/>
-        <p:nvPr/>
-      </p:nvGrpSpPr>
-      <p:grpSpPr>
-        <a:xfrm>
-          <a:off x="0" y="0"/>
-          <a:ext cx="0" cy="0"/>
-          <a:chOff x="0" y="0"/>
-          <a:chExt cx="0" cy="0"/>
-        </a:xfrm>
-      </p:grpSpPr>
-      <p:sp>
-        <p:nvSpPr>
-          <p:cNvPr id="85" name="PlaceHolder 1"/>
-          <p:cNvSpPr>
-            <a:spLocks noGrp="1"/>
-          </p:cNvSpPr>
-          <p:nvPr>
-            <p:ph type="title"/>
-          </p:nvPr>
-        </p:nvSpPr>
-        <p:spPr>
-          <a:xfrm>
-            <a:off x="457200" y="220680"/>
-            <a:ext cx="8228880" cy="1250280"/>
-          </a:xfrm>
-          <a:prstGeom prst="rect">
-            <a:avLst/>
-          </a:prstGeom>
-        </p:spPr>
-        <p:txBody>
-          <a:bodyPr lIns="0" rIns="0" tIns="0" bIns="0" anchor="ctr">
-            <a:noAutofit/>
-          </a:bodyPr>
-          <a:p>
-            <a:pPr algn="ctr"/>
-            <a:endParaRPr b="0" lang="ru-RU" sz="4400" spc="-1" strike="noStrike">
               <a:latin typeface="Arial"/>
             </a:endParaRPr>
           </a:p>
@@ -2408,7 +2053,7 @@
         <p:spPr>
           <a:xfrm>
             <a:off x="457200" y="220680"/>
-            <a:ext cx="8228880" cy="1250280"/>
+            <a:ext cx="8228520" cy="1250280"/>
           </a:xfrm>
           <a:prstGeom prst="rect">
             <a:avLst/>
@@ -2439,7 +2084,7 @@
         <p:spPr>
           <a:xfrm>
             <a:off x="457200" y="1604520"/>
-            <a:ext cx="8229240" cy="3977280"/>
+            <a:ext cx="8228880" cy="3976920"/>
           </a:xfrm>
           <a:prstGeom prst="rect">
             <a:avLst/>
@@ -2448,1007 +2093,6 @@
         <p:txBody>
           <a:bodyPr lIns="0" rIns="0" tIns="0" bIns="0">
             <a:normAutofit/>
-          </a:bodyPr>
-          <a:p>
-            <a:endParaRPr b="0" lang="ru-RU" sz="3200" spc="-1" strike="noStrike">
-              <a:latin typeface="Arial"/>
-            </a:endParaRPr>
-          </a:p>
-        </p:txBody>
-      </p:sp>
-    </p:spTree>
-  </p:cSld>
-</p:sldLayout>
-</file>
-
-<file path=ppt/slideLayouts/slideLayout30.xml><?xml version="1.0" encoding="utf-8"?>
-<p:sldLayout xmlns:a="http://schemas.openxmlformats.org/drawingml/2006/main" xmlns:p="http://schemas.openxmlformats.org/presentationml/2006/main" xmlns:r="http://schemas.openxmlformats.org/officeDocument/2006/relationships" xmlns:p14="http://schemas.microsoft.com/office/powerpoint/2010/main" xmlns:p15="http://schemas.microsoft.com/office/powerpoint/2012/main" xmlns:mc="http://schemas.openxmlformats.org/markup-compatibility/2006" type="objOnly" preserve="1">
-  <p:cSld name="Centered Text">
-    <p:spTree>
-      <p:nvGrpSpPr>
-        <p:cNvPr id="1" name=""/>
-        <p:cNvGrpSpPr/>
-        <p:nvPr/>
-      </p:nvGrpSpPr>
-      <p:grpSpPr>
-        <a:xfrm>
-          <a:off x="0" y="0"/>
-          <a:ext cx="0" cy="0"/>
-          <a:chOff x="0" y="0"/>
-          <a:chExt cx="0" cy="0"/>
-        </a:xfrm>
-      </p:grpSpPr>
-      <p:sp>
-        <p:nvSpPr>
-          <p:cNvPr id="86" name="PlaceHolder 1"/>
-          <p:cNvSpPr>
-            <a:spLocks noGrp="1"/>
-          </p:cNvSpPr>
-          <p:nvPr>
-            <p:ph type="subTitle"/>
-          </p:nvPr>
-        </p:nvSpPr>
-        <p:spPr>
-          <a:xfrm>
-            <a:off x="457200" y="274680"/>
-            <a:ext cx="8228880" cy="5296320"/>
-          </a:xfrm>
-          <a:prstGeom prst="rect">
-            <a:avLst/>
-          </a:prstGeom>
-        </p:spPr>
-        <p:txBody>
-          <a:bodyPr lIns="0" rIns="0" tIns="0" bIns="0" anchor="ctr">
-            <a:noAutofit/>
-          </a:bodyPr>
-          <a:p>
-            <a:pPr algn="ctr"/>
-            <a:endParaRPr b="0" lang="ru-RU" sz="3200" spc="-1" strike="noStrike">
-              <a:latin typeface="Arial"/>
-            </a:endParaRPr>
-          </a:p>
-        </p:txBody>
-      </p:sp>
-    </p:spTree>
-  </p:cSld>
-</p:sldLayout>
-</file>
-
-<file path=ppt/slideLayouts/slideLayout31.xml><?xml version="1.0" encoding="utf-8"?>
-<p:sldLayout xmlns:a="http://schemas.openxmlformats.org/drawingml/2006/main" xmlns:p="http://schemas.openxmlformats.org/presentationml/2006/main" xmlns:r="http://schemas.openxmlformats.org/officeDocument/2006/relationships" xmlns:p14="http://schemas.microsoft.com/office/powerpoint/2010/main" xmlns:p15="http://schemas.microsoft.com/office/powerpoint/2012/main" xmlns:mc="http://schemas.openxmlformats.org/markup-compatibility/2006" type="twoObjAndObj" preserve="1">
-  <p:cSld name="Title, 2 Content and Content">
-    <p:spTree>
-      <p:nvGrpSpPr>
-        <p:cNvPr id="1" name=""/>
-        <p:cNvGrpSpPr/>
-        <p:nvPr/>
-      </p:nvGrpSpPr>
-      <p:grpSpPr>
-        <a:xfrm>
-          <a:off x="0" y="0"/>
-          <a:ext cx="0" cy="0"/>
-          <a:chOff x="0" y="0"/>
-          <a:chExt cx="0" cy="0"/>
-        </a:xfrm>
-      </p:grpSpPr>
-      <p:sp>
-        <p:nvSpPr>
-          <p:cNvPr id="87" name="PlaceHolder 1"/>
-          <p:cNvSpPr>
-            <a:spLocks noGrp="1"/>
-          </p:cNvSpPr>
-          <p:nvPr>
-            <p:ph type="title"/>
-          </p:nvPr>
-        </p:nvSpPr>
-        <p:spPr>
-          <a:xfrm>
-            <a:off x="457200" y="220680"/>
-            <a:ext cx="8228880" cy="1250280"/>
-          </a:xfrm>
-          <a:prstGeom prst="rect">
-            <a:avLst/>
-          </a:prstGeom>
-        </p:spPr>
-        <p:txBody>
-          <a:bodyPr lIns="0" rIns="0" tIns="0" bIns="0" anchor="ctr">
-            <a:noAutofit/>
-          </a:bodyPr>
-          <a:p>
-            <a:pPr algn="ctr"/>
-            <a:endParaRPr b="0" lang="ru-RU" sz="4400" spc="-1" strike="noStrike">
-              <a:latin typeface="Arial"/>
-            </a:endParaRPr>
-          </a:p>
-        </p:txBody>
-      </p:sp>
-      <p:sp>
-        <p:nvSpPr>
-          <p:cNvPr id="88" name="PlaceHolder 2"/>
-          <p:cNvSpPr>
-            <a:spLocks noGrp="1"/>
-          </p:cNvSpPr>
-          <p:nvPr>
-            <p:ph type="body"/>
-          </p:nvPr>
-        </p:nvSpPr>
-        <p:spPr>
-          <a:xfrm>
-            <a:off x="457200" y="1604520"/>
-            <a:ext cx="4015800" cy="1896840"/>
-          </a:xfrm>
-          <a:prstGeom prst="rect">
-            <a:avLst/>
-          </a:prstGeom>
-        </p:spPr>
-        <p:txBody>
-          <a:bodyPr lIns="0" rIns="0" tIns="0" bIns="0">
-            <a:normAutofit/>
-          </a:bodyPr>
-          <a:p>
-            <a:endParaRPr b="0" lang="ru-RU" sz="3200" spc="-1" strike="noStrike">
-              <a:latin typeface="Arial"/>
-            </a:endParaRPr>
-          </a:p>
-        </p:txBody>
-      </p:sp>
-      <p:sp>
-        <p:nvSpPr>
-          <p:cNvPr id="89" name="PlaceHolder 3"/>
-          <p:cNvSpPr>
-            <a:spLocks noGrp="1"/>
-          </p:cNvSpPr>
-          <p:nvPr>
-            <p:ph type="body"/>
-          </p:nvPr>
-        </p:nvSpPr>
-        <p:spPr>
-          <a:xfrm>
-            <a:off x="4674240" y="1604520"/>
-            <a:ext cx="4015800" cy="3977280"/>
-          </a:xfrm>
-          <a:prstGeom prst="rect">
-            <a:avLst/>
-          </a:prstGeom>
-        </p:spPr>
-        <p:txBody>
-          <a:bodyPr lIns="0" rIns="0" tIns="0" bIns="0">
-            <a:normAutofit/>
-          </a:bodyPr>
-          <a:p>
-            <a:endParaRPr b="0" lang="ru-RU" sz="3200" spc="-1" strike="noStrike">
-              <a:latin typeface="Arial"/>
-            </a:endParaRPr>
-          </a:p>
-        </p:txBody>
-      </p:sp>
-      <p:sp>
-        <p:nvSpPr>
-          <p:cNvPr id="90" name="PlaceHolder 4"/>
-          <p:cNvSpPr>
-            <a:spLocks noGrp="1"/>
-          </p:cNvSpPr>
-          <p:nvPr>
-            <p:ph type="body"/>
-          </p:nvPr>
-        </p:nvSpPr>
-        <p:spPr>
-          <a:xfrm>
-            <a:off x="457200" y="3682080"/>
-            <a:ext cx="4015800" cy="1896840"/>
-          </a:xfrm>
-          <a:prstGeom prst="rect">
-            <a:avLst/>
-          </a:prstGeom>
-        </p:spPr>
-        <p:txBody>
-          <a:bodyPr lIns="0" rIns="0" tIns="0" bIns="0">
-            <a:normAutofit/>
-          </a:bodyPr>
-          <a:p>
-            <a:endParaRPr b="0" lang="ru-RU" sz="3200" spc="-1" strike="noStrike">
-              <a:latin typeface="Arial"/>
-            </a:endParaRPr>
-          </a:p>
-        </p:txBody>
-      </p:sp>
-    </p:spTree>
-  </p:cSld>
-</p:sldLayout>
-</file>
-
-<file path=ppt/slideLayouts/slideLayout32.xml><?xml version="1.0" encoding="utf-8"?>
-<p:sldLayout xmlns:a="http://schemas.openxmlformats.org/drawingml/2006/main" xmlns:p="http://schemas.openxmlformats.org/presentationml/2006/main" xmlns:r="http://schemas.openxmlformats.org/officeDocument/2006/relationships" xmlns:p14="http://schemas.microsoft.com/office/powerpoint/2010/main" xmlns:p15="http://schemas.microsoft.com/office/powerpoint/2012/main" xmlns:mc="http://schemas.openxmlformats.org/markup-compatibility/2006" type="objAndTwoObj" preserve="1">
-  <p:cSld name="Title Content and 2 Content">
-    <p:spTree>
-      <p:nvGrpSpPr>
-        <p:cNvPr id="1" name=""/>
-        <p:cNvGrpSpPr/>
-        <p:nvPr/>
-      </p:nvGrpSpPr>
-      <p:grpSpPr>
-        <a:xfrm>
-          <a:off x="0" y="0"/>
-          <a:ext cx="0" cy="0"/>
-          <a:chOff x="0" y="0"/>
-          <a:chExt cx="0" cy="0"/>
-        </a:xfrm>
-      </p:grpSpPr>
-      <p:sp>
-        <p:nvSpPr>
-          <p:cNvPr id="91" name="PlaceHolder 1"/>
-          <p:cNvSpPr>
-            <a:spLocks noGrp="1"/>
-          </p:cNvSpPr>
-          <p:nvPr>
-            <p:ph type="title"/>
-          </p:nvPr>
-        </p:nvSpPr>
-        <p:spPr>
-          <a:xfrm>
-            <a:off x="457200" y="220680"/>
-            <a:ext cx="8228880" cy="1250280"/>
-          </a:xfrm>
-          <a:prstGeom prst="rect">
-            <a:avLst/>
-          </a:prstGeom>
-        </p:spPr>
-        <p:txBody>
-          <a:bodyPr lIns="0" rIns="0" tIns="0" bIns="0" anchor="ctr">
-            <a:noAutofit/>
-          </a:bodyPr>
-          <a:p>
-            <a:pPr algn="ctr"/>
-            <a:endParaRPr b="0" lang="ru-RU" sz="4400" spc="-1" strike="noStrike">
-              <a:latin typeface="Arial"/>
-            </a:endParaRPr>
-          </a:p>
-        </p:txBody>
-      </p:sp>
-      <p:sp>
-        <p:nvSpPr>
-          <p:cNvPr id="92" name="PlaceHolder 2"/>
-          <p:cNvSpPr>
-            <a:spLocks noGrp="1"/>
-          </p:cNvSpPr>
-          <p:nvPr>
-            <p:ph type="body"/>
-          </p:nvPr>
-        </p:nvSpPr>
-        <p:spPr>
-          <a:xfrm>
-            <a:off x="457200" y="1604520"/>
-            <a:ext cx="4015800" cy="3977280"/>
-          </a:xfrm>
-          <a:prstGeom prst="rect">
-            <a:avLst/>
-          </a:prstGeom>
-        </p:spPr>
-        <p:txBody>
-          <a:bodyPr lIns="0" rIns="0" tIns="0" bIns="0">
-            <a:normAutofit/>
-          </a:bodyPr>
-          <a:p>
-            <a:endParaRPr b="0" lang="ru-RU" sz="3200" spc="-1" strike="noStrike">
-              <a:latin typeface="Arial"/>
-            </a:endParaRPr>
-          </a:p>
-        </p:txBody>
-      </p:sp>
-      <p:sp>
-        <p:nvSpPr>
-          <p:cNvPr id="93" name="PlaceHolder 3"/>
-          <p:cNvSpPr>
-            <a:spLocks noGrp="1"/>
-          </p:cNvSpPr>
-          <p:nvPr>
-            <p:ph type="body"/>
-          </p:nvPr>
-        </p:nvSpPr>
-        <p:spPr>
-          <a:xfrm>
-            <a:off x="4674240" y="1604520"/>
-            <a:ext cx="4015800" cy="1896840"/>
-          </a:xfrm>
-          <a:prstGeom prst="rect">
-            <a:avLst/>
-          </a:prstGeom>
-        </p:spPr>
-        <p:txBody>
-          <a:bodyPr lIns="0" rIns="0" tIns="0" bIns="0">
-            <a:normAutofit/>
-          </a:bodyPr>
-          <a:p>
-            <a:endParaRPr b="0" lang="ru-RU" sz="3200" spc="-1" strike="noStrike">
-              <a:latin typeface="Arial"/>
-            </a:endParaRPr>
-          </a:p>
-        </p:txBody>
-      </p:sp>
-      <p:sp>
-        <p:nvSpPr>
-          <p:cNvPr id="94" name="PlaceHolder 4"/>
-          <p:cNvSpPr>
-            <a:spLocks noGrp="1"/>
-          </p:cNvSpPr>
-          <p:nvPr>
-            <p:ph type="body"/>
-          </p:nvPr>
-        </p:nvSpPr>
-        <p:spPr>
-          <a:xfrm>
-            <a:off x="4674240" y="3682080"/>
-            <a:ext cx="4015800" cy="1896840"/>
-          </a:xfrm>
-          <a:prstGeom prst="rect">
-            <a:avLst/>
-          </a:prstGeom>
-        </p:spPr>
-        <p:txBody>
-          <a:bodyPr lIns="0" rIns="0" tIns="0" bIns="0">
-            <a:normAutofit/>
-          </a:bodyPr>
-          <a:p>
-            <a:endParaRPr b="0" lang="ru-RU" sz="3200" spc="-1" strike="noStrike">
-              <a:latin typeface="Arial"/>
-            </a:endParaRPr>
-          </a:p>
-        </p:txBody>
-      </p:sp>
-    </p:spTree>
-  </p:cSld>
-</p:sldLayout>
-</file>
-
-<file path=ppt/slideLayouts/slideLayout33.xml><?xml version="1.0" encoding="utf-8"?>
-<p:sldLayout xmlns:a="http://schemas.openxmlformats.org/drawingml/2006/main" xmlns:p="http://schemas.openxmlformats.org/presentationml/2006/main" xmlns:r="http://schemas.openxmlformats.org/officeDocument/2006/relationships" xmlns:p14="http://schemas.microsoft.com/office/powerpoint/2010/main" xmlns:p15="http://schemas.microsoft.com/office/powerpoint/2012/main" xmlns:mc="http://schemas.openxmlformats.org/markup-compatibility/2006" type="twoObjOverTx" preserve="1">
-  <p:cSld name="Title, 2 Content over Content">
-    <p:spTree>
-      <p:nvGrpSpPr>
-        <p:cNvPr id="1" name=""/>
-        <p:cNvGrpSpPr/>
-        <p:nvPr/>
-      </p:nvGrpSpPr>
-      <p:grpSpPr>
-        <a:xfrm>
-          <a:off x="0" y="0"/>
-          <a:ext cx="0" cy="0"/>
-          <a:chOff x="0" y="0"/>
-          <a:chExt cx="0" cy="0"/>
-        </a:xfrm>
-      </p:grpSpPr>
-      <p:sp>
-        <p:nvSpPr>
-          <p:cNvPr id="95" name="PlaceHolder 1"/>
-          <p:cNvSpPr>
-            <a:spLocks noGrp="1"/>
-          </p:cNvSpPr>
-          <p:nvPr>
-            <p:ph type="title"/>
-          </p:nvPr>
-        </p:nvSpPr>
-        <p:spPr>
-          <a:xfrm>
-            <a:off x="457200" y="220680"/>
-            <a:ext cx="8228880" cy="1250280"/>
-          </a:xfrm>
-          <a:prstGeom prst="rect">
-            <a:avLst/>
-          </a:prstGeom>
-        </p:spPr>
-        <p:txBody>
-          <a:bodyPr lIns="0" rIns="0" tIns="0" bIns="0" anchor="ctr">
-            <a:noAutofit/>
-          </a:bodyPr>
-          <a:p>
-            <a:pPr algn="ctr"/>
-            <a:endParaRPr b="0" lang="ru-RU" sz="4400" spc="-1" strike="noStrike">
-              <a:latin typeface="Arial"/>
-            </a:endParaRPr>
-          </a:p>
-        </p:txBody>
-      </p:sp>
-      <p:sp>
-        <p:nvSpPr>
-          <p:cNvPr id="96" name="PlaceHolder 2"/>
-          <p:cNvSpPr>
-            <a:spLocks noGrp="1"/>
-          </p:cNvSpPr>
-          <p:nvPr>
-            <p:ph type="body"/>
-          </p:nvPr>
-        </p:nvSpPr>
-        <p:spPr>
-          <a:xfrm>
-            <a:off x="457200" y="1604520"/>
-            <a:ext cx="4015800" cy="1896840"/>
-          </a:xfrm>
-          <a:prstGeom prst="rect">
-            <a:avLst/>
-          </a:prstGeom>
-        </p:spPr>
-        <p:txBody>
-          <a:bodyPr lIns="0" rIns="0" tIns="0" bIns="0">
-            <a:normAutofit/>
-          </a:bodyPr>
-          <a:p>
-            <a:endParaRPr b="0" lang="ru-RU" sz="3200" spc="-1" strike="noStrike">
-              <a:latin typeface="Arial"/>
-            </a:endParaRPr>
-          </a:p>
-        </p:txBody>
-      </p:sp>
-      <p:sp>
-        <p:nvSpPr>
-          <p:cNvPr id="97" name="PlaceHolder 3"/>
-          <p:cNvSpPr>
-            <a:spLocks noGrp="1"/>
-          </p:cNvSpPr>
-          <p:nvPr>
-            <p:ph type="body"/>
-          </p:nvPr>
-        </p:nvSpPr>
-        <p:spPr>
-          <a:xfrm>
-            <a:off x="4674240" y="1604520"/>
-            <a:ext cx="4015800" cy="1896840"/>
-          </a:xfrm>
-          <a:prstGeom prst="rect">
-            <a:avLst/>
-          </a:prstGeom>
-        </p:spPr>
-        <p:txBody>
-          <a:bodyPr lIns="0" rIns="0" tIns="0" bIns="0">
-            <a:normAutofit/>
-          </a:bodyPr>
-          <a:p>
-            <a:endParaRPr b="0" lang="ru-RU" sz="3200" spc="-1" strike="noStrike">
-              <a:latin typeface="Arial"/>
-            </a:endParaRPr>
-          </a:p>
-        </p:txBody>
-      </p:sp>
-      <p:sp>
-        <p:nvSpPr>
-          <p:cNvPr id="98" name="PlaceHolder 4"/>
-          <p:cNvSpPr>
-            <a:spLocks noGrp="1"/>
-          </p:cNvSpPr>
-          <p:nvPr>
-            <p:ph type="body"/>
-          </p:nvPr>
-        </p:nvSpPr>
-        <p:spPr>
-          <a:xfrm>
-            <a:off x="457200" y="3682080"/>
-            <a:ext cx="8229240" cy="1896840"/>
-          </a:xfrm>
-          <a:prstGeom prst="rect">
-            <a:avLst/>
-          </a:prstGeom>
-        </p:spPr>
-        <p:txBody>
-          <a:bodyPr lIns="0" rIns="0" tIns="0" bIns="0">
-            <a:normAutofit/>
-          </a:bodyPr>
-          <a:p>
-            <a:endParaRPr b="0" lang="ru-RU" sz="3200" spc="-1" strike="noStrike">
-              <a:latin typeface="Arial"/>
-            </a:endParaRPr>
-          </a:p>
-        </p:txBody>
-      </p:sp>
-    </p:spTree>
-  </p:cSld>
-</p:sldLayout>
-</file>
-
-<file path=ppt/slideLayouts/slideLayout34.xml><?xml version="1.0" encoding="utf-8"?>
-<p:sldLayout xmlns:a="http://schemas.openxmlformats.org/drawingml/2006/main" xmlns:p="http://schemas.openxmlformats.org/presentationml/2006/main" xmlns:r="http://schemas.openxmlformats.org/officeDocument/2006/relationships" xmlns:p14="http://schemas.microsoft.com/office/powerpoint/2010/main" xmlns:p15="http://schemas.microsoft.com/office/powerpoint/2012/main" xmlns:mc="http://schemas.openxmlformats.org/markup-compatibility/2006" type="objOverTx" preserve="1">
-  <p:cSld name="Title, Content over Content">
-    <p:spTree>
-      <p:nvGrpSpPr>
-        <p:cNvPr id="1" name=""/>
-        <p:cNvGrpSpPr/>
-        <p:nvPr/>
-      </p:nvGrpSpPr>
-      <p:grpSpPr>
-        <a:xfrm>
-          <a:off x="0" y="0"/>
-          <a:ext cx="0" cy="0"/>
-          <a:chOff x="0" y="0"/>
-          <a:chExt cx="0" cy="0"/>
-        </a:xfrm>
-      </p:grpSpPr>
-      <p:sp>
-        <p:nvSpPr>
-          <p:cNvPr id="99" name="PlaceHolder 1"/>
-          <p:cNvSpPr>
-            <a:spLocks noGrp="1"/>
-          </p:cNvSpPr>
-          <p:nvPr>
-            <p:ph type="title"/>
-          </p:nvPr>
-        </p:nvSpPr>
-        <p:spPr>
-          <a:xfrm>
-            <a:off x="457200" y="220680"/>
-            <a:ext cx="8228880" cy="1250280"/>
-          </a:xfrm>
-          <a:prstGeom prst="rect">
-            <a:avLst/>
-          </a:prstGeom>
-        </p:spPr>
-        <p:txBody>
-          <a:bodyPr lIns="0" rIns="0" tIns="0" bIns="0" anchor="ctr">
-            <a:noAutofit/>
-          </a:bodyPr>
-          <a:p>
-            <a:pPr algn="ctr"/>
-            <a:endParaRPr b="0" lang="ru-RU" sz="4400" spc="-1" strike="noStrike">
-              <a:latin typeface="Arial"/>
-            </a:endParaRPr>
-          </a:p>
-        </p:txBody>
-      </p:sp>
-      <p:sp>
-        <p:nvSpPr>
-          <p:cNvPr id="100" name="PlaceHolder 2"/>
-          <p:cNvSpPr>
-            <a:spLocks noGrp="1"/>
-          </p:cNvSpPr>
-          <p:nvPr>
-            <p:ph type="body"/>
-          </p:nvPr>
-        </p:nvSpPr>
-        <p:spPr>
-          <a:xfrm>
-            <a:off x="457200" y="1604520"/>
-            <a:ext cx="8229240" cy="1896840"/>
-          </a:xfrm>
-          <a:prstGeom prst="rect">
-            <a:avLst/>
-          </a:prstGeom>
-        </p:spPr>
-        <p:txBody>
-          <a:bodyPr lIns="0" rIns="0" tIns="0" bIns="0">
-            <a:normAutofit/>
-          </a:bodyPr>
-          <a:p>
-            <a:endParaRPr b="0" lang="ru-RU" sz="3200" spc="-1" strike="noStrike">
-              <a:latin typeface="Arial"/>
-            </a:endParaRPr>
-          </a:p>
-        </p:txBody>
-      </p:sp>
-      <p:sp>
-        <p:nvSpPr>
-          <p:cNvPr id="101" name="PlaceHolder 3"/>
-          <p:cNvSpPr>
-            <a:spLocks noGrp="1"/>
-          </p:cNvSpPr>
-          <p:nvPr>
-            <p:ph type="body"/>
-          </p:nvPr>
-        </p:nvSpPr>
-        <p:spPr>
-          <a:xfrm>
-            <a:off x="457200" y="3682080"/>
-            <a:ext cx="8229240" cy="1896840"/>
-          </a:xfrm>
-          <a:prstGeom prst="rect">
-            <a:avLst/>
-          </a:prstGeom>
-        </p:spPr>
-        <p:txBody>
-          <a:bodyPr lIns="0" rIns="0" tIns="0" bIns="0">
-            <a:normAutofit/>
-          </a:bodyPr>
-          <a:p>
-            <a:endParaRPr b="0" lang="ru-RU" sz="3200" spc="-1" strike="noStrike">
-              <a:latin typeface="Arial"/>
-            </a:endParaRPr>
-          </a:p>
-        </p:txBody>
-      </p:sp>
-    </p:spTree>
-  </p:cSld>
-</p:sldLayout>
-</file>
-
-<file path=ppt/slideLayouts/slideLayout35.xml><?xml version="1.0" encoding="utf-8"?>
-<p:sldLayout xmlns:a="http://schemas.openxmlformats.org/drawingml/2006/main" xmlns:p="http://schemas.openxmlformats.org/presentationml/2006/main" xmlns:r="http://schemas.openxmlformats.org/officeDocument/2006/relationships" xmlns:p14="http://schemas.microsoft.com/office/powerpoint/2010/main" xmlns:p15="http://schemas.microsoft.com/office/powerpoint/2012/main" xmlns:mc="http://schemas.openxmlformats.org/markup-compatibility/2006" type="fourObj" preserve="1">
-  <p:cSld name="Title, 4 Content">
-    <p:spTree>
-      <p:nvGrpSpPr>
-        <p:cNvPr id="1" name=""/>
-        <p:cNvGrpSpPr/>
-        <p:nvPr/>
-      </p:nvGrpSpPr>
-      <p:grpSpPr>
-        <a:xfrm>
-          <a:off x="0" y="0"/>
-          <a:ext cx="0" cy="0"/>
-          <a:chOff x="0" y="0"/>
-          <a:chExt cx="0" cy="0"/>
-        </a:xfrm>
-      </p:grpSpPr>
-      <p:sp>
-        <p:nvSpPr>
-          <p:cNvPr id="102" name="PlaceHolder 1"/>
-          <p:cNvSpPr>
-            <a:spLocks noGrp="1"/>
-          </p:cNvSpPr>
-          <p:nvPr>
-            <p:ph type="title"/>
-          </p:nvPr>
-        </p:nvSpPr>
-        <p:spPr>
-          <a:xfrm>
-            <a:off x="457200" y="220680"/>
-            <a:ext cx="8228880" cy="1250280"/>
-          </a:xfrm>
-          <a:prstGeom prst="rect">
-            <a:avLst/>
-          </a:prstGeom>
-        </p:spPr>
-        <p:txBody>
-          <a:bodyPr lIns="0" rIns="0" tIns="0" bIns="0" anchor="ctr">
-            <a:noAutofit/>
-          </a:bodyPr>
-          <a:p>
-            <a:pPr algn="ctr"/>
-            <a:endParaRPr b="0" lang="ru-RU" sz="4400" spc="-1" strike="noStrike">
-              <a:latin typeface="Arial"/>
-            </a:endParaRPr>
-          </a:p>
-        </p:txBody>
-      </p:sp>
-      <p:sp>
-        <p:nvSpPr>
-          <p:cNvPr id="103" name="PlaceHolder 2"/>
-          <p:cNvSpPr>
-            <a:spLocks noGrp="1"/>
-          </p:cNvSpPr>
-          <p:nvPr>
-            <p:ph type="body"/>
-          </p:nvPr>
-        </p:nvSpPr>
-        <p:spPr>
-          <a:xfrm>
-            <a:off x="457200" y="1604520"/>
-            <a:ext cx="4015800" cy="1896840"/>
-          </a:xfrm>
-          <a:prstGeom prst="rect">
-            <a:avLst/>
-          </a:prstGeom>
-        </p:spPr>
-        <p:txBody>
-          <a:bodyPr lIns="0" rIns="0" tIns="0" bIns="0">
-            <a:normAutofit/>
-          </a:bodyPr>
-          <a:p>
-            <a:endParaRPr b="0" lang="ru-RU" sz="3200" spc="-1" strike="noStrike">
-              <a:latin typeface="Arial"/>
-            </a:endParaRPr>
-          </a:p>
-        </p:txBody>
-      </p:sp>
-      <p:sp>
-        <p:nvSpPr>
-          <p:cNvPr id="104" name="PlaceHolder 3"/>
-          <p:cNvSpPr>
-            <a:spLocks noGrp="1"/>
-          </p:cNvSpPr>
-          <p:nvPr>
-            <p:ph type="body"/>
-          </p:nvPr>
-        </p:nvSpPr>
-        <p:spPr>
-          <a:xfrm>
-            <a:off x="4674240" y="1604520"/>
-            <a:ext cx="4015800" cy="1896840"/>
-          </a:xfrm>
-          <a:prstGeom prst="rect">
-            <a:avLst/>
-          </a:prstGeom>
-        </p:spPr>
-        <p:txBody>
-          <a:bodyPr lIns="0" rIns="0" tIns="0" bIns="0">
-            <a:normAutofit/>
-          </a:bodyPr>
-          <a:p>
-            <a:endParaRPr b="0" lang="ru-RU" sz="3200" spc="-1" strike="noStrike">
-              <a:latin typeface="Arial"/>
-            </a:endParaRPr>
-          </a:p>
-        </p:txBody>
-      </p:sp>
-      <p:sp>
-        <p:nvSpPr>
-          <p:cNvPr id="105" name="PlaceHolder 4"/>
-          <p:cNvSpPr>
-            <a:spLocks noGrp="1"/>
-          </p:cNvSpPr>
-          <p:nvPr>
-            <p:ph type="body"/>
-          </p:nvPr>
-        </p:nvSpPr>
-        <p:spPr>
-          <a:xfrm>
-            <a:off x="457200" y="3682080"/>
-            <a:ext cx="4015800" cy="1896840"/>
-          </a:xfrm>
-          <a:prstGeom prst="rect">
-            <a:avLst/>
-          </a:prstGeom>
-        </p:spPr>
-        <p:txBody>
-          <a:bodyPr lIns="0" rIns="0" tIns="0" bIns="0">
-            <a:normAutofit/>
-          </a:bodyPr>
-          <a:p>
-            <a:endParaRPr b="0" lang="ru-RU" sz="3200" spc="-1" strike="noStrike">
-              <a:latin typeface="Arial"/>
-            </a:endParaRPr>
-          </a:p>
-        </p:txBody>
-      </p:sp>
-      <p:sp>
-        <p:nvSpPr>
-          <p:cNvPr id="106" name="PlaceHolder 5"/>
-          <p:cNvSpPr>
-            <a:spLocks noGrp="1"/>
-          </p:cNvSpPr>
-          <p:nvPr>
-            <p:ph type="body"/>
-          </p:nvPr>
-        </p:nvSpPr>
-        <p:spPr>
-          <a:xfrm>
-            <a:off x="4674240" y="3682080"/>
-            <a:ext cx="4015800" cy="1896840"/>
-          </a:xfrm>
-          <a:prstGeom prst="rect">
-            <a:avLst/>
-          </a:prstGeom>
-        </p:spPr>
-        <p:txBody>
-          <a:bodyPr lIns="0" rIns="0" tIns="0" bIns="0">
-            <a:normAutofit/>
-          </a:bodyPr>
-          <a:p>
-            <a:endParaRPr b="0" lang="ru-RU" sz="3200" spc="-1" strike="noStrike">
-              <a:latin typeface="Arial"/>
-            </a:endParaRPr>
-          </a:p>
-        </p:txBody>
-      </p:sp>
-    </p:spTree>
-  </p:cSld>
-</p:sldLayout>
-</file>
-
-<file path=ppt/slideLayouts/slideLayout36.xml><?xml version="1.0" encoding="utf-8"?>
-<p:sldLayout xmlns:a="http://schemas.openxmlformats.org/drawingml/2006/main" xmlns:p="http://schemas.openxmlformats.org/presentationml/2006/main" xmlns:r="http://schemas.openxmlformats.org/officeDocument/2006/relationships" xmlns:p14="http://schemas.microsoft.com/office/powerpoint/2010/main" xmlns:p15="http://schemas.microsoft.com/office/powerpoint/2012/main" xmlns:mc="http://schemas.openxmlformats.org/markup-compatibility/2006" type="blank" preserve="1">
-  <p:cSld name="Title, 6 Content">
-    <p:spTree>
-      <p:nvGrpSpPr>
-        <p:cNvPr id="1" name=""/>
-        <p:cNvGrpSpPr/>
-        <p:nvPr/>
-      </p:nvGrpSpPr>
-      <p:grpSpPr>
-        <a:xfrm>
-          <a:off x="0" y="0"/>
-          <a:ext cx="0" cy="0"/>
-          <a:chOff x="0" y="0"/>
-          <a:chExt cx="0" cy="0"/>
-        </a:xfrm>
-      </p:grpSpPr>
-      <p:sp>
-        <p:nvSpPr>
-          <p:cNvPr id="107" name="PlaceHolder 1"/>
-          <p:cNvSpPr>
-            <a:spLocks noGrp="1"/>
-          </p:cNvSpPr>
-          <p:nvPr>
-            <p:ph type="title"/>
-          </p:nvPr>
-        </p:nvSpPr>
-        <p:spPr>
-          <a:xfrm>
-            <a:off x="457200" y="220680"/>
-            <a:ext cx="8228880" cy="1250280"/>
-          </a:xfrm>
-          <a:prstGeom prst="rect">
-            <a:avLst/>
-          </a:prstGeom>
-        </p:spPr>
-        <p:txBody>
-          <a:bodyPr lIns="0" rIns="0" tIns="0" bIns="0" anchor="ctr">
-            <a:noAutofit/>
-          </a:bodyPr>
-          <a:p>
-            <a:pPr algn="ctr"/>
-            <a:endParaRPr b="0" lang="ru-RU" sz="4400" spc="-1" strike="noStrike">
-              <a:latin typeface="Arial"/>
-            </a:endParaRPr>
-          </a:p>
-        </p:txBody>
-      </p:sp>
-      <p:sp>
-        <p:nvSpPr>
-          <p:cNvPr id="108" name="PlaceHolder 2"/>
-          <p:cNvSpPr>
-            <a:spLocks noGrp="1"/>
-          </p:cNvSpPr>
-          <p:nvPr>
-            <p:ph type="body"/>
-          </p:nvPr>
-        </p:nvSpPr>
-        <p:spPr>
-          <a:xfrm>
-            <a:off x="457200" y="1604520"/>
-            <a:ext cx="2649600" cy="1896840"/>
-          </a:xfrm>
-          <a:prstGeom prst="rect">
-            <a:avLst/>
-          </a:prstGeom>
-        </p:spPr>
-        <p:txBody>
-          <a:bodyPr lIns="0" rIns="0" tIns="0" bIns="0">
-            <a:normAutofit fontScale="76000"/>
-          </a:bodyPr>
-          <a:p>
-            <a:endParaRPr b="0" lang="ru-RU" sz="3200" spc="-1" strike="noStrike">
-              <a:latin typeface="Arial"/>
-            </a:endParaRPr>
-          </a:p>
-        </p:txBody>
-      </p:sp>
-      <p:sp>
-        <p:nvSpPr>
-          <p:cNvPr id="109" name="PlaceHolder 3"/>
-          <p:cNvSpPr>
-            <a:spLocks noGrp="1"/>
-          </p:cNvSpPr>
-          <p:nvPr>
-            <p:ph type="body"/>
-          </p:nvPr>
-        </p:nvSpPr>
-        <p:spPr>
-          <a:xfrm>
-            <a:off x="3239640" y="1604520"/>
-            <a:ext cx="2649600" cy="1896840"/>
-          </a:xfrm>
-          <a:prstGeom prst="rect">
-            <a:avLst/>
-          </a:prstGeom>
-        </p:spPr>
-        <p:txBody>
-          <a:bodyPr lIns="0" rIns="0" tIns="0" bIns="0">
-            <a:normAutofit fontScale="76000"/>
-          </a:bodyPr>
-          <a:p>
-            <a:endParaRPr b="0" lang="ru-RU" sz="3200" spc="-1" strike="noStrike">
-              <a:latin typeface="Arial"/>
-            </a:endParaRPr>
-          </a:p>
-        </p:txBody>
-      </p:sp>
-      <p:sp>
-        <p:nvSpPr>
-          <p:cNvPr id="110" name="PlaceHolder 4"/>
-          <p:cNvSpPr>
-            <a:spLocks noGrp="1"/>
-          </p:cNvSpPr>
-          <p:nvPr>
-            <p:ph type="body"/>
-          </p:nvPr>
-        </p:nvSpPr>
-        <p:spPr>
-          <a:xfrm>
-            <a:off x="6022080" y="1604520"/>
-            <a:ext cx="2649600" cy="1896840"/>
-          </a:xfrm>
-          <a:prstGeom prst="rect">
-            <a:avLst/>
-          </a:prstGeom>
-        </p:spPr>
-        <p:txBody>
-          <a:bodyPr lIns="0" rIns="0" tIns="0" bIns="0">
-            <a:normAutofit fontScale="76000"/>
-          </a:bodyPr>
-          <a:p>
-            <a:endParaRPr b="0" lang="ru-RU" sz="3200" spc="-1" strike="noStrike">
-              <a:latin typeface="Arial"/>
-            </a:endParaRPr>
-          </a:p>
-        </p:txBody>
-      </p:sp>
-      <p:sp>
-        <p:nvSpPr>
-          <p:cNvPr id="111" name="PlaceHolder 5"/>
-          <p:cNvSpPr>
-            <a:spLocks noGrp="1"/>
-          </p:cNvSpPr>
-          <p:nvPr>
-            <p:ph type="body"/>
-          </p:nvPr>
-        </p:nvSpPr>
-        <p:spPr>
-          <a:xfrm>
-            <a:off x="457200" y="3682080"/>
-            <a:ext cx="2649600" cy="1896840"/>
-          </a:xfrm>
-          <a:prstGeom prst="rect">
-            <a:avLst/>
-          </a:prstGeom>
-        </p:spPr>
-        <p:txBody>
-          <a:bodyPr lIns="0" rIns="0" tIns="0" bIns="0">
-            <a:normAutofit fontScale="76000"/>
-          </a:bodyPr>
-          <a:p>
-            <a:endParaRPr b="0" lang="ru-RU" sz="3200" spc="-1" strike="noStrike">
-              <a:latin typeface="Arial"/>
-            </a:endParaRPr>
-          </a:p>
-        </p:txBody>
-      </p:sp>
-      <p:sp>
-        <p:nvSpPr>
-          <p:cNvPr id="112" name="PlaceHolder 6"/>
-          <p:cNvSpPr>
-            <a:spLocks noGrp="1"/>
-          </p:cNvSpPr>
-          <p:nvPr>
-            <p:ph type="body"/>
-          </p:nvPr>
-        </p:nvSpPr>
-        <p:spPr>
-          <a:xfrm>
-            <a:off x="3239640" y="3682080"/>
-            <a:ext cx="2649600" cy="1896840"/>
-          </a:xfrm>
-          <a:prstGeom prst="rect">
-            <a:avLst/>
-          </a:prstGeom>
-        </p:spPr>
-        <p:txBody>
-          <a:bodyPr lIns="0" rIns="0" tIns="0" bIns="0">
-            <a:normAutofit fontScale="76000"/>
-          </a:bodyPr>
-          <a:p>
-            <a:endParaRPr b="0" lang="ru-RU" sz="3200" spc="-1" strike="noStrike">
-              <a:latin typeface="Arial"/>
-            </a:endParaRPr>
-          </a:p>
-        </p:txBody>
-      </p:sp>
-      <p:sp>
-        <p:nvSpPr>
-          <p:cNvPr id="113" name="PlaceHolder 7"/>
-          <p:cNvSpPr>
-            <a:spLocks noGrp="1"/>
-          </p:cNvSpPr>
-          <p:nvPr>
-            <p:ph type="body"/>
-          </p:nvPr>
-        </p:nvSpPr>
-        <p:spPr>
-          <a:xfrm>
-            <a:off x="6022080" y="3682080"/>
-            <a:ext cx="2649600" cy="1896840"/>
-          </a:xfrm>
-          <a:prstGeom prst="rect">
-            <a:avLst/>
-          </a:prstGeom>
-        </p:spPr>
-        <p:txBody>
-          <a:bodyPr lIns="0" rIns="0" tIns="0" bIns="0">
-            <a:normAutofit fontScale="76000"/>
           </a:bodyPr>
           <a:p>
             <a:endParaRPr b="0" lang="ru-RU" sz="3200" spc="-1" strike="noStrike">
@@ -3492,7 +2136,7 @@
         <p:spPr>
           <a:xfrm>
             <a:off x="457200" y="220680"/>
-            <a:ext cx="8228880" cy="1250280"/>
+            <a:ext cx="8228520" cy="1250280"/>
           </a:xfrm>
           <a:prstGeom prst="rect">
             <a:avLst/>
@@ -3523,7 +2167,7 @@
         <p:spPr>
           <a:xfrm>
             <a:off x="457200" y="1604520"/>
-            <a:ext cx="4015800" cy="3977280"/>
+            <a:ext cx="4015440" cy="3976920"/>
           </a:xfrm>
           <a:prstGeom prst="rect">
             <a:avLst/>
@@ -3552,8 +2196,8 @@
         </p:nvSpPr>
         <p:spPr>
           <a:xfrm>
-            <a:off x="4674240" y="1604520"/>
-            <a:ext cx="4015800" cy="3977280"/>
+            <a:off x="4673880" y="1604520"/>
+            <a:ext cx="4015440" cy="3976920"/>
           </a:xfrm>
           <a:prstGeom prst="rect">
             <a:avLst/>
@@ -3605,7 +2249,7 @@
         <p:spPr>
           <a:xfrm>
             <a:off x="457200" y="220680"/>
-            <a:ext cx="8228880" cy="1250280"/>
+            <a:ext cx="8228520" cy="1250280"/>
           </a:xfrm>
           <a:prstGeom prst="rect">
             <a:avLst/>
@@ -3657,8 +2301,8 @@
         </p:nvSpPr>
         <p:spPr>
           <a:xfrm>
-            <a:off x="457200" y="274680"/>
-            <a:ext cx="8228880" cy="5296320"/>
+            <a:off x="457200" y="220680"/>
+            <a:ext cx="8228520" cy="5795280"/>
           </a:xfrm>
           <a:prstGeom prst="rect">
             <a:avLst/>
@@ -3711,7 +2355,7 @@
         <p:spPr>
           <a:xfrm>
             <a:off x="457200" y="220680"/>
-            <a:ext cx="8228880" cy="1250280"/>
+            <a:ext cx="8228520" cy="1250280"/>
           </a:xfrm>
           <a:prstGeom prst="rect">
             <a:avLst/>
@@ -3742,7 +2386,7 @@
         <p:spPr>
           <a:xfrm>
             <a:off x="457200" y="1604520"/>
-            <a:ext cx="4015800" cy="1896840"/>
+            <a:ext cx="4015440" cy="1896840"/>
           </a:xfrm>
           <a:prstGeom prst="rect">
             <a:avLst/>
@@ -3771,8 +2415,8 @@
         </p:nvSpPr>
         <p:spPr>
           <a:xfrm>
-            <a:off x="4674240" y="1604520"/>
-            <a:ext cx="4015800" cy="3977280"/>
+            <a:off x="4673880" y="1604520"/>
+            <a:ext cx="4015440" cy="3976920"/>
           </a:xfrm>
           <a:prstGeom prst="rect">
             <a:avLst/>
@@ -3802,7 +2446,7 @@
         <p:spPr>
           <a:xfrm>
             <a:off x="457200" y="3682080"/>
-            <a:ext cx="4015800" cy="1896840"/>
+            <a:ext cx="4015440" cy="1896840"/>
           </a:xfrm>
           <a:prstGeom prst="rect">
             <a:avLst/>
@@ -3854,7 +2498,7 @@
         <p:spPr>
           <a:xfrm>
             <a:off x="457200" y="220680"/>
-            <a:ext cx="8228880" cy="1250280"/>
+            <a:ext cx="8228520" cy="1250280"/>
           </a:xfrm>
           <a:prstGeom prst="rect">
             <a:avLst/>
@@ -3885,7 +2529,7 @@
         <p:spPr>
           <a:xfrm>
             <a:off x="457200" y="1604520"/>
-            <a:ext cx="4015800" cy="3977280"/>
+            <a:ext cx="4015440" cy="3976920"/>
           </a:xfrm>
           <a:prstGeom prst="rect">
             <a:avLst/>
@@ -3914,8 +2558,8 @@
         </p:nvSpPr>
         <p:spPr>
           <a:xfrm>
-            <a:off x="4674240" y="1604520"/>
-            <a:ext cx="4015800" cy="1896840"/>
+            <a:off x="4673880" y="1604520"/>
+            <a:ext cx="4015440" cy="1896840"/>
           </a:xfrm>
           <a:prstGeom prst="rect">
             <a:avLst/>
@@ -3944,8 +2588,8 @@
         </p:nvSpPr>
         <p:spPr>
           <a:xfrm>
-            <a:off x="4674240" y="3682080"/>
-            <a:ext cx="4015800" cy="1896840"/>
+            <a:off x="4673880" y="3682080"/>
+            <a:ext cx="4015440" cy="1896840"/>
           </a:xfrm>
           <a:prstGeom prst="rect">
             <a:avLst/>
@@ -3997,7 +2641,7 @@
         <p:spPr>
           <a:xfrm>
             <a:off x="457200" y="220680"/>
-            <a:ext cx="8228880" cy="1250280"/>
+            <a:ext cx="8228520" cy="1250280"/>
           </a:xfrm>
           <a:prstGeom prst="rect">
             <a:avLst/>
@@ -4028,7 +2672,7 @@
         <p:spPr>
           <a:xfrm>
             <a:off x="457200" y="1604520"/>
-            <a:ext cx="4015800" cy="1896840"/>
+            <a:ext cx="4015440" cy="1896840"/>
           </a:xfrm>
           <a:prstGeom prst="rect">
             <a:avLst/>
@@ -4057,8 +2701,8 @@
         </p:nvSpPr>
         <p:spPr>
           <a:xfrm>
-            <a:off x="4674240" y="1604520"/>
-            <a:ext cx="4015800" cy="1896840"/>
+            <a:off x="4673880" y="1604520"/>
+            <a:ext cx="4015440" cy="1896840"/>
           </a:xfrm>
           <a:prstGeom prst="rect">
             <a:avLst/>
@@ -4088,7 +2732,7 @@
         <p:spPr>
           <a:xfrm>
             <a:off x="457200" y="3682080"/>
-            <a:ext cx="8229240" cy="1896840"/>
+            <a:ext cx="8228880" cy="1896840"/>
           </a:xfrm>
           <a:prstGeom prst="rect">
             <a:avLst/>
@@ -4146,8 +2790,8 @@
         </p:nvSpPr>
         <p:spPr>
           <a:xfrm>
-            <a:off x="457200" y="274680"/>
-            <a:ext cx="8228880" cy="1142280"/>
+            <a:off x="457200" y="220680"/>
+            <a:ext cx="8228520" cy="1249920"/>
           </a:xfrm>
           <a:prstGeom prst="rect">
             <a:avLst/>
@@ -4162,31 +2806,247 @@
               <a:rPr b="0" lang="ru-RU" sz="1800" spc="-1" strike="noStrike">
                 <a:latin typeface="Arial"/>
               </a:rPr>
-              <a:t>Для правки </a:t>
+              <a:t>Д</a:t>
             </a:r>
             <a:r>
               <a:rPr b="0" lang="ru-RU" sz="1800" spc="-1" strike="noStrike">
                 <a:latin typeface="Arial"/>
               </a:rPr>
-              <a:t>текста </a:t>
+              <a:t>л</a:t>
             </a:r>
             <a:r>
               <a:rPr b="0" lang="ru-RU" sz="1800" spc="-1" strike="noStrike">
                 <a:latin typeface="Arial"/>
               </a:rPr>
-              <a:t>заглавия </a:t>
+              <a:t>я</a:t>
             </a:r>
             <a:r>
               <a:rPr b="0" lang="ru-RU" sz="1800" spc="-1" strike="noStrike">
                 <a:latin typeface="Arial"/>
               </a:rPr>
-              <a:t>щёлкните </a:t>
+              <a:t> </a:t>
             </a:r>
             <a:r>
               <a:rPr b="0" lang="ru-RU" sz="1800" spc="-1" strike="noStrike">
                 <a:latin typeface="Arial"/>
               </a:rPr>
-              <a:t>мышью</a:t>
+              <a:t>п</a:t>
+            </a:r>
+            <a:r>
+              <a:rPr b="0" lang="ru-RU" sz="1800" spc="-1" strike="noStrike">
+                <a:latin typeface="Arial"/>
+              </a:rPr>
+              <a:t>р</a:t>
+            </a:r>
+            <a:r>
+              <a:rPr b="0" lang="ru-RU" sz="1800" spc="-1" strike="noStrike">
+                <a:latin typeface="Arial"/>
+              </a:rPr>
+              <a:t>а</a:t>
+            </a:r>
+            <a:r>
+              <a:rPr b="0" lang="ru-RU" sz="1800" spc="-1" strike="noStrike">
+                <a:latin typeface="Arial"/>
+              </a:rPr>
+              <a:t>в</a:t>
+            </a:r>
+            <a:r>
+              <a:rPr b="0" lang="ru-RU" sz="1800" spc="-1" strike="noStrike">
+                <a:latin typeface="Arial"/>
+              </a:rPr>
+              <a:t>к</a:t>
+            </a:r>
+            <a:r>
+              <a:rPr b="0" lang="ru-RU" sz="1800" spc="-1" strike="noStrike">
+                <a:latin typeface="Arial"/>
+              </a:rPr>
+              <a:t>и</a:t>
+            </a:r>
+            <a:r>
+              <a:rPr b="0" lang="ru-RU" sz="1800" spc="-1" strike="noStrike">
+                <a:latin typeface="Arial"/>
+              </a:rPr>
+              <a:t> </a:t>
+            </a:r>
+            <a:r>
+              <a:rPr b="0" lang="ru-RU" sz="1800" spc="-1" strike="noStrike">
+                <a:latin typeface="Arial"/>
+              </a:rPr>
+              <a:t>т</a:t>
+            </a:r>
+            <a:r>
+              <a:rPr b="0" lang="ru-RU" sz="1800" spc="-1" strike="noStrike">
+                <a:latin typeface="Arial"/>
+              </a:rPr>
+              <a:t>е</a:t>
+            </a:r>
+            <a:r>
+              <a:rPr b="0" lang="ru-RU" sz="1800" spc="-1" strike="noStrike">
+                <a:latin typeface="Arial"/>
+              </a:rPr>
+              <a:t>к</a:t>
+            </a:r>
+            <a:r>
+              <a:rPr b="0" lang="ru-RU" sz="1800" spc="-1" strike="noStrike">
+                <a:latin typeface="Arial"/>
+              </a:rPr>
+              <a:t>с</a:t>
+            </a:r>
+            <a:r>
+              <a:rPr b="0" lang="ru-RU" sz="1800" spc="-1" strike="noStrike">
+                <a:latin typeface="Arial"/>
+              </a:rPr>
+              <a:t>т</a:t>
+            </a:r>
+            <a:r>
+              <a:rPr b="0" lang="ru-RU" sz="1800" spc="-1" strike="noStrike">
+                <a:latin typeface="Arial"/>
+              </a:rPr>
+              <a:t>а</a:t>
+            </a:r>
+            <a:r>
+              <a:rPr b="0" lang="ru-RU" sz="1800" spc="-1" strike="noStrike">
+                <a:latin typeface="Arial"/>
+              </a:rPr>
+              <a:t> </a:t>
+            </a:r>
+            <a:r>
+              <a:rPr b="0" lang="ru-RU" sz="1800" spc="-1" strike="noStrike">
+                <a:latin typeface="Arial"/>
+              </a:rPr>
+              <a:t>з</a:t>
+            </a:r>
+            <a:r>
+              <a:rPr b="0" lang="ru-RU" sz="1800" spc="-1" strike="noStrike">
+                <a:latin typeface="Arial"/>
+              </a:rPr>
+              <a:t>а</a:t>
+            </a:r>
+            <a:r>
+              <a:rPr b="0" lang="ru-RU" sz="1800" spc="-1" strike="noStrike">
+                <a:latin typeface="Arial"/>
+              </a:rPr>
+              <a:t>г</a:t>
+            </a:r>
+            <a:r>
+              <a:rPr b="0" lang="ru-RU" sz="1800" spc="-1" strike="noStrike">
+                <a:latin typeface="Arial"/>
+              </a:rPr>
+              <a:t>л</a:t>
+            </a:r>
+            <a:r>
+              <a:rPr b="0" lang="ru-RU" sz="1800" spc="-1" strike="noStrike">
+                <a:latin typeface="Arial"/>
+              </a:rPr>
+              <a:t>а</a:t>
+            </a:r>
+            <a:r>
+              <a:rPr b="0" lang="ru-RU" sz="1800" spc="-1" strike="noStrike">
+                <a:latin typeface="Arial"/>
+              </a:rPr>
+              <a:t>в</a:t>
+            </a:r>
+            <a:r>
+              <a:rPr b="0" lang="ru-RU" sz="1800" spc="-1" strike="noStrike">
+                <a:latin typeface="Arial"/>
+              </a:rPr>
+              <a:t>и</a:t>
+            </a:r>
+            <a:r>
+              <a:rPr b="0" lang="ru-RU" sz="1800" spc="-1" strike="noStrike">
+                <a:latin typeface="Arial"/>
+              </a:rPr>
+              <a:t>я</a:t>
+            </a:r>
+            <a:r>
+              <a:rPr b="0" lang="ru-RU" sz="1800" spc="-1" strike="noStrike">
+                <a:latin typeface="Arial"/>
+              </a:rPr>
+              <a:t> </a:t>
+            </a:r>
+            <a:r>
+              <a:rPr b="0" lang="ru-RU" sz="1800" spc="-1" strike="noStrike">
+                <a:latin typeface="Arial"/>
+              </a:rPr>
+              <a:t>щ</a:t>
+            </a:r>
+            <a:r>
+              <a:rPr b="0" lang="ru-RU" sz="1800" spc="-1" strike="noStrike">
+                <a:latin typeface="Arial"/>
+              </a:rPr>
+              <a:t>ё</a:t>
+            </a:r>
+            <a:r>
+              <a:rPr b="0" lang="ru-RU" sz="1800" spc="-1" strike="noStrike">
+                <a:latin typeface="Arial"/>
+              </a:rPr>
+              <a:t>л</a:t>
+            </a:r>
+            <a:r>
+              <a:rPr b="0" lang="ru-RU" sz="1800" spc="-1" strike="noStrike">
+                <a:latin typeface="Arial"/>
+              </a:rPr>
+              <a:t>к</a:t>
+            </a:r>
+            <a:r>
+              <a:rPr b="0" lang="ru-RU" sz="1800" spc="-1" strike="noStrike">
+                <a:latin typeface="Arial"/>
+              </a:rPr>
+              <a:t>н</a:t>
+            </a:r>
+            <a:r>
+              <a:rPr b="0" lang="ru-RU" sz="1800" spc="-1" strike="noStrike">
+                <a:latin typeface="Arial"/>
+              </a:rPr>
+              <a:t>и</a:t>
+            </a:r>
+            <a:r>
+              <a:rPr b="0" lang="ru-RU" sz="1800" spc="-1" strike="noStrike">
+                <a:latin typeface="Arial"/>
+              </a:rPr>
+              <a:t>т</a:t>
+            </a:r>
+            <a:r>
+              <a:rPr b="0" lang="ru-RU" sz="1800" spc="-1" strike="noStrike">
+                <a:latin typeface="Arial"/>
+              </a:rPr>
+              <a:t>е</a:t>
+            </a:r>
+            <a:r>
+              <a:rPr b="0" lang="ru-RU" sz="1800" spc="-1" strike="noStrike">
+                <a:latin typeface="Arial"/>
+              </a:rPr>
+              <a:t> </a:t>
+            </a:r>
+            <a:r>
+              <a:rPr b="0" lang="ru-RU" sz="1800" spc="-1" strike="noStrike">
+                <a:latin typeface="Arial"/>
+              </a:rPr>
+              <a:t>м</a:t>
+            </a:r>
+            <a:r>
+              <a:rPr b="0" lang="ru-RU" sz="1800" spc="-1" strike="noStrike">
+                <a:latin typeface="Arial"/>
+              </a:rPr>
+              <a:t>ы</a:t>
+            </a:r>
+            <a:r>
+              <a:rPr b="0" lang="ru-RU" sz="1800" spc="-1" strike="noStrike">
+                <a:latin typeface="Arial"/>
+              </a:rPr>
+              <a:t>ш</a:t>
+            </a:r>
+            <a:r>
+              <a:rPr b="0" lang="ru-RU" sz="1800" spc="-1" strike="noStrike">
+                <a:latin typeface="Arial"/>
+              </a:rPr>
+              <a:t>ь</a:t>
+            </a:r>
+            <a:r>
+              <a:rPr b="0" lang="ru-RU" sz="1800" spc="-1" strike="noStrike">
+                <a:latin typeface="Arial"/>
+              </a:rPr>
+              <a:t>ю</a:t>
             </a:r>
             <a:endParaRPr b="0" lang="ru-RU" sz="1800" spc="-1" strike="noStrike">
               <a:latin typeface="Arial"/>
@@ -4207,7 +3067,7 @@
         <p:spPr>
           <a:xfrm>
             <a:off x="457200" y="1604520"/>
-            <a:ext cx="8229240" cy="3977280"/>
+            <a:ext cx="8228880" cy="3976920"/>
           </a:xfrm>
           <a:prstGeom prst="rect">
             <a:avLst/>
@@ -4230,12 +3090,12 @@
               <a:buChar char=""/>
             </a:pPr>
             <a:r>
-              <a:rPr b="0" lang="ru-RU" sz="3200" spc="-1" strike="noStrike">
+              <a:rPr b="0" lang="ru-RU" sz="1800" spc="-1" strike="noStrike">
                 <a:latin typeface="Arial"/>
               </a:rPr>
               <a:t>Для правки структуры щёлкните мышью</a:t>
             </a:r>
-            <a:endParaRPr b="0" lang="ru-RU" sz="3200" spc="-1" strike="noStrike">
+            <a:endParaRPr b="0" lang="ru-RU" sz="1800" spc="-1" strike="noStrike">
               <a:latin typeface="Arial"/>
             </a:endParaRPr>
           </a:p>
@@ -4252,12 +3112,12 @@
               <a:buChar char=""/>
             </a:pPr>
             <a:r>
-              <a:rPr b="0" lang="ru-RU" sz="2800" spc="-1" strike="noStrike">
+              <a:rPr b="0" lang="ru-RU" sz="1800" spc="-1" strike="noStrike">
                 <a:latin typeface="Arial"/>
               </a:rPr>
               <a:t>Второй уровень структуры</a:t>
             </a:r>
-            <a:endParaRPr b="0" lang="ru-RU" sz="2800" spc="-1" strike="noStrike">
+            <a:endParaRPr b="0" lang="ru-RU" sz="1800" spc="-1" strike="noStrike">
               <a:latin typeface="Arial"/>
             </a:endParaRPr>
           </a:p>
@@ -4274,12 +3134,12 @@
               <a:buChar char=""/>
             </a:pPr>
             <a:r>
-              <a:rPr b="0" lang="ru-RU" sz="2400" spc="-1" strike="noStrike">
+              <a:rPr b="0" lang="ru-RU" sz="1800" spc="-1" strike="noStrike">
                 <a:latin typeface="Arial"/>
               </a:rPr>
               <a:t>Третий уровень структуры</a:t>
             </a:r>
-            <a:endParaRPr b="0" lang="ru-RU" sz="2400" spc="-1" strike="noStrike">
+            <a:endParaRPr b="0" lang="ru-RU" sz="1800" spc="-1" strike="noStrike">
               <a:latin typeface="Arial"/>
             </a:endParaRPr>
           </a:p>
@@ -4296,12 +3156,12 @@
               <a:buChar char=""/>
             </a:pPr>
             <a:r>
-              <a:rPr b="0" lang="ru-RU" sz="2000" spc="-1" strike="noStrike">
+              <a:rPr b="0" lang="ru-RU" sz="1800" spc="-1" strike="noStrike">
                 <a:latin typeface="Arial"/>
               </a:rPr>
               <a:t>Четвёртый уровень структуры</a:t>
             </a:r>
-            <a:endParaRPr b="0" lang="ru-RU" sz="2000" spc="-1" strike="noStrike">
+            <a:endParaRPr b="0" lang="ru-RU" sz="1800" spc="-1" strike="noStrike">
               <a:latin typeface="Arial"/>
             </a:endParaRPr>
           </a:p>
@@ -4318,12 +3178,12 @@
               <a:buChar char=""/>
             </a:pPr>
             <a:r>
-              <a:rPr b="0" lang="ru-RU" sz="2000" spc="-1" strike="noStrike">
+              <a:rPr b="0" lang="ru-RU" sz="1800" spc="-1" strike="noStrike">
                 <a:latin typeface="Arial"/>
               </a:rPr>
               <a:t>Пятый уровень структуры</a:t>
             </a:r>
-            <a:endParaRPr b="0" lang="ru-RU" sz="2000" spc="-1" strike="noStrike">
+            <a:endParaRPr b="0" lang="ru-RU" sz="1800" spc="-1" strike="noStrike">
               <a:latin typeface="Arial"/>
             </a:endParaRPr>
           </a:p>
@@ -4340,12 +3200,12 @@
               <a:buChar char=""/>
             </a:pPr>
             <a:r>
-              <a:rPr b="0" lang="ru-RU" sz="2000" spc="-1" strike="noStrike">
+              <a:rPr b="0" lang="ru-RU" sz="1800" spc="-1" strike="noStrike">
                 <a:latin typeface="Arial"/>
               </a:rPr>
               <a:t>Шестой уровень структуры</a:t>
             </a:r>
-            <a:endParaRPr b="0" lang="ru-RU" sz="2000" spc="-1" strike="noStrike">
+            <a:endParaRPr b="0" lang="ru-RU" sz="1800" spc="-1" strike="noStrike">
               <a:latin typeface="Arial"/>
             </a:endParaRPr>
           </a:p>
@@ -4362,12 +3222,12 @@
               <a:buChar char=""/>
             </a:pPr>
             <a:r>
-              <a:rPr b="0" lang="ru-RU" sz="2000" spc="-1" strike="noStrike">
+              <a:rPr b="0" lang="ru-RU" sz="1800" spc="-1" strike="noStrike">
                 <a:latin typeface="Arial"/>
               </a:rPr>
               <a:t>Седьмой уровень структуры</a:t>
             </a:r>
-            <a:endParaRPr b="0" lang="ru-RU" sz="2000" spc="-1" strike="noStrike">
+            <a:endParaRPr b="0" lang="ru-RU" sz="1800" spc="-1" strike="noStrike">
               <a:latin typeface="Arial"/>
             </a:endParaRPr>
           </a:p>
@@ -4429,8 +3289,8 @@
         </p:nvSpPr>
         <p:spPr>
           <a:xfrm>
-            <a:off x="457200" y="274680"/>
-            <a:ext cx="8228880" cy="1142280"/>
+            <a:off x="457200" y="220680"/>
+            <a:ext cx="8228520" cy="1249920"/>
           </a:xfrm>
           <a:prstGeom prst="rect">
             <a:avLst/>
@@ -4466,7 +3326,7 @@
         <p:spPr>
           <a:xfrm>
             <a:off x="457200" y="1604520"/>
-            <a:ext cx="8229240" cy="3977280"/>
+            <a:ext cx="8228880" cy="3976920"/>
           </a:xfrm>
           <a:prstGeom prst="rect">
             <a:avLst/>
@@ -4489,12 +3349,12 @@
               <a:buChar char=""/>
             </a:pPr>
             <a:r>
-              <a:rPr b="0" lang="ru-RU" sz="3200" spc="-1" strike="noStrike">
+              <a:rPr b="0" lang="ru-RU" sz="1800" spc="-1" strike="noStrike">
                 <a:latin typeface="Arial"/>
               </a:rPr>
               <a:t>Для правки структуры щёлкните мышью</a:t>
             </a:r>
-            <a:endParaRPr b="0" lang="ru-RU" sz="3200" spc="-1" strike="noStrike">
+            <a:endParaRPr b="0" lang="ru-RU" sz="1800" spc="-1" strike="noStrike">
               <a:latin typeface="Arial"/>
             </a:endParaRPr>
           </a:p>
@@ -4511,12 +3371,12 @@
               <a:buChar char=""/>
             </a:pPr>
             <a:r>
-              <a:rPr b="0" lang="ru-RU" sz="2800" spc="-1" strike="noStrike">
+              <a:rPr b="0" lang="ru-RU" sz="1800" spc="-1" strike="noStrike">
                 <a:latin typeface="Arial"/>
               </a:rPr>
               <a:t>Второй уровень структуры</a:t>
             </a:r>
-            <a:endParaRPr b="0" lang="ru-RU" sz="2800" spc="-1" strike="noStrike">
+            <a:endParaRPr b="0" lang="ru-RU" sz="1800" spc="-1" strike="noStrike">
               <a:latin typeface="Arial"/>
             </a:endParaRPr>
           </a:p>
@@ -4533,12 +3393,12 @@
               <a:buChar char=""/>
             </a:pPr>
             <a:r>
-              <a:rPr b="0" lang="ru-RU" sz="2400" spc="-1" strike="noStrike">
+              <a:rPr b="0" lang="ru-RU" sz="1800" spc="-1" strike="noStrike">
                 <a:latin typeface="Arial"/>
               </a:rPr>
               <a:t>Третий уровень структуры</a:t>
             </a:r>
-            <a:endParaRPr b="0" lang="ru-RU" sz="2400" spc="-1" strike="noStrike">
+            <a:endParaRPr b="0" lang="ru-RU" sz="1800" spc="-1" strike="noStrike">
               <a:latin typeface="Arial"/>
             </a:endParaRPr>
           </a:p>
@@ -4555,12 +3415,12 @@
               <a:buChar char=""/>
             </a:pPr>
             <a:r>
-              <a:rPr b="0" lang="ru-RU" sz="2000" spc="-1" strike="noStrike">
+              <a:rPr b="0" lang="ru-RU" sz="1800" spc="-1" strike="noStrike">
                 <a:latin typeface="Arial"/>
               </a:rPr>
               <a:t>Четвёртый уровень структуры</a:t>
             </a:r>
-            <a:endParaRPr b="0" lang="ru-RU" sz="2000" spc="-1" strike="noStrike">
+            <a:endParaRPr b="0" lang="ru-RU" sz="1800" spc="-1" strike="noStrike">
               <a:latin typeface="Arial"/>
             </a:endParaRPr>
           </a:p>
@@ -4577,12 +3437,12 @@
               <a:buChar char=""/>
             </a:pPr>
             <a:r>
-              <a:rPr b="0" lang="ru-RU" sz="2000" spc="-1" strike="noStrike">
+              <a:rPr b="0" lang="ru-RU" sz="1800" spc="-1" strike="noStrike">
                 <a:latin typeface="Arial"/>
               </a:rPr>
               <a:t>Пятый уровень структуры</a:t>
             </a:r>
-            <a:endParaRPr b="0" lang="ru-RU" sz="2000" spc="-1" strike="noStrike">
+            <a:endParaRPr b="0" lang="ru-RU" sz="1800" spc="-1" strike="noStrike">
               <a:latin typeface="Arial"/>
             </a:endParaRPr>
           </a:p>
@@ -4599,12 +3459,12 @@
               <a:buChar char=""/>
             </a:pPr>
             <a:r>
-              <a:rPr b="0" lang="ru-RU" sz="2000" spc="-1" strike="noStrike">
+              <a:rPr b="0" lang="ru-RU" sz="1800" spc="-1" strike="noStrike">
                 <a:latin typeface="Arial"/>
               </a:rPr>
               <a:t>Шестой уровень структуры</a:t>
             </a:r>
-            <a:endParaRPr b="0" lang="ru-RU" sz="2000" spc="-1" strike="noStrike">
+            <a:endParaRPr b="0" lang="ru-RU" sz="1800" spc="-1" strike="noStrike">
               <a:latin typeface="Arial"/>
             </a:endParaRPr>
           </a:p>
@@ -4621,12 +3481,12 @@
               <a:buChar char=""/>
             </a:pPr>
             <a:r>
-              <a:rPr b="0" lang="ru-RU" sz="2000" spc="-1" strike="noStrike">
+              <a:rPr b="0" lang="ru-RU" sz="1800" spc="-1" strike="noStrike">
                 <a:latin typeface="Arial"/>
               </a:rPr>
               <a:t>Седьмой уровень структуры</a:t>
             </a:r>
-            <a:endParaRPr b="0" lang="ru-RU" sz="2000" spc="-1" strike="noStrike">
+            <a:endParaRPr b="0" lang="ru-RU" sz="1800" spc="-1" strike="noStrike">
               <a:latin typeface="Arial"/>
             </a:endParaRPr>
           </a:p>
@@ -4648,265 +3508,6 @@
     <p:sldLayoutId id="2147483671" r:id="rId11"/>
     <p:sldLayoutId id="2147483672" r:id="rId12"/>
     <p:sldLayoutId id="2147483673" r:id="rId13"/>
-  </p:sldLayoutIdLst>
-</p:sldMaster>
-</file>
-
-<file path=ppt/slideMasters/slideMaster3.xml><?xml version="1.0" encoding="utf-8"?>
-<p:sldMaster xmlns:a="http://schemas.openxmlformats.org/drawingml/2006/main" xmlns:p="http://schemas.openxmlformats.org/presentationml/2006/main" xmlns:r="http://schemas.openxmlformats.org/officeDocument/2006/relationships" xmlns:p14="http://schemas.microsoft.com/office/powerpoint/2010/main" xmlns:p15="http://schemas.microsoft.com/office/powerpoint/2012/main" xmlns:mc="http://schemas.openxmlformats.org/markup-compatibility/2006">
-  <p:cSld>
-    <p:bg>
-      <p:bgPr>
-        <a:solidFill>
-          <a:srgbClr val="ffffff"/>
-        </a:solidFill>
-      </p:bgPr>
-    </p:bg>
-    <p:spTree>
-      <p:nvGrpSpPr>
-        <p:cNvPr id="1" name=""/>
-        <p:cNvGrpSpPr/>
-        <p:nvPr/>
-      </p:nvGrpSpPr>
-      <p:grpSpPr>
-        <a:xfrm>
-          <a:off x="0" y="0"/>
-          <a:ext cx="0" cy="0"/>
-          <a:chOff x="0" y="0"/>
-          <a:chExt cx="0" cy="0"/>
-        </a:xfrm>
-      </p:grpSpPr>
-      <p:sp>
-        <p:nvSpPr>
-          <p:cNvPr id="76" name="PlaceHolder 1"/>
-          <p:cNvSpPr>
-            <a:spLocks noGrp="1"/>
-          </p:cNvSpPr>
-          <p:nvPr>
-            <p:ph type="title"/>
-          </p:nvPr>
-        </p:nvSpPr>
-        <p:spPr>
-          <a:xfrm>
-            <a:off x="457200" y="274680"/>
-            <a:ext cx="8228880" cy="1142280"/>
-          </a:xfrm>
-          <a:prstGeom prst="rect">
-            <a:avLst/>
-          </a:prstGeom>
-        </p:spPr>
-        <p:txBody>
-          <a:bodyPr lIns="0" rIns="0" tIns="0" bIns="0" anchor="ctr">
-            <a:noAutofit/>
-          </a:bodyPr>
-          <a:p>
-            <a:r>
-              <a:rPr b="0" lang="ru-RU" sz="1800" spc="-1" strike="noStrike">
-                <a:latin typeface="Arial"/>
-              </a:rPr>
-              <a:t>Для правки текста заглавия щёлкните мышью</a:t>
-            </a:r>
-            <a:endParaRPr b="0" lang="ru-RU" sz="1800" spc="-1" strike="noStrike">
-              <a:latin typeface="Arial"/>
-            </a:endParaRPr>
-          </a:p>
-        </p:txBody>
-      </p:sp>
-      <p:sp>
-        <p:nvSpPr>
-          <p:cNvPr id="77" name="PlaceHolder 2"/>
-          <p:cNvSpPr>
-            <a:spLocks noGrp="1"/>
-          </p:cNvSpPr>
-          <p:nvPr>
-            <p:ph type="body"/>
-          </p:nvPr>
-        </p:nvSpPr>
-        <p:spPr>
-          <a:xfrm>
-            <a:off x="457200" y="1600200"/>
-            <a:ext cx="8228880" cy="4525200"/>
-          </a:xfrm>
-          <a:prstGeom prst="rect">
-            <a:avLst/>
-          </a:prstGeom>
-        </p:spPr>
-        <p:txBody>
-          <a:bodyPr lIns="0" rIns="0" tIns="0" bIns="0">
-            <a:normAutofit/>
-          </a:bodyPr>
-          <a:p>
-            <a:pPr marL="432000" indent="-324000">
-              <a:spcBef>
-                <a:spcPts val="1417"/>
-              </a:spcBef>
-              <a:buClr>
-                <a:srgbClr val="000000"/>
-              </a:buClr>
-              <a:buSzPct val="45000"/>
-              <a:buFont typeface="Wingdings" charset="2"/>
-              <a:buChar char=""/>
-            </a:pPr>
-            <a:r>
-              <a:rPr b="0" lang="ru-RU" sz="1800" spc="-1" strike="noStrike">
-                <a:latin typeface="Arial"/>
-              </a:rPr>
-              <a:t>Для правки структуры щёлкните мышью</a:t>
-            </a:r>
-            <a:endParaRPr b="0" lang="ru-RU" sz="1800" spc="-1" strike="noStrike">
-              <a:latin typeface="Arial"/>
-            </a:endParaRPr>
-          </a:p>
-          <a:p>
-            <a:pPr lvl="1" marL="864000" indent="-324000">
-              <a:spcBef>
-                <a:spcPts val="1134"/>
-              </a:spcBef>
-              <a:buClr>
-                <a:srgbClr val="000000"/>
-              </a:buClr>
-              <a:buSzPct val="75000"/>
-              <a:buFont typeface="Symbol" charset="2"/>
-              <a:buChar char=""/>
-            </a:pPr>
-            <a:r>
-              <a:rPr b="0" lang="ru-RU" sz="1800" spc="-1" strike="noStrike">
-                <a:latin typeface="Arial"/>
-              </a:rPr>
-              <a:t>Второй уровень структуры</a:t>
-            </a:r>
-            <a:endParaRPr b="0" lang="ru-RU" sz="1800" spc="-1" strike="noStrike">
-              <a:latin typeface="Arial"/>
-            </a:endParaRPr>
-          </a:p>
-          <a:p>
-            <a:pPr lvl="2" marL="1296000" indent="-288000">
-              <a:spcBef>
-                <a:spcPts val="850"/>
-              </a:spcBef>
-              <a:buClr>
-                <a:srgbClr val="000000"/>
-              </a:buClr>
-              <a:buSzPct val="45000"/>
-              <a:buFont typeface="Wingdings" charset="2"/>
-              <a:buChar char=""/>
-            </a:pPr>
-            <a:r>
-              <a:rPr b="0" lang="ru-RU" sz="1800" spc="-1" strike="noStrike">
-                <a:latin typeface="Arial"/>
-              </a:rPr>
-              <a:t>Третий уровень структуры</a:t>
-            </a:r>
-            <a:endParaRPr b="0" lang="ru-RU" sz="1800" spc="-1" strike="noStrike">
-              <a:latin typeface="Arial"/>
-            </a:endParaRPr>
-          </a:p>
-          <a:p>
-            <a:pPr lvl="3" marL="1728000" indent="-216000">
-              <a:spcBef>
-                <a:spcPts val="567"/>
-              </a:spcBef>
-              <a:buClr>
-                <a:srgbClr val="000000"/>
-              </a:buClr>
-              <a:buSzPct val="75000"/>
-              <a:buFont typeface="Symbol" charset="2"/>
-              <a:buChar char=""/>
-            </a:pPr>
-            <a:r>
-              <a:rPr b="0" lang="ru-RU" sz="1800" spc="-1" strike="noStrike">
-                <a:latin typeface="Arial"/>
-              </a:rPr>
-              <a:t>Четвёртый уровень структуры</a:t>
-            </a:r>
-            <a:endParaRPr b="0" lang="ru-RU" sz="1800" spc="-1" strike="noStrike">
-              <a:latin typeface="Arial"/>
-            </a:endParaRPr>
-          </a:p>
-          <a:p>
-            <a:pPr lvl="4" marL="2160000" indent="-216000">
-              <a:spcBef>
-                <a:spcPts val="283"/>
-              </a:spcBef>
-              <a:buClr>
-                <a:srgbClr val="000000"/>
-              </a:buClr>
-              <a:buSzPct val="45000"/>
-              <a:buFont typeface="Wingdings" charset="2"/>
-              <a:buChar char=""/>
-            </a:pPr>
-            <a:r>
-              <a:rPr b="0" lang="ru-RU" sz="1800" spc="-1" strike="noStrike">
-                <a:latin typeface="Arial"/>
-              </a:rPr>
-              <a:t>Пятый уровень структуры</a:t>
-            </a:r>
-            <a:endParaRPr b="0" lang="ru-RU" sz="1800" spc="-1" strike="noStrike">
-              <a:latin typeface="Arial"/>
-            </a:endParaRPr>
-          </a:p>
-          <a:p>
-            <a:pPr lvl="5" marL="2592000" indent="-216000">
-              <a:spcBef>
-                <a:spcPts val="283"/>
-              </a:spcBef>
-              <a:buClr>
-                <a:srgbClr val="000000"/>
-              </a:buClr>
-              <a:buSzPct val="45000"/>
-              <a:buFont typeface="Wingdings" charset="2"/>
-              <a:buChar char=""/>
-            </a:pPr>
-            <a:r>
-              <a:rPr b="0" lang="ru-RU" sz="1800" spc="-1" strike="noStrike">
-                <a:latin typeface="Arial"/>
-              </a:rPr>
-              <a:t>Шестой уровень структуры</a:t>
-            </a:r>
-            <a:endParaRPr b="0" lang="ru-RU" sz="1800" spc="-1" strike="noStrike">
-              <a:latin typeface="Arial"/>
-            </a:endParaRPr>
-          </a:p>
-          <a:p>
-            <a:pPr lvl="6" marL="3024000" indent="-216000">
-              <a:spcBef>
-                <a:spcPts val="283"/>
-              </a:spcBef>
-              <a:buClr>
-                <a:srgbClr val="000000"/>
-              </a:buClr>
-              <a:buSzPct val="45000"/>
-              <a:buFont typeface="Wingdings" charset="2"/>
-              <a:buChar char=""/>
-            </a:pPr>
-            <a:r>
-              <a:rPr b="0" lang="ru-RU" sz="1800" spc="-1" strike="noStrike">
-                <a:latin typeface="Arial"/>
-              </a:rPr>
-              <a:t>Седьмой уровень структуры</a:t>
-            </a:r>
-            <a:endParaRPr b="0" lang="ru-RU" sz="1800" spc="-1" strike="noStrike">
-              <a:latin typeface="Arial"/>
-            </a:endParaRPr>
-          </a:p>
-        </p:txBody>
-      </p:sp>
-    </p:spTree>
-  </p:cSld>
-  <p:clrMap bg1="lt1" bg2="lt2" tx1="dk1" tx2="dk2" accent1="accent1" accent2="accent2" accent3="accent3" accent4="accent4" accent5="accent5" accent6="accent6" hlink="hlink" folHlink="folHlink"/>
-  <p:sldLayoutIdLst>
-    <p:sldLayoutId id="2147483675" r:id="rId2"/>
-    <p:sldLayoutId id="2147483676" r:id="rId3"/>
-    <p:sldLayoutId id="2147483677" r:id="rId4"/>
-    <p:sldLayoutId id="2147483678" r:id="rId5"/>
-    <p:sldLayoutId id="2147483679" r:id="rId6"/>
-    <p:sldLayoutId id="2147483680" r:id="rId7"/>
-    <p:sldLayoutId id="2147483681" r:id="rId8"/>
-    <p:sldLayoutId id="2147483682" r:id="rId9"/>
-    <p:sldLayoutId id="2147483683" r:id="rId10"/>
-    <p:sldLayoutId id="2147483684" r:id="rId11"/>
-    <p:sldLayoutId id="2147483685" r:id="rId12"/>
-    <p:sldLayoutId id="2147483686" r:id="rId13"/>
   </p:sldLayoutIdLst>
 </p:sldMaster>
 </file>
@@ -4930,14 +3531,14 @@
       </p:grpSpPr>
       <p:sp>
         <p:nvSpPr>
-          <p:cNvPr id="114" name="Заголовок 1"/>
+          <p:cNvPr id="76" name="Заголовок 1"/>
           <p:cNvSpPr/>
           <p:nvPr/>
         </p:nvSpPr>
         <p:spPr>
           <a:xfrm>
             <a:off x="395640" y="1484640"/>
-            <a:ext cx="8568360" cy="575280"/>
+            <a:ext cx="8568000" cy="574920"/>
           </a:xfrm>
           <a:prstGeom prst="rect">
             <a:avLst/>
@@ -4971,6 +3572,7 @@
                   <a:srgbClr val="254061"/>
                 </a:solidFill>
                 <a:latin typeface="Calibri"/>
+                <a:ea typeface="DejaVu Sans"/>
               </a:rPr>
               <a:t>Прикладной</a:t>
             </a:r>
@@ -4982,14 +3584,14 @@
       </p:sp>
       <p:sp>
         <p:nvSpPr>
-          <p:cNvPr id="115" name="AutoShape 2"/>
+          <p:cNvPr id="77" name="AutoShape 2"/>
           <p:cNvSpPr/>
           <p:nvPr/>
         </p:nvSpPr>
         <p:spPr>
           <a:xfrm>
             <a:off x="155520" y="-144360"/>
-            <a:ext cx="304200" cy="304200"/>
+            <a:ext cx="303840" cy="303840"/>
           </a:xfrm>
           <a:prstGeom prst="rect">
             <a:avLst/>
@@ -5008,7 +3610,7 @@
       </p:sp>
       <p:pic>
         <p:nvPicPr>
-          <p:cNvPr id="116" name="Picture 3" descr=""/>
+          <p:cNvPr id="78" name="Picture 3" descr=""/>
           <p:cNvPicPr/>
           <p:nvPr/>
         </p:nvPicPr>
@@ -5019,7 +3621,7 @@
         <p:spPr>
           <a:xfrm>
             <a:off x="342000" y="30600"/>
-            <a:ext cx="1590120" cy="1395720"/>
+            <a:ext cx="1589760" cy="1395360"/>
           </a:xfrm>
           <a:prstGeom prst="rect">
             <a:avLst/>
@@ -5031,14 +3633,14 @@
       </p:pic>
       <p:sp>
         <p:nvSpPr>
-          <p:cNvPr id="117" name="Прямоугольник 4"/>
+          <p:cNvPr id="79" name="Прямоугольник 4"/>
           <p:cNvSpPr/>
           <p:nvPr/>
         </p:nvSpPr>
         <p:spPr>
           <a:xfrm>
             <a:off x="2123640" y="260640"/>
-            <a:ext cx="6840000" cy="935280"/>
+            <a:ext cx="6839640" cy="934920"/>
           </a:xfrm>
           <a:prstGeom prst="rect">
             <a:avLst/>
@@ -5095,14 +3697,14 @@
       </p:sp>
       <p:sp>
         <p:nvSpPr>
-          <p:cNvPr id="118" name="Прямоугольник 5"/>
+          <p:cNvPr id="80" name="Прямоугольник 5"/>
           <p:cNvSpPr/>
           <p:nvPr/>
         </p:nvSpPr>
         <p:spPr>
           <a:xfrm>
             <a:off x="299880" y="5733360"/>
-            <a:ext cx="8568360" cy="753840"/>
+            <a:ext cx="8568000" cy="753480"/>
           </a:xfrm>
           <a:prstGeom prst="rect">
             <a:avLst/>
@@ -5159,14 +3761,14 @@
       </p:sp>
       <p:sp>
         <p:nvSpPr>
-          <p:cNvPr id="119" name="Заголовок 1"/>
+          <p:cNvPr id="81" name="Заголовок 1"/>
           <p:cNvSpPr/>
           <p:nvPr/>
         </p:nvSpPr>
         <p:spPr>
           <a:xfrm>
             <a:off x="1137240" y="1920600"/>
-            <a:ext cx="7730640" cy="1799640"/>
+            <a:ext cx="7730280" cy="1799280"/>
           </a:xfrm>
           <a:prstGeom prst="rect">
             <a:avLst/>
@@ -5225,14 +3827,14 @@
       </p:sp>
       <p:sp>
         <p:nvSpPr>
-          <p:cNvPr id="120" name="TextBox 8"/>
+          <p:cNvPr id="82" name="TextBox 8"/>
           <p:cNvSpPr/>
           <p:nvPr/>
         </p:nvSpPr>
         <p:spPr>
           <a:xfrm>
             <a:off x="3927240" y="5733360"/>
-            <a:ext cx="1229760" cy="821520"/>
+            <a:ext cx="1229760" cy="821160"/>
           </a:xfrm>
           <a:prstGeom prst="rect">
             <a:avLst/>
@@ -5296,14 +3898,14 @@
       </p:sp>
       <p:sp>
         <p:nvSpPr>
-          <p:cNvPr id="121" name="Прямоугольник 6"/>
+          <p:cNvPr id="83" name="Прямоугольник 6"/>
           <p:cNvSpPr/>
           <p:nvPr/>
         </p:nvSpPr>
         <p:spPr>
           <a:xfrm>
             <a:off x="4392360" y="3960000"/>
-            <a:ext cx="4571280" cy="1793160"/>
+            <a:ext cx="4570920" cy="1793160"/>
           </a:xfrm>
           <a:prstGeom prst="rect">
             <a:avLst/>
@@ -5487,14 +4089,14 @@
       </p:grpSpPr>
       <p:sp>
         <p:nvSpPr>
-          <p:cNvPr id="151" name="Заголовок 1_10"/>
+          <p:cNvPr id="113" name="Заголовок 1_10"/>
           <p:cNvSpPr/>
           <p:nvPr/>
         </p:nvSpPr>
         <p:spPr>
           <a:xfrm>
             <a:off x="457200" y="274680"/>
-            <a:ext cx="8228880" cy="1142280"/>
+            <a:ext cx="8228520" cy="1141920"/>
           </a:xfrm>
           <a:prstGeom prst="rect">
             <a:avLst/>
@@ -5513,7 +4115,7 @@
       </p:sp>
       <p:pic>
         <p:nvPicPr>
-          <p:cNvPr id="152" name="Picture 3_7" descr=""/>
+          <p:cNvPr id="114" name="Picture 3_7" descr=""/>
           <p:cNvPicPr/>
           <p:nvPr/>
         </p:nvPicPr>
@@ -5524,7 +4126,7 @@
         <p:spPr>
           <a:xfrm>
             <a:off x="0" y="29160"/>
-            <a:ext cx="1583640" cy="1394640"/>
+            <a:ext cx="1583280" cy="1394280"/>
           </a:xfrm>
           <a:prstGeom prst="rect">
             <a:avLst/>
@@ -5536,14 +4138,14 @@
       </p:pic>
       <p:sp>
         <p:nvSpPr>
-          <p:cNvPr id="153" name="Заголовок 1_11"/>
+          <p:cNvPr id="115" name="Заголовок 1_11"/>
           <p:cNvSpPr/>
           <p:nvPr/>
         </p:nvSpPr>
         <p:spPr>
           <a:xfrm>
             <a:off x="1670760" y="297360"/>
-            <a:ext cx="5888880" cy="1142280"/>
+            <a:ext cx="5888520" cy="1141920"/>
           </a:xfrm>
           <a:prstGeom prst="rect">
             <a:avLst/>
@@ -5575,6 +4177,7 @@
                   <a:srgbClr val="000000"/>
                 </a:solidFill>
                 <a:latin typeface="Calibri"/>
+                <a:ea typeface="DejaVu Sans"/>
               </a:rPr>
               <a:t>Архитектура приложения. SOLID</a:t>
             </a:r>
@@ -5586,14 +4189,14 @@
       </p:sp>
       <p:sp>
         <p:nvSpPr>
-          <p:cNvPr id="154" name=""/>
-          <p:cNvSpPr txBox="1"/>
+          <p:cNvPr id="116" name=""/>
+          <p:cNvSpPr/>
           <p:nvPr/>
         </p:nvSpPr>
         <p:spPr>
           <a:xfrm>
             <a:off x="360000" y="1620000"/>
-            <a:ext cx="6840000" cy="2905920"/>
+            <a:ext cx="6839640" cy="2905560"/>
           </a:xfrm>
           <a:prstGeom prst="rect">
             <a:avLst/>
@@ -5603,6 +4206,12 @@
             <a:noFill/>
           </a:ln>
         </p:spPr>
+        <p:style>
+          <a:lnRef idx="0"/>
+          <a:fillRef idx="0"/>
+          <a:effectRef idx="0"/>
+          <a:fontRef idx="minor"/>
+        </p:style>
         <p:txBody>
           <a:bodyPr lIns="90000" rIns="90000" tIns="45000" bIns="45000">
             <a:noAutofit/>
@@ -5627,11 +4236,10 @@
             </a:r>
             <a:endParaRPr b="0" lang="ru-RU" sz="1800" spc="-1" strike="noStrike">
               <a:latin typeface="Arial"/>
-              <a:ea typeface="Noto Sans CJK SC"/>
-            </a:endParaRPr>
-          </a:p>
-          <a:p>
-            <a:pPr marL="216000" indent="-216000">
+            </a:endParaRPr>
+          </a:p>
+          <a:p>
+            <a:pPr marL="216000" indent="-215640">
               <a:lnSpc>
                 <a:spcPct val="100000"/>
               </a:lnSpc>
@@ -5656,11 +4264,10 @@
             </a:r>
             <a:endParaRPr b="0" lang="ru-RU" sz="1800" spc="-1" strike="noStrike">
               <a:latin typeface="Arial"/>
-              <a:ea typeface="Noto Sans CJK SC"/>
-            </a:endParaRPr>
-          </a:p>
-          <a:p>
-            <a:pPr marL="216000" indent="-216000">
+            </a:endParaRPr>
+          </a:p>
+          <a:p>
+            <a:pPr marL="216000" indent="-215640">
               <a:lnSpc>
                 <a:spcPct val="100000"/>
               </a:lnSpc>
@@ -5685,11 +4292,10 @@
             </a:r>
             <a:endParaRPr b="0" lang="ru-RU" sz="1800" spc="-1" strike="noStrike">
               <a:latin typeface="Arial"/>
-              <a:ea typeface="Noto Sans CJK SC"/>
-            </a:endParaRPr>
-          </a:p>
-          <a:p>
-            <a:pPr marL="216000" indent="-216000">
+            </a:endParaRPr>
+          </a:p>
+          <a:p>
+            <a:pPr marL="216000" indent="-215640">
               <a:lnSpc>
                 <a:spcPct val="100000"/>
               </a:lnSpc>
@@ -5714,11 +4320,10 @@
             </a:r>
             <a:endParaRPr b="0" lang="ru-RU" sz="1800" spc="-1" strike="noStrike">
               <a:latin typeface="Arial"/>
-              <a:ea typeface="Noto Sans CJK SC"/>
-            </a:endParaRPr>
-          </a:p>
-          <a:p>
-            <a:pPr marL="216000" indent="-216000">
+            </a:endParaRPr>
+          </a:p>
+          <a:p>
+            <a:pPr marL="216000" indent="-215640">
               <a:lnSpc>
                 <a:spcPct val="100000"/>
               </a:lnSpc>
@@ -5743,11 +4348,10 @@
             </a:r>
             <a:endParaRPr b="0" lang="ru-RU" sz="1800" spc="-1" strike="noStrike">
               <a:latin typeface="Arial"/>
-              <a:ea typeface="Noto Sans CJK SC"/>
-            </a:endParaRPr>
-          </a:p>
-          <a:p>
-            <a:pPr marL="216000" indent="-216000">
+            </a:endParaRPr>
+          </a:p>
+          <a:p>
+            <a:pPr marL="216000" indent="-215640">
               <a:lnSpc>
                 <a:spcPct val="100000"/>
               </a:lnSpc>
@@ -5772,7 +4376,6 @@
             </a:r>
             <a:endParaRPr b="0" lang="ru-RU" sz="1800" spc="-1" strike="noStrike">
               <a:latin typeface="Arial"/>
-              <a:ea typeface="Noto Sans CJK SC"/>
             </a:endParaRPr>
           </a:p>
         </p:txBody>
@@ -5809,14 +4412,14 @@
       </p:grpSpPr>
       <p:sp>
         <p:nvSpPr>
-          <p:cNvPr id="155" name="Заголовок 1_12"/>
+          <p:cNvPr id="117" name="Заголовок 1_12"/>
           <p:cNvSpPr/>
           <p:nvPr/>
         </p:nvSpPr>
         <p:spPr>
           <a:xfrm>
             <a:off x="457200" y="274680"/>
-            <a:ext cx="8228880" cy="1142280"/>
+            <a:ext cx="8228520" cy="1141920"/>
           </a:xfrm>
           <a:prstGeom prst="rect">
             <a:avLst/>
@@ -5835,7 +4438,7 @@
       </p:sp>
       <p:pic>
         <p:nvPicPr>
-          <p:cNvPr id="156" name="Picture 3_8" descr=""/>
+          <p:cNvPr id="118" name="Picture 3_8" descr=""/>
           <p:cNvPicPr/>
           <p:nvPr/>
         </p:nvPicPr>
@@ -5846,7 +4449,7 @@
         <p:spPr>
           <a:xfrm>
             <a:off x="0" y="29160"/>
-            <a:ext cx="1583640" cy="1394640"/>
+            <a:ext cx="1583280" cy="1394280"/>
           </a:xfrm>
           <a:prstGeom prst="rect">
             <a:avLst/>
@@ -5858,14 +4461,14 @@
       </p:pic>
       <p:sp>
         <p:nvSpPr>
-          <p:cNvPr id="157" name="Заголовок 1_13"/>
+          <p:cNvPr id="119" name="Заголовок 1_13"/>
           <p:cNvSpPr/>
           <p:nvPr/>
         </p:nvSpPr>
         <p:spPr>
           <a:xfrm>
             <a:off x="1670760" y="297360"/>
-            <a:ext cx="5888880" cy="1142280"/>
+            <a:ext cx="5888520" cy="1141920"/>
           </a:xfrm>
           <a:prstGeom prst="rect">
             <a:avLst/>
@@ -5897,6 +4500,7 @@
                   <a:srgbClr val="000000"/>
                 </a:solidFill>
                 <a:latin typeface="Calibri"/>
+                <a:ea typeface="DejaVu Sans"/>
               </a:rPr>
               <a:t>Архитектура приложения. SOLID</a:t>
             </a:r>
@@ -5908,14 +4512,14 @@
       </p:sp>
       <p:sp>
         <p:nvSpPr>
-          <p:cNvPr id="158" name=""/>
-          <p:cNvSpPr txBox="1"/>
+          <p:cNvPr id="120" name=""/>
+          <p:cNvSpPr/>
           <p:nvPr/>
         </p:nvSpPr>
         <p:spPr>
           <a:xfrm>
             <a:off x="540000" y="2340000"/>
-            <a:ext cx="7740000" cy="2394000"/>
+            <a:ext cx="7739640" cy="2393640"/>
           </a:xfrm>
           <a:prstGeom prst="rect">
             <a:avLst/>
@@ -5925,11 +4529,22 @@
             <a:noFill/>
           </a:ln>
         </p:spPr>
+        <p:style>
+          <a:lnRef idx="0"/>
+          <a:fillRef idx="0"/>
+          <a:effectRef idx="0"/>
+          <a:fontRef idx="minor"/>
+        </p:style>
         <p:txBody>
           <a:bodyPr lIns="90000" rIns="90000" tIns="45000" bIns="45000">
             <a:noAutofit/>
           </a:bodyPr>
           <a:p>
+            <a:pPr>
+              <a:lnSpc>
+                <a:spcPct val="100000"/>
+              </a:lnSpc>
+            </a:pPr>
             <a:r>
               <a:rPr b="0" lang="ru-RU" sz="1800" spc="-1" strike="noStrike">
                 <a:latin typeface="Arial"/>
@@ -5941,12 +4556,20 @@
             </a:endParaRPr>
           </a:p>
           <a:p>
+            <a:pPr>
+              <a:lnSpc>
+                <a:spcPct val="100000"/>
+              </a:lnSpc>
+            </a:pPr>
             <a:endParaRPr b="0" lang="ru-RU" sz="1800" spc="-1" strike="noStrike">
               <a:latin typeface="Arial"/>
             </a:endParaRPr>
           </a:p>
           <a:p>
-            <a:pPr marL="216000" indent="-216000">
+            <a:pPr marL="216000" indent="-215640">
+              <a:lnSpc>
+                <a:spcPct val="100000"/>
+              </a:lnSpc>
               <a:buClr>
                 <a:srgbClr val="000000"/>
               </a:buClr>
@@ -5965,7 +4588,10 @@
             </a:endParaRPr>
           </a:p>
           <a:p>
-            <a:pPr lvl="1" marL="432000" indent="-216000">
+            <a:pPr lvl="1" marL="432000" indent="-215640">
+              <a:lnSpc>
+                <a:spcPct val="100000"/>
+              </a:lnSpc>
               <a:buClr>
                 <a:srgbClr val="000000"/>
               </a:buClr>
@@ -5984,13 +4610,10 @@
             </a:endParaRPr>
           </a:p>
           <a:p>
-            <a:pPr marL="216000" indent="-216000">
-              <a:buClr>
-                <a:srgbClr val="000000"/>
-              </a:buClr>
-              <a:buSzPct val="45000"/>
-              <a:buFont typeface="Wingdings" charset="2"/>
-              <a:buChar char=""/>
+            <a:pPr>
+              <a:lnSpc>
+                <a:spcPct val="100000"/>
+              </a:lnSpc>
             </a:pPr>
             <a:endParaRPr b="0" lang="ru-RU" sz="1800" spc="-1" strike="noStrike">
               <a:latin typeface="Arial"/>
@@ -6030,14 +4653,14 @@
       </p:grpSpPr>
       <p:sp>
         <p:nvSpPr>
-          <p:cNvPr id="159" name="Заголовок 1_14"/>
+          <p:cNvPr id="121" name="Заголовок 1_14"/>
           <p:cNvSpPr/>
           <p:nvPr/>
         </p:nvSpPr>
         <p:spPr>
           <a:xfrm>
             <a:off x="457200" y="274680"/>
-            <a:ext cx="8228880" cy="1142280"/>
+            <a:ext cx="8228520" cy="1141920"/>
           </a:xfrm>
           <a:prstGeom prst="rect">
             <a:avLst/>
@@ -6056,7 +4679,7 @@
       </p:sp>
       <p:pic>
         <p:nvPicPr>
-          <p:cNvPr id="160" name="Picture 3_9" descr=""/>
+          <p:cNvPr id="122" name="Picture 3_9" descr=""/>
           <p:cNvPicPr/>
           <p:nvPr/>
         </p:nvPicPr>
@@ -6067,7 +4690,7 @@
         <p:spPr>
           <a:xfrm>
             <a:off x="0" y="29160"/>
-            <a:ext cx="1583640" cy="1394640"/>
+            <a:ext cx="1583280" cy="1394280"/>
           </a:xfrm>
           <a:prstGeom prst="rect">
             <a:avLst/>
@@ -6079,14 +4702,14 @@
       </p:pic>
       <p:sp>
         <p:nvSpPr>
-          <p:cNvPr id="161" name="Заголовок 1_15"/>
+          <p:cNvPr id="123" name="Заголовок 1_15"/>
           <p:cNvSpPr/>
           <p:nvPr/>
         </p:nvSpPr>
         <p:spPr>
           <a:xfrm>
             <a:off x="1670760" y="297360"/>
-            <a:ext cx="5888880" cy="1142280"/>
+            <a:ext cx="5888520" cy="1141920"/>
           </a:xfrm>
           <a:prstGeom prst="rect">
             <a:avLst/>
@@ -6118,6 +4741,7 @@
                   <a:srgbClr val="000000"/>
                 </a:solidFill>
                 <a:latin typeface="Calibri"/>
+                <a:ea typeface="DejaVu Sans"/>
               </a:rPr>
               <a:t>Архитектура приложения. SOLID</a:t>
             </a:r>
@@ -6129,14 +4753,14 @@
       </p:sp>
       <p:sp>
         <p:nvSpPr>
-          <p:cNvPr id="162" name=""/>
-          <p:cNvSpPr txBox="1"/>
+          <p:cNvPr id="124" name=""/>
+          <p:cNvSpPr/>
           <p:nvPr/>
         </p:nvSpPr>
         <p:spPr>
           <a:xfrm>
             <a:off x="720000" y="2700000"/>
-            <a:ext cx="7200000" cy="858240"/>
+            <a:ext cx="7199640" cy="857880"/>
           </a:xfrm>
           <a:prstGeom prst="rect">
             <a:avLst/>
@@ -6146,11 +4770,22 @@
             <a:noFill/>
           </a:ln>
         </p:spPr>
+        <p:style>
+          <a:lnRef idx="0"/>
+          <a:fillRef idx="0"/>
+          <a:effectRef idx="0"/>
+          <a:fontRef idx="minor"/>
+        </p:style>
         <p:txBody>
           <a:bodyPr lIns="90000" rIns="90000" tIns="45000" bIns="45000">
             <a:noAutofit/>
           </a:bodyPr>
           <a:p>
+            <a:pPr>
+              <a:lnSpc>
+                <a:spcPct val="100000"/>
+              </a:lnSpc>
+            </a:pPr>
             <a:r>
               <a:rPr b="0" lang="ru-RU" sz="1800" spc="-1" strike="noStrike">
                 <a:latin typeface="Arial"/>
@@ -6162,7 +4797,10 @@
             </a:endParaRPr>
           </a:p>
           <a:p>
-            <a:pPr lvl="1" marL="432000" indent="-216000">
+            <a:pPr lvl="1" marL="432000" indent="-215640">
+              <a:lnSpc>
+                <a:spcPct val="100000"/>
+              </a:lnSpc>
               <a:buClr>
                 <a:srgbClr val="000000"/>
               </a:buClr>
@@ -6214,14 +4852,14 @@
       </p:grpSpPr>
       <p:sp>
         <p:nvSpPr>
-          <p:cNvPr id="163" name="Заголовок 1_18"/>
+          <p:cNvPr id="125" name="Заголовок 1_18"/>
           <p:cNvSpPr/>
           <p:nvPr/>
         </p:nvSpPr>
         <p:spPr>
           <a:xfrm>
             <a:off x="457200" y="274680"/>
-            <a:ext cx="8228880" cy="1142280"/>
+            <a:ext cx="8228520" cy="1141920"/>
           </a:xfrm>
           <a:prstGeom prst="rect">
             <a:avLst/>
@@ -6240,7 +4878,7 @@
       </p:sp>
       <p:pic>
         <p:nvPicPr>
-          <p:cNvPr id="164" name="Picture 3_11" descr=""/>
+          <p:cNvPr id="126" name="Picture 3_11" descr=""/>
           <p:cNvPicPr/>
           <p:nvPr/>
         </p:nvPicPr>
@@ -6251,7 +4889,7 @@
         <p:spPr>
           <a:xfrm>
             <a:off x="0" y="29160"/>
-            <a:ext cx="1583640" cy="1394640"/>
+            <a:ext cx="1583280" cy="1394280"/>
           </a:xfrm>
           <a:prstGeom prst="rect">
             <a:avLst/>
@@ -6263,14 +4901,14 @@
       </p:pic>
       <p:sp>
         <p:nvSpPr>
-          <p:cNvPr id="165" name="Заголовок 1_19"/>
+          <p:cNvPr id="127" name="Заголовок 1_19"/>
           <p:cNvSpPr/>
           <p:nvPr/>
         </p:nvSpPr>
         <p:spPr>
           <a:xfrm>
             <a:off x="1670760" y="297360"/>
-            <a:ext cx="5888880" cy="1142280"/>
+            <a:ext cx="5888520" cy="1141920"/>
           </a:xfrm>
           <a:prstGeom prst="rect">
             <a:avLst/>
@@ -6302,6 +4940,7 @@
                   <a:srgbClr val="000000"/>
                 </a:solidFill>
                 <a:latin typeface="Calibri"/>
+                <a:ea typeface="DejaVu Sans"/>
               </a:rPr>
               <a:t>Архитектура приложения. SOLID</a:t>
             </a:r>
@@ -6313,7 +4952,7 @@
       </p:sp>
       <p:pic>
         <p:nvPicPr>
-          <p:cNvPr id="166" name="" descr=""/>
+          <p:cNvPr id="128" name="" descr=""/>
           <p:cNvPicPr/>
           <p:nvPr/>
         </p:nvPicPr>
@@ -6324,7 +4963,7 @@
         <p:spPr>
           <a:xfrm>
             <a:off x="360000" y="1816200"/>
-            <a:ext cx="6819480" cy="4123800"/>
+            <a:ext cx="6819120" cy="4123440"/>
           </a:xfrm>
           <a:prstGeom prst="rect">
             <a:avLst/>
@@ -6336,14 +4975,14 @@
       </p:pic>
       <p:sp>
         <p:nvSpPr>
-          <p:cNvPr id="167" name=""/>
-          <p:cNvSpPr txBox="1"/>
+          <p:cNvPr id="129" name=""/>
+          <p:cNvSpPr/>
           <p:nvPr/>
         </p:nvSpPr>
         <p:spPr>
           <a:xfrm>
             <a:off x="7380000" y="5580000"/>
-            <a:ext cx="1260000" cy="540000"/>
+            <a:ext cx="1259640" cy="539640"/>
           </a:xfrm>
           <a:prstGeom prst="rect">
             <a:avLst/>
@@ -6353,18 +4992,29 @@
             <a:noFill/>
           </a:ln>
         </p:spPr>
+        <p:style>
+          <a:lnRef idx="0"/>
+          <a:fillRef idx="0"/>
+          <a:effectRef idx="0"/>
+          <a:fontRef idx="minor"/>
+        </p:style>
         <p:txBody>
           <a:bodyPr lIns="90000" rIns="90000" tIns="45000" bIns="45000">
             <a:noAutofit/>
           </a:bodyPr>
           <a:p>
+            <a:pPr>
+              <a:lnSpc>
+                <a:spcPct val="100000"/>
+              </a:lnSpc>
+            </a:pPr>
             <a:r>
               <a:rPr b="0" i="1" lang="ru-RU" sz="1800" spc="-1" strike="noStrike">
                 <a:latin typeface="Arial"/>
               </a:rPr>
               <a:t>Версия 1</a:t>
             </a:r>
-            <a:endParaRPr b="0" i="1" lang="ru-RU" sz="1800" spc="-1" strike="noStrike">
+            <a:endParaRPr b="0" lang="ru-RU" sz="1800" spc="-1" strike="noStrike">
               <a:latin typeface="Arial"/>
             </a:endParaRPr>
           </a:p>
@@ -6402,14 +5052,14 @@
       </p:grpSpPr>
       <p:sp>
         <p:nvSpPr>
-          <p:cNvPr id="168" name="Заголовок 1_20"/>
+          <p:cNvPr id="130" name="Заголовок 1_20"/>
           <p:cNvSpPr/>
           <p:nvPr/>
         </p:nvSpPr>
         <p:spPr>
           <a:xfrm>
             <a:off x="457200" y="274680"/>
-            <a:ext cx="8228880" cy="1142280"/>
+            <a:ext cx="8228520" cy="1141920"/>
           </a:xfrm>
           <a:prstGeom prst="rect">
             <a:avLst/>
@@ -6428,7 +5078,7 @@
       </p:sp>
       <p:pic>
         <p:nvPicPr>
-          <p:cNvPr id="169" name="Picture 3_12" descr=""/>
+          <p:cNvPr id="131" name="Picture 3_12" descr=""/>
           <p:cNvPicPr/>
           <p:nvPr/>
         </p:nvPicPr>
@@ -6439,7 +5089,7 @@
         <p:spPr>
           <a:xfrm>
             <a:off x="0" y="29160"/>
-            <a:ext cx="1583640" cy="1394640"/>
+            <a:ext cx="1583280" cy="1394280"/>
           </a:xfrm>
           <a:prstGeom prst="rect">
             <a:avLst/>
@@ -6451,14 +5101,14 @@
       </p:pic>
       <p:sp>
         <p:nvSpPr>
-          <p:cNvPr id="170" name="Заголовок 1_21"/>
+          <p:cNvPr id="132" name="Заголовок 1_21"/>
           <p:cNvSpPr/>
           <p:nvPr/>
         </p:nvSpPr>
         <p:spPr>
           <a:xfrm>
             <a:off x="1670760" y="297360"/>
-            <a:ext cx="5888880" cy="1142280"/>
+            <a:ext cx="5888520" cy="1141920"/>
           </a:xfrm>
           <a:prstGeom prst="rect">
             <a:avLst/>
@@ -6490,6 +5140,7 @@
                   <a:srgbClr val="000000"/>
                 </a:solidFill>
                 <a:latin typeface="Calibri"/>
+                <a:ea typeface="DejaVu Sans"/>
               </a:rPr>
               <a:t>Архитектура приложения. SOLID</a:t>
             </a:r>
@@ -6501,7 +5152,7 @@
       </p:sp>
       <p:pic>
         <p:nvPicPr>
-          <p:cNvPr id="171" name="" descr=""/>
+          <p:cNvPr id="133" name="" descr=""/>
           <p:cNvPicPr/>
           <p:nvPr/>
         </p:nvPicPr>
@@ -6512,7 +5163,7 @@
         <p:spPr>
           <a:xfrm>
             <a:off x="180000" y="1423800"/>
-            <a:ext cx="8640000" cy="4858560"/>
+            <a:ext cx="8639640" cy="4858200"/>
           </a:xfrm>
           <a:prstGeom prst="rect">
             <a:avLst/>
@@ -6524,14 +5175,14 @@
       </p:pic>
       <p:sp>
         <p:nvSpPr>
-          <p:cNvPr id="172" name=""/>
-          <p:cNvSpPr txBox="1"/>
+          <p:cNvPr id="134" name=""/>
+          <p:cNvSpPr/>
           <p:nvPr/>
         </p:nvSpPr>
         <p:spPr>
           <a:xfrm>
             <a:off x="1620000" y="6133680"/>
-            <a:ext cx="2520000" cy="346320"/>
+            <a:ext cx="2519640" cy="345960"/>
           </a:xfrm>
           <a:prstGeom prst="rect">
             <a:avLst/>
@@ -6541,18 +5192,29 @@
             <a:noFill/>
           </a:ln>
         </p:spPr>
+        <p:style>
+          <a:lnRef idx="0"/>
+          <a:fillRef idx="0"/>
+          <a:effectRef idx="0"/>
+          <a:fontRef idx="minor"/>
+        </p:style>
         <p:txBody>
           <a:bodyPr lIns="90000" rIns="90000" tIns="45000" bIns="45000">
             <a:noAutofit/>
           </a:bodyPr>
           <a:p>
+            <a:pPr>
+              <a:lnSpc>
+                <a:spcPct val="100000"/>
+              </a:lnSpc>
+            </a:pPr>
             <a:r>
               <a:rPr b="0" i="1" lang="ru-RU" sz="1800" spc="-1" strike="noStrike">
                 <a:latin typeface="Arial"/>
               </a:rPr>
               <a:t>Версия 2</a:t>
             </a:r>
-            <a:endParaRPr b="0" i="1" lang="ru-RU" sz="1800" spc="-1" strike="noStrike">
+            <a:endParaRPr b="0" lang="ru-RU" sz="1800" spc="-1" strike="noStrike">
               <a:latin typeface="Arial"/>
             </a:endParaRPr>
           </a:p>
@@ -6590,14 +5252,14 @@
       </p:grpSpPr>
       <p:sp>
         <p:nvSpPr>
-          <p:cNvPr id="173" name="Заголовок 1_22"/>
+          <p:cNvPr id="135" name="Заголовок 1_22"/>
           <p:cNvSpPr/>
           <p:nvPr/>
         </p:nvSpPr>
         <p:spPr>
           <a:xfrm>
             <a:off x="457200" y="274680"/>
-            <a:ext cx="8228880" cy="1142280"/>
+            <a:ext cx="8228520" cy="1141920"/>
           </a:xfrm>
           <a:prstGeom prst="rect">
             <a:avLst/>
@@ -6616,7 +5278,7 @@
       </p:sp>
       <p:pic>
         <p:nvPicPr>
-          <p:cNvPr id="174" name="Picture 3_13" descr=""/>
+          <p:cNvPr id="136" name="Picture 3_13" descr=""/>
           <p:cNvPicPr/>
           <p:nvPr/>
         </p:nvPicPr>
@@ -6627,7 +5289,7 @@
         <p:spPr>
           <a:xfrm>
             <a:off x="0" y="29160"/>
-            <a:ext cx="1583640" cy="1394640"/>
+            <a:ext cx="1583280" cy="1394280"/>
           </a:xfrm>
           <a:prstGeom prst="rect">
             <a:avLst/>
@@ -6639,14 +5301,14 @@
       </p:pic>
       <p:sp>
         <p:nvSpPr>
-          <p:cNvPr id="175" name="Заголовок 1_23"/>
+          <p:cNvPr id="137" name="Заголовок 1_23"/>
           <p:cNvSpPr/>
           <p:nvPr/>
         </p:nvSpPr>
         <p:spPr>
           <a:xfrm>
             <a:off x="1670760" y="297360"/>
-            <a:ext cx="5888880" cy="1142280"/>
+            <a:ext cx="5888520" cy="1141920"/>
           </a:xfrm>
           <a:prstGeom prst="rect">
             <a:avLst/>
@@ -6678,6 +5340,7 @@
                   <a:srgbClr val="000000"/>
                 </a:solidFill>
                 <a:latin typeface="Calibri"/>
+                <a:ea typeface="DejaVu Sans"/>
               </a:rPr>
               <a:t>Архитектура приложения. SOLID</a:t>
             </a:r>
@@ -6689,14 +5352,14 @@
       </p:sp>
       <p:sp>
         <p:nvSpPr>
-          <p:cNvPr id="176" name=""/>
-          <p:cNvSpPr txBox="1"/>
+          <p:cNvPr id="138" name=""/>
+          <p:cNvSpPr/>
           <p:nvPr/>
         </p:nvSpPr>
         <p:spPr>
           <a:xfrm>
             <a:off x="720000" y="2700000"/>
-            <a:ext cx="7200000" cy="2138040"/>
+            <a:ext cx="7199640" cy="2137680"/>
           </a:xfrm>
           <a:prstGeom prst="rect">
             <a:avLst/>
@@ -6706,11 +5369,22 @@
             <a:noFill/>
           </a:ln>
         </p:spPr>
+        <p:style>
+          <a:lnRef idx="0"/>
+          <a:fillRef idx="0"/>
+          <a:effectRef idx="0"/>
+          <a:fontRef idx="minor"/>
+        </p:style>
         <p:txBody>
           <a:bodyPr lIns="90000" rIns="90000" tIns="45000" bIns="45000">
             <a:noAutofit/>
           </a:bodyPr>
           <a:p>
+            <a:pPr>
+              <a:lnSpc>
+                <a:spcPct val="100000"/>
+              </a:lnSpc>
+            </a:pPr>
             <a:r>
               <a:rPr b="0" lang="ru-RU" sz="1800" spc="-1" strike="noStrike">
                 <a:latin typeface="Arial"/>
@@ -6722,7 +5396,10 @@
             </a:endParaRPr>
           </a:p>
           <a:p>
-            <a:pPr lvl="1" marL="432000" indent="-216000">
+            <a:pPr lvl="1" marL="432000" indent="-215640">
+              <a:lnSpc>
+                <a:spcPct val="100000"/>
+              </a:lnSpc>
               <a:buClr>
                 <a:srgbClr val="000000"/>
               </a:buClr>
@@ -6741,7 +5418,10 @@
             </a:endParaRPr>
           </a:p>
           <a:p>
-            <a:pPr lvl="1" marL="432000" indent="-216000">
+            <a:pPr lvl="1" marL="432000" indent="-215640">
+              <a:lnSpc>
+                <a:spcPct val="100000"/>
+              </a:lnSpc>
               <a:buClr>
                 <a:srgbClr val="000000"/>
               </a:buClr>
@@ -6793,14 +5473,14 @@
       </p:grpSpPr>
       <p:sp>
         <p:nvSpPr>
-          <p:cNvPr id="177" name="Заголовок 1_24"/>
+          <p:cNvPr id="139" name="Заголовок 1_24"/>
           <p:cNvSpPr/>
           <p:nvPr/>
         </p:nvSpPr>
         <p:spPr>
           <a:xfrm>
             <a:off x="457200" y="274680"/>
-            <a:ext cx="8228880" cy="1142280"/>
+            <a:ext cx="8228520" cy="1141920"/>
           </a:xfrm>
           <a:prstGeom prst="rect">
             <a:avLst/>
@@ -6819,7 +5499,7 @@
       </p:sp>
       <p:pic>
         <p:nvPicPr>
-          <p:cNvPr id="178" name="Picture 3_14" descr=""/>
+          <p:cNvPr id="140" name="Picture 3_14" descr=""/>
           <p:cNvPicPr/>
           <p:nvPr/>
         </p:nvPicPr>
@@ -6830,7 +5510,7 @@
         <p:spPr>
           <a:xfrm>
             <a:off x="0" y="29160"/>
-            <a:ext cx="1583640" cy="1394640"/>
+            <a:ext cx="1583280" cy="1394280"/>
           </a:xfrm>
           <a:prstGeom prst="rect">
             <a:avLst/>
@@ -6842,14 +5522,14 @@
       </p:pic>
       <p:sp>
         <p:nvSpPr>
-          <p:cNvPr id="179" name="Заголовок 1_25"/>
+          <p:cNvPr id="141" name="Заголовок 1_25"/>
           <p:cNvSpPr/>
           <p:nvPr/>
         </p:nvSpPr>
         <p:spPr>
           <a:xfrm>
             <a:off x="1670760" y="297360"/>
-            <a:ext cx="5888880" cy="1142280"/>
+            <a:ext cx="5888520" cy="1141920"/>
           </a:xfrm>
           <a:prstGeom prst="rect">
             <a:avLst/>
@@ -6881,6 +5561,7 @@
                   <a:srgbClr val="000000"/>
                 </a:solidFill>
                 <a:latin typeface="Calibri"/>
+                <a:ea typeface="DejaVu Sans"/>
               </a:rPr>
               <a:t>Архитектура приложения. SOLID</a:t>
             </a:r>
@@ -6892,7 +5573,7 @@
       </p:sp>
       <p:pic>
         <p:nvPicPr>
-          <p:cNvPr id="180" name="" descr=""/>
+          <p:cNvPr id="142" name="" descr=""/>
           <p:cNvPicPr/>
           <p:nvPr/>
         </p:nvPicPr>
@@ -6903,7 +5584,7 @@
         <p:spPr>
           <a:xfrm>
             <a:off x="720000" y="1980720"/>
-            <a:ext cx="4533480" cy="3419280"/>
+            <a:ext cx="4533120" cy="3418920"/>
           </a:xfrm>
           <a:prstGeom prst="rect">
             <a:avLst/>
@@ -6915,14 +5596,14 @@
       </p:pic>
       <p:sp>
         <p:nvSpPr>
-          <p:cNvPr id="181" name=""/>
-          <p:cNvSpPr txBox="1"/>
+          <p:cNvPr id="143" name=""/>
+          <p:cNvSpPr/>
           <p:nvPr/>
         </p:nvSpPr>
         <p:spPr>
           <a:xfrm>
             <a:off x="6120000" y="2340000"/>
-            <a:ext cx="2340000" cy="858240"/>
+            <a:ext cx="2339640" cy="857880"/>
           </a:xfrm>
           <a:prstGeom prst="rect">
             <a:avLst/>
@@ -6932,11 +5613,22 @@
             <a:noFill/>
           </a:ln>
         </p:spPr>
+        <p:style>
+          <a:lnRef idx="0"/>
+          <a:fillRef idx="0"/>
+          <a:effectRef idx="0"/>
+          <a:fontRef idx="minor"/>
+        </p:style>
         <p:txBody>
           <a:bodyPr lIns="90000" rIns="90000" tIns="45000" bIns="45000">
             <a:noAutofit/>
           </a:bodyPr>
           <a:p>
+            <a:pPr>
+              <a:lnSpc>
+                <a:spcPct val="100000"/>
+              </a:lnSpc>
+            </a:pPr>
             <a:r>
               <a:rPr b="0" lang="ru-RU" sz="1800" spc="-1" strike="noStrike">
                 <a:latin typeface="Arial"/>
@@ -6981,14 +5673,14 @@
       </p:grpSpPr>
       <p:sp>
         <p:nvSpPr>
-          <p:cNvPr id="182" name="Заголовок 1_26"/>
+          <p:cNvPr id="144" name="Заголовок 1_26"/>
           <p:cNvSpPr/>
           <p:nvPr/>
         </p:nvSpPr>
         <p:spPr>
           <a:xfrm>
             <a:off x="457200" y="274680"/>
-            <a:ext cx="8228880" cy="1142280"/>
+            <a:ext cx="8228520" cy="1141920"/>
           </a:xfrm>
           <a:prstGeom prst="rect">
             <a:avLst/>
@@ -7007,7 +5699,7 @@
       </p:sp>
       <p:pic>
         <p:nvPicPr>
-          <p:cNvPr id="183" name="Picture 3_15" descr=""/>
+          <p:cNvPr id="145" name="Picture 3_15" descr=""/>
           <p:cNvPicPr/>
           <p:nvPr/>
         </p:nvPicPr>
@@ -7018,7 +5710,7 @@
         <p:spPr>
           <a:xfrm>
             <a:off x="0" y="29160"/>
-            <a:ext cx="1583640" cy="1394640"/>
+            <a:ext cx="1583280" cy="1394280"/>
           </a:xfrm>
           <a:prstGeom prst="rect">
             <a:avLst/>
@@ -7030,14 +5722,14 @@
       </p:pic>
       <p:sp>
         <p:nvSpPr>
-          <p:cNvPr id="184" name="Заголовок 1_27"/>
+          <p:cNvPr id="146" name="Заголовок 1_27"/>
           <p:cNvSpPr/>
           <p:nvPr/>
         </p:nvSpPr>
         <p:spPr>
           <a:xfrm>
             <a:off x="1670760" y="297360"/>
-            <a:ext cx="5888880" cy="1142280"/>
+            <a:ext cx="5888520" cy="1141920"/>
           </a:xfrm>
           <a:prstGeom prst="rect">
             <a:avLst/>
@@ -7069,6 +5761,7 @@
                   <a:srgbClr val="000000"/>
                 </a:solidFill>
                 <a:latin typeface="Calibri"/>
+                <a:ea typeface="DejaVu Sans"/>
               </a:rPr>
               <a:t>Архитектура приложения. SOLID</a:t>
             </a:r>
@@ -7080,14 +5773,14 @@
       </p:sp>
       <p:sp>
         <p:nvSpPr>
-          <p:cNvPr id="185" name=""/>
-          <p:cNvSpPr txBox="1"/>
+          <p:cNvPr id="147" name=""/>
+          <p:cNvSpPr/>
           <p:nvPr/>
         </p:nvSpPr>
         <p:spPr>
           <a:xfrm>
             <a:off x="6120000" y="2340000"/>
-            <a:ext cx="2340000" cy="1370160"/>
+            <a:ext cx="2339640" cy="1369800"/>
           </a:xfrm>
           <a:prstGeom prst="rect">
             <a:avLst/>
@@ -7097,11 +5790,22 @@
             <a:noFill/>
           </a:ln>
         </p:spPr>
+        <p:style>
+          <a:lnRef idx="0"/>
+          <a:fillRef idx="0"/>
+          <a:effectRef idx="0"/>
+          <a:fontRef idx="minor"/>
+        </p:style>
         <p:txBody>
           <a:bodyPr lIns="90000" rIns="90000" tIns="45000" bIns="45000">
             <a:noAutofit/>
           </a:bodyPr>
           <a:p>
+            <a:pPr>
+              <a:lnSpc>
+                <a:spcPct val="100000"/>
+              </a:lnSpc>
+            </a:pPr>
             <a:r>
               <a:rPr b="0" lang="ru-RU" sz="1800" spc="-1" strike="noStrike">
                 <a:latin typeface="Arial"/>
@@ -7113,6 +5817,11 @@
             </a:endParaRPr>
           </a:p>
           <a:p>
+            <a:pPr>
+              <a:lnSpc>
+                <a:spcPct val="100000"/>
+              </a:lnSpc>
+            </a:pPr>
             <a:r>
               <a:rPr b="0" lang="ru-RU" sz="1800" spc="-1" strike="noStrike">
                 <a:latin typeface="Arial"/>
@@ -7127,7 +5836,7 @@
       </p:sp>
       <p:pic>
         <p:nvPicPr>
-          <p:cNvPr id="186" name="" descr=""/>
+          <p:cNvPr id="148" name="" descr=""/>
           <p:cNvPicPr/>
           <p:nvPr/>
         </p:nvPicPr>
@@ -7138,7 +5847,7 @@
         <p:spPr>
           <a:xfrm>
             <a:off x="657720" y="1980000"/>
-            <a:ext cx="4562280" cy="3590640"/>
+            <a:ext cx="4561920" cy="3590280"/>
           </a:xfrm>
           <a:prstGeom prst="rect">
             <a:avLst/>
@@ -7180,14 +5889,14 @@
       </p:grpSpPr>
       <p:sp>
         <p:nvSpPr>
-          <p:cNvPr id="187" name="Заголовок 1_28"/>
+          <p:cNvPr id="149" name="Заголовок 1_28"/>
           <p:cNvSpPr/>
           <p:nvPr/>
         </p:nvSpPr>
         <p:spPr>
           <a:xfrm>
             <a:off x="457200" y="274680"/>
-            <a:ext cx="8228880" cy="1142280"/>
+            <a:ext cx="8228520" cy="1141920"/>
           </a:xfrm>
           <a:prstGeom prst="rect">
             <a:avLst/>
@@ -7206,7 +5915,7 @@
       </p:sp>
       <p:pic>
         <p:nvPicPr>
-          <p:cNvPr id="188" name="Picture 3_16" descr=""/>
+          <p:cNvPr id="150" name="Picture 3_16" descr=""/>
           <p:cNvPicPr/>
           <p:nvPr/>
         </p:nvPicPr>
@@ -7217,7 +5926,7 @@
         <p:spPr>
           <a:xfrm>
             <a:off x="0" y="29160"/>
-            <a:ext cx="1583640" cy="1394640"/>
+            <a:ext cx="1583280" cy="1394280"/>
           </a:xfrm>
           <a:prstGeom prst="rect">
             <a:avLst/>
@@ -7229,14 +5938,14 @@
       </p:pic>
       <p:sp>
         <p:nvSpPr>
-          <p:cNvPr id="189" name="Заголовок 1_29"/>
+          <p:cNvPr id="151" name="Заголовок 1_29"/>
           <p:cNvSpPr/>
           <p:nvPr/>
         </p:nvSpPr>
         <p:spPr>
           <a:xfrm>
             <a:off x="1670760" y="297360"/>
-            <a:ext cx="5888880" cy="1142280"/>
+            <a:ext cx="5888520" cy="1141920"/>
           </a:xfrm>
           <a:prstGeom prst="rect">
             <a:avLst/>
@@ -7268,6 +5977,7 @@
                   <a:srgbClr val="000000"/>
                 </a:solidFill>
                 <a:latin typeface="Calibri"/>
+                <a:ea typeface="DejaVu Sans"/>
               </a:rPr>
               <a:t>Архитектура приложения. SOLID</a:t>
             </a:r>
@@ -7279,7 +5989,7 @@
       </p:sp>
       <p:pic>
         <p:nvPicPr>
-          <p:cNvPr id="190" name="" descr=""/>
+          <p:cNvPr id="152" name="" descr=""/>
           <p:cNvPicPr/>
           <p:nvPr/>
         </p:nvPicPr>
@@ -7290,7 +6000,7 @@
         <p:spPr>
           <a:xfrm>
             <a:off x="260640" y="1800000"/>
-            <a:ext cx="6219360" cy="2828520"/>
+            <a:ext cx="6219000" cy="2828160"/>
           </a:xfrm>
           <a:prstGeom prst="rect">
             <a:avLst/>
@@ -7302,14 +6012,14 @@
       </p:pic>
       <p:sp>
         <p:nvSpPr>
-          <p:cNvPr id="191" name=""/>
-          <p:cNvSpPr txBox="1"/>
+          <p:cNvPr id="153" name=""/>
+          <p:cNvSpPr/>
           <p:nvPr/>
         </p:nvSpPr>
         <p:spPr>
           <a:xfrm>
             <a:off x="7020000" y="2340000"/>
-            <a:ext cx="1800000" cy="602280"/>
+            <a:ext cx="1799640" cy="601920"/>
           </a:xfrm>
           <a:prstGeom prst="rect">
             <a:avLst/>
@@ -7319,11 +6029,22 @@
             <a:noFill/>
           </a:ln>
         </p:spPr>
+        <p:style>
+          <a:lnRef idx="0"/>
+          <a:fillRef idx="0"/>
+          <a:effectRef idx="0"/>
+          <a:fontRef idx="minor"/>
+        </p:style>
         <p:txBody>
           <a:bodyPr lIns="90000" rIns="90000" tIns="45000" bIns="45000">
             <a:noAutofit/>
           </a:bodyPr>
           <a:p>
+            <a:pPr>
+              <a:lnSpc>
+                <a:spcPct val="100000"/>
+              </a:lnSpc>
+            </a:pPr>
             <a:r>
               <a:rPr b="0" lang="ru-RU" sz="1800" spc="-1" strike="noStrike">
                 <a:latin typeface="Arial"/>
@@ -7368,14 +6089,14 @@
       </p:grpSpPr>
       <p:sp>
         <p:nvSpPr>
-          <p:cNvPr id="192" name="Заголовок 1_30"/>
+          <p:cNvPr id="154" name="Заголовок 1_30"/>
           <p:cNvSpPr/>
           <p:nvPr/>
         </p:nvSpPr>
         <p:spPr>
           <a:xfrm>
             <a:off x="457200" y="274680"/>
-            <a:ext cx="8228880" cy="1142280"/>
+            <a:ext cx="8228520" cy="1141920"/>
           </a:xfrm>
           <a:prstGeom prst="rect">
             <a:avLst/>
@@ -7394,7 +6115,7 @@
       </p:sp>
       <p:pic>
         <p:nvPicPr>
-          <p:cNvPr id="193" name="Picture 3_17" descr=""/>
+          <p:cNvPr id="155" name="Picture 3_17" descr=""/>
           <p:cNvPicPr/>
           <p:nvPr/>
         </p:nvPicPr>
@@ -7405,7 +6126,7 @@
         <p:spPr>
           <a:xfrm>
             <a:off x="0" y="29160"/>
-            <a:ext cx="1583640" cy="1394640"/>
+            <a:ext cx="1583280" cy="1394280"/>
           </a:xfrm>
           <a:prstGeom prst="rect">
             <a:avLst/>
@@ -7417,14 +6138,14 @@
       </p:pic>
       <p:sp>
         <p:nvSpPr>
-          <p:cNvPr id="194" name="Заголовок 1_31"/>
+          <p:cNvPr id="156" name="Заголовок 1_31"/>
           <p:cNvSpPr/>
           <p:nvPr/>
         </p:nvSpPr>
         <p:spPr>
           <a:xfrm>
             <a:off x="1670760" y="297360"/>
-            <a:ext cx="5888880" cy="1142280"/>
+            <a:ext cx="5888520" cy="1141920"/>
           </a:xfrm>
           <a:prstGeom prst="rect">
             <a:avLst/>
@@ -7456,6 +6177,7 @@
                   <a:srgbClr val="000000"/>
                 </a:solidFill>
                 <a:latin typeface="Calibri"/>
+                <a:ea typeface="DejaVu Sans"/>
               </a:rPr>
               <a:t>Архитектура приложения. SOLID</a:t>
             </a:r>
@@ -7467,14 +6189,14 @@
       </p:sp>
       <p:sp>
         <p:nvSpPr>
-          <p:cNvPr id="195" name=""/>
-          <p:cNvSpPr txBox="1"/>
+          <p:cNvPr id="157" name=""/>
+          <p:cNvSpPr/>
           <p:nvPr/>
         </p:nvSpPr>
         <p:spPr>
           <a:xfrm>
             <a:off x="720000" y="2333880"/>
-            <a:ext cx="6120000" cy="1882080"/>
+            <a:ext cx="6119640" cy="1881720"/>
           </a:xfrm>
           <a:prstGeom prst="rect">
             <a:avLst/>
@@ -7484,11 +6206,22 @@
             <a:noFill/>
           </a:ln>
         </p:spPr>
+        <p:style>
+          <a:lnRef idx="0"/>
+          <a:fillRef idx="0"/>
+          <a:effectRef idx="0"/>
+          <a:fontRef idx="minor"/>
+        </p:style>
         <p:txBody>
           <a:bodyPr lIns="90000" rIns="90000" tIns="45000" bIns="45000">
             <a:noAutofit/>
           </a:bodyPr>
           <a:p>
+            <a:pPr>
+              <a:lnSpc>
+                <a:spcPct val="100000"/>
+              </a:lnSpc>
+            </a:pPr>
             <a:r>
               <a:rPr b="0" lang="ru-RU" sz="1800" spc="-1" strike="noStrike">
                 <a:latin typeface="Arial"/>
@@ -7500,7 +6233,10 @@
             </a:endParaRPr>
           </a:p>
           <a:p>
-            <a:pPr lvl="1" marL="432000" indent="-216000">
+            <a:pPr lvl="1" marL="432000" indent="-215640">
+              <a:lnSpc>
+                <a:spcPct val="100000"/>
+              </a:lnSpc>
               <a:buClr>
                 <a:srgbClr val="000000"/>
               </a:buClr>
@@ -7552,14 +6288,14 @@
       </p:grpSpPr>
       <p:sp>
         <p:nvSpPr>
-          <p:cNvPr id="122" name="Заголовок 1"/>
+          <p:cNvPr id="84" name="Заголовок 1"/>
           <p:cNvSpPr/>
           <p:nvPr/>
         </p:nvSpPr>
         <p:spPr>
           <a:xfrm>
             <a:off x="457200" y="274680"/>
-            <a:ext cx="8228880" cy="1142280"/>
+            <a:ext cx="8228520" cy="1141920"/>
           </a:xfrm>
           <a:prstGeom prst="rect">
             <a:avLst/>
@@ -7591,6 +6327,7 @@
                   <a:srgbClr val="000000"/>
                 </a:solidFill>
                 <a:latin typeface="Calibri"/>
+                <a:ea typeface="DejaVu Sans"/>
               </a:rPr>
               <a:t>Мотивация</a:t>
             </a:r>
@@ -7602,7 +6339,7 @@
       </p:sp>
       <p:pic>
         <p:nvPicPr>
-          <p:cNvPr id="123" name="Picture 3" descr=""/>
+          <p:cNvPr id="85" name="Picture 3" descr=""/>
           <p:cNvPicPr/>
           <p:nvPr/>
         </p:nvPicPr>
@@ -7613,7 +6350,7 @@
         <p:spPr>
           <a:xfrm>
             <a:off x="0" y="29160"/>
-            <a:ext cx="1583640" cy="1394640"/>
+            <a:ext cx="1583280" cy="1394280"/>
           </a:xfrm>
           <a:prstGeom prst="rect">
             <a:avLst/>
@@ -7625,14 +6362,14 @@
       </p:pic>
       <p:sp>
         <p:nvSpPr>
-          <p:cNvPr id="124" name=""/>
+          <p:cNvPr id="86" name=""/>
           <p:cNvSpPr/>
           <p:nvPr/>
         </p:nvSpPr>
         <p:spPr>
           <a:xfrm>
             <a:off x="457200" y="1600200"/>
-            <a:ext cx="8228880" cy="4525200"/>
+            <a:ext cx="8228520" cy="4524840"/>
           </a:xfrm>
           <a:prstGeom prst="rect">
             <a:avLst/>
@@ -7653,7 +6390,7 @@
             <a:noAutofit/>
           </a:bodyPr>
           <a:p>
-            <a:pPr marL="216000" indent="-215640">
+            <a:pPr marL="216000" indent="-215280">
               <a:lnSpc>
                 <a:spcPct val="100000"/>
               </a:lnSpc>
@@ -7672,7 +6409,11 @@
             </a:pPr>
             <a:r>
               <a:rPr b="0" lang="ru-RU" sz="3200" spc="-1" strike="noStrike">
-                <a:latin typeface="Arial"/>
+                <a:solidFill>
+                  <a:srgbClr val="000000"/>
+                </a:solidFill>
+                <a:latin typeface="Arial"/>
+                <a:ea typeface="DejaVu Sans"/>
               </a:rPr>
               <a:t>Навыки проектирования</a:t>
             </a:r>
@@ -7681,7 +6422,7 @@
             </a:endParaRPr>
           </a:p>
           <a:p>
-            <a:pPr marL="216000" indent="-215640">
+            <a:pPr marL="216000" indent="-215280">
               <a:lnSpc>
                 <a:spcPct val="100000"/>
               </a:lnSpc>
@@ -7700,7 +6441,11 @@
             </a:pPr>
             <a:r>
               <a:rPr b="0" lang="ru-RU" sz="3200" spc="-1" strike="noStrike">
-                <a:latin typeface="Arial"/>
+                <a:solidFill>
+                  <a:srgbClr val="000000"/>
+                </a:solidFill>
+                <a:latin typeface="Arial"/>
+                <a:ea typeface="DejaVu Sans"/>
               </a:rPr>
               <a:t>Личный интерес</a:t>
             </a:r>
@@ -7742,14 +6487,14 @@
       </p:grpSpPr>
       <p:sp>
         <p:nvSpPr>
-          <p:cNvPr id="196" name="Заголовок 1_40"/>
+          <p:cNvPr id="158" name="Заголовок 1_40"/>
           <p:cNvSpPr/>
           <p:nvPr/>
         </p:nvSpPr>
         <p:spPr>
           <a:xfrm>
             <a:off x="457200" y="274680"/>
-            <a:ext cx="8228880" cy="1142280"/>
+            <a:ext cx="8228520" cy="1141920"/>
           </a:xfrm>
           <a:prstGeom prst="rect">
             <a:avLst/>
@@ -7768,7 +6513,7 @@
       </p:sp>
       <p:pic>
         <p:nvPicPr>
-          <p:cNvPr id="197" name="Picture 3_22" descr=""/>
+          <p:cNvPr id="159" name="Picture 3_22" descr=""/>
           <p:cNvPicPr/>
           <p:nvPr/>
         </p:nvPicPr>
@@ -7779,7 +6524,7 @@
         <p:spPr>
           <a:xfrm>
             <a:off x="0" y="29160"/>
-            <a:ext cx="1583640" cy="1394640"/>
+            <a:ext cx="1583280" cy="1394280"/>
           </a:xfrm>
           <a:prstGeom prst="rect">
             <a:avLst/>
@@ -7791,14 +6536,14 @@
       </p:pic>
       <p:sp>
         <p:nvSpPr>
-          <p:cNvPr id="198" name="Заголовок 1_41"/>
+          <p:cNvPr id="160" name="Заголовок 1_41"/>
           <p:cNvSpPr/>
           <p:nvPr/>
         </p:nvSpPr>
         <p:spPr>
           <a:xfrm>
             <a:off x="1670760" y="297360"/>
-            <a:ext cx="5888880" cy="1142280"/>
+            <a:ext cx="5888520" cy="1141920"/>
           </a:xfrm>
           <a:prstGeom prst="rect">
             <a:avLst/>
@@ -7830,6 +6575,7 @@
                   <a:srgbClr val="000000"/>
                 </a:solidFill>
                 <a:latin typeface="Calibri"/>
+                <a:ea typeface="DejaVu Sans"/>
               </a:rPr>
               <a:t>Архитектура приложения. SOLID</a:t>
             </a:r>
@@ -7841,14 +6587,14 @@
       </p:sp>
       <p:sp>
         <p:nvSpPr>
-          <p:cNvPr id="199" name=""/>
-          <p:cNvSpPr txBox="1"/>
+          <p:cNvPr id="161" name=""/>
+          <p:cNvSpPr/>
           <p:nvPr/>
         </p:nvSpPr>
         <p:spPr>
           <a:xfrm>
             <a:off x="720000" y="2333880"/>
-            <a:ext cx="6120000" cy="1626120"/>
+            <a:ext cx="6119640" cy="1625760"/>
           </a:xfrm>
           <a:prstGeom prst="rect">
             <a:avLst/>
@@ -7858,11 +6604,22 @@
             <a:noFill/>
           </a:ln>
         </p:spPr>
+        <p:style>
+          <a:lnRef idx="0"/>
+          <a:fillRef idx="0"/>
+          <a:effectRef idx="0"/>
+          <a:fontRef idx="minor"/>
+        </p:style>
         <p:txBody>
           <a:bodyPr lIns="90000" rIns="90000" tIns="45000" bIns="45000">
             <a:noAutofit/>
           </a:bodyPr>
           <a:p>
+            <a:pPr>
+              <a:lnSpc>
+                <a:spcPct val="100000"/>
+              </a:lnSpc>
+            </a:pPr>
             <a:r>
               <a:rPr b="0" lang="ru-RU" sz="1800" spc="-1" strike="noStrike">
                 <a:latin typeface="Arial"/>
@@ -7874,7 +6631,10 @@
             </a:endParaRPr>
           </a:p>
           <a:p>
-            <a:pPr lvl="1" marL="432000" indent="-216000">
+            <a:pPr lvl="1" marL="432000" indent="-215640">
+              <a:lnSpc>
+                <a:spcPct val="100000"/>
+              </a:lnSpc>
               <a:buClr>
                 <a:srgbClr val="000000"/>
               </a:buClr>
@@ -7926,14 +6686,14 @@
       </p:grpSpPr>
       <p:sp>
         <p:nvSpPr>
-          <p:cNvPr id="200" name="Заголовок 1_32"/>
+          <p:cNvPr id="162" name="Заголовок 1_32"/>
           <p:cNvSpPr/>
           <p:nvPr/>
         </p:nvSpPr>
         <p:spPr>
           <a:xfrm>
             <a:off x="457200" y="274680"/>
-            <a:ext cx="8228880" cy="1142280"/>
+            <a:ext cx="8228520" cy="1141920"/>
           </a:xfrm>
           <a:prstGeom prst="rect">
             <a:avLst/>
@@ -7952,7 +6712,7 @@
       </p:sp>
       <p:pic>
         <p:nvPicPr>
-          <p:cNvPr id="201" name="Picture 3_18" descr=""/>
+          <p:cNvPr id="163" name="Picture 3_18" descr=""/>
           <p:cNvPicPr/>
           <p:nvPr/>
         </p:nvPicPr>
@@ -7963,7 +6723,7 @@
         <p:spPr>
           <a:xfrm>
             <a:off x="0" y="29160"/>
-            <a:ext cx="1583640" cy="1394640"/>
+            <a:ext cx="1583280" cy="1394280"/>
           </a:xfrm>
           <a:prstGeom prst="rect">
             <a:avLst/>
@@ -7975,14 +6735,14 @@
       </p:pic>
       <p:sp>
         <p:nvSpPr>
-          <p:cNvPr id="202" name="Заголовок 1_33"/>
+          <p:cNvPr id="164" name="Заголовок 1_33"/>
           <p:cNvSpPr/>
           <p:nvPr/>
         </p:nvSpPr>
         <p:spPr>
           <a:xfrm>
             <a:off x="1670760" y="297360"/>
-            <a:ext cx="5888880" cy="1142280"/>
+            <a:ext cx="5888520" cy="1141920"/>
           </a:xfrm>
           <a:prstGeom prst="rect">
             <a:avLst/>
@@ -8014,6 +6774,7 @@
                   <a:srgbClr val="000000"/>
                 </a:solidFill>
                 <a:latin typeface="Calibri"/>
+                <a:ea typeface="DejaVu Sans"/>
               </a:rPr>
               <a:t>Архитектура приложения. SOLID</a:t>
             </a:r>
@@ -8025,14 +6786,14 @@
       </p:sp>
       <p:sp>
         <p:nvSpPr>
-          <p:cNvPr id="203" name=""/>
-          <p:cNvSpPr txBox="1"/>
+          <p:cNvPr id="165" name=""/>
+          <p:cNvSpPr/>
           <p:nvPr/>
         </p:nvSpPr>
         <p:spPr>
           <a:xfrm>
             <a:off x="5400000" y="1260000"/>
-            <a:ext cx="3420000" cy="602280"/>
+            <a:ext cx="3419640" cy="601920"/>
           </a:xfrm>
           <a:prstGeom prst="rect">
             <a:avLst/>
@@ -8042,11 +6803,22 @@
             <a:noFill/>
           </a:ln>
         </p:spPr>
+        <p:style>
+          <a:lnRef idx="0"/>
+          <a:fillRef idx="0"/>
+          <a:effectRef idx="0"/>
+          <a:fontRef idx="minor"/>
+        </p:style>
         <p:txBody>
           <a:bodyPr lIns="90000" rIns="90000" tIns="45000" bIns="45000">
             <a:noAutofit/>
           </a:bodyPr>
           <a:p>
+            <a:pPr>
+              <a:lnSpc>
+                <a:spcPct val="100000"/>
+              </a:lnSpc>
+            </a:pPr>
             <a:r>
               <a:rPr b="0" lang="ru-RU" sz="1800" spc="-1" strike="noStrike">
                 <a:latin typeface="Arial"/>
@@ -8061,7 +6833,7 @@
       </p:sp>
       <p:pic>
         <p:nvPicPr>
-          <p:cNvPr id="204" name="" descr=""/>
+          <p:cNvPr id="166" name="" descr=""/>
           <p:cNvPicPr/>
           <p:nvPr/>
         </p:nvPicPr>
@@ -8072,7 +6844,7 @@
         <p:spPr>
           <a:xfrm>
             <a:off x="390240" y="1968480"/>
-            <a:ext cx="5009760" cy="3971520"/>
+            <a:ext cx="5009400" cy="3971160"/>
           </a:xfrm>
           <a:prstGeom prst="rect">
             <a:avLst/>
@@ -8084,7 +6856,7 @@
       </p:pic>
       <p:pic>
         <p:nvPicPr>
-          <p:cNvPr id="205" name="" descr=""/>
+          <p:cNvPr id="167" name="" descr=""/>
           <p:cNvPicPr/>
           <p:nvPr/>
         </p:nvPicPr>
@@ -8095,7 +6867,7 @@
         <p:spPr>
           <a:xfrm>
             <a:off x="5580000" y="4277520"/>
-            <a:ext cx="3304800" cy="942480"/>
+            <a:ext cx="3304440" cy="942120"/>
           </a:xfrm>
           <a:prstGeom prst="rect">
             <a:avLst/>
@@ -8110,14 +6882,14 @@
       </p:pic>
       <p:sp>
         <p:nvSpPr>
-          <p:cNvPr id="206" name=""/>
-          <p:cNvSpPr txBox="1"/>
+          <p:cNvPr id="168" name=""/>
+          <p:cNvSpPr/>
           <p:nvPr/>
         </p:nvSpPr>
         <p:spPr>
           <a:xfrm>
             <a:off x="5580000" y="5400000"/>
-            <a:ext cx="2880000" cy="602280"/>
+            <a:ext cx="2879640" cy="601920"/>
           </a:xfrm>
           <a:prstGeom prst="rect">
             <a:avLst/>
@@ -8127,11 +6899,22 @@
             <a:noFill/>
           </a:ln>
         </p:spPr>
+        <p:style>
+          <a:lnRef idx="0"/>
+          <a:fillRef idx="0"/>
+          <a:effectRef idx="0"/>
+          <a:fontRef idx="minor"/>
+        </p:style>
         <p:txBody>
           <a:bodyPr lIns="90000" rIns="90000" tIns="45000" bIns="45000">
             <a:noAutofit/>
           </a:bodyPr>
           <a:p>
+            <a:pPr>
+              <a:lnSpc>
+                <a:spcPct val="100000"/>
+              </a:lnSpc>
+            </a:pPr>
             <a:r>
               <a:rPr b="0" lang="ru-RU" sz="1800" spc="-1" strike="noStrike">
                 <a:latin typeface="Arial"/>
@@ -8146,14 +6929,14 @@
       </p:sp>
       <p:sp>
         <p:nvSpPr>
-          <p:cNvPr id="207" name=""/>
-          <p:cNvSpPr txBox="1"/>
+          <p:cNvPr id="169" name=""/>
+          <p:cNvSpPr/>
           <p:nvPr/>
         </p:nvSpPr>
         <p:spPr>
           <a:xfrm>
             <a:off x="720000" y="5753880"/>
-            <a:ext cx="4500000" cy="1626120"/>
+            <a:ext cx="4499640" cy="1625760"/>
           </a:xfrm>
           <a:prstGeom prst="rect">
             <a:avLst/>
@@ -8163,11 +6946,22 @@
             <a:noFill/>
           </a:ln>
         </p:spPr>
+        <p:style>
+          <a:lnRef idx="0"/>
+          <a:fillRef idx="0"/>
+          <a:effectRef idx="0"/>
+          <a:fontRef idx="minor"/>
+        </p:style>
         <p:txBody>
           <a:bodyPr lIns="90000" rIns="90000" tIns="45000" bIns="45000">
             <a:noAutofit/>
           </a:bodyPr>
           <a:p>
+            <a:pPr>
+              <a:lnSpc>
+                <a:spcPct val="100000"/>
+              </a:lnSpc>
+            </a:pPr>
             <a:r>
               <a:rPr b="0" lang="ru-RU" sz="1800" spc="-1" strike="noStrike">
                 <a:latin typeface="Arial"/>
@@ -8212,14 +7006,14 @@
       </p:grpSpPr>
       <p:sp>
         <p:nvSpPr>
-          <p:cNvPr id="208" name="Заголовок 1_42"/>
+          <p:cNvPr id="170" name="Заголовок 1_42"/>
           <p:cNvSpPr/>
           <p:nvPr/>
         </p:nvSpPr>
         <p:spPr>
           <a:xfrm>
             <a:off x="457200" y="274680"/>
-            <a:ext cx="8228880" cy="1142280"/>
+            <a:ext cx="8228520" cy="1141920"/>
           </a:xfrm>
           <a:prstGeom prst="rect">
             <a:avLst/>
@@ -8238,7 +7032,7 @@
       </p:sp>
       <p:pic>
         <p:nvPicPr>
-          <p:cNvPr id="209" name="Picture 3_23" descr=""/>
+          <p:cNvPr id="171" name="Picture 3_23" descr=""/>
           <p:cNvPicPr/>
           <p:nvPr/>
         </p:nvPicPr>
@@ -8249,7 +7043,7 @@
         <p:spPr>
           <a:xfrm>
             <a:off x="0" y="29160"/>
-            <a:ext cx="1583640" cy="1394640"/>
+            <a:ext cx="1583280" cy="1394280"/>
           </a:xfrm>
           <a:prstGeom prst="rect">
             <a:avLst/>
@@ -8261,14 +7055,14 @@
       </p:pic>
       <p:sp>
         <p:nvSpPr>
-          <p:cNvPr id="210" name="Заголовок 1_43"/>
+          <p:cNvPr id="172" name="Заголовок 1_43"/>
           <p:cNvSpPr/>
           <p:nvPr/>
         </p:nvSpPr>
         <p:spPr>
           <a:xfrm>
             <a:off x="1670760" y="297360"/>
-            <a:ext cx="5888880" cy="1142280"/>
+            <a:ext cx="5888520" cy="1141920"/>
           </a:xfrm>
           <a:prstGeom prst="rect">
             <a:avLst/>
@@ -8300,6 +7094,7 @@
                   <a:srgbClr val="000000"/>
                 </a:solidFill>
                 <a:latin typeface="Calibri"/>
+                <a:ea typeface="DejaVu Sans"/>
               </a:rPr>
               <a:t>Архитектура приложения. SOLID</a:t>
             </a:r>
@@ -8311,14 +7106,14 @@
       </p:sp>
       <p:sp>
         <p:nvSpPr>
-          <p:cNvPr id="211" name=""/>
-          <p:cNvSpPr txBox="1"/>
+          <p:cNvPr id="173" name=""/>
+          <p:cNvSpPr/>
           <p:nvPr/>
         </p:nvSpPr>
         <p:spPr>
           <a:xfrm>
             <a:off x="5400000" y="1260000"/>
-            <a:ext cx="3420000" cy="602280"/>
+            <a:ext cx="3419640" cy="601920"/>
           </a:xfrm>
           <a:prstGeom prst="rect">
             <a:avLst/>
@@ -8328,11 +7123,22 @@
             <a:noFill/>
           </a:ln>
         </p:spPr>
+        <p:style>
+          <a:lnRef idx="0"/>
+          <a:fillRef idx="0"/>
+          <a:effectRef idx="0"/>
+          <a:fontRef idx="minor"/>
+        </p:style>
         <p:txBody>
           <a:bodyPr lIns="90000" rIns="90000" tIns="45000" bIns="45000">
             <a:noAutofit/>
           </a:bodyPr>
           <a:p>
+            <a:pPr>
+              <a:lnSpc>
+                <a:spcPct val="100000"/>
+              </a:lnSpc>
+            </a:pPr>
             <a:r>
               <a:rPr b="0" lang="ru-RU" sz="1800" spc="-1" strike="noStrike">
                 <a:latin typeface="Arial"/>
@@ -8347,7 +7153,7 @@
       </p:sp>
       <p:pic>
         <p:nvPicPr>
-          <p:cNvPr id="212" name="" descr=""/>
+          <p:cNvPr id="174" name="" descr=""/>
           <p:cNvPicPr/>
           <p:nvPr/>
         </p:nvPicPr>
@@ -8358,7 +7164,7 @@
         <p:spPr>
           <a:xfrm>
             <a:off x="835200" y="5177520"/>
-            <a:ext cx="3304800" cy="942480"/>
+            <a:ext cx="3304440" cy="942120"/>
           </a:xfrm>
           <a:prstGeom prst="rect">
             <a:avLst/>
@@ -8373,14 +7179,14 @@
       </p:pic>
       <p:sp>
         <p:nvSpPr>
-          <p:cNvPr id="213" name=""/>
-          <p:cNvSpPr txBox="1"/>
+          <p:cNvPr id="175" name=""/>
+          <p:cNvSpPr/>
           <p:nvPr/>
         </p:nvSpPr>
         <p:spPr>
           <a:xfrm>
             <a:off x="4320000" y="5337720"/>
-            <a:ext cx="2880000" cy="602280"/>
+            <a:ext cx="2879640" cy="601920"/>
           </a:xfrm>
           <a:prstGeom prst="rect">
             <a:avLst/>
@@ -8390,11 +7196,22 @@
             <a:noFill/>
           </a:ln>
         </p:spPr>
+        <p:style>
+          <a:lnRef idx="0"/>
+          <a:fillRef idx="0"/>
+          <a:effectRef idx="0"/>
+          <a:fontRef idx="minor"/>
+        </p:style>
         <p:txBody>
           <a:bodyPr lIns="90000" rIns="90000" tIns="45000" bIns="45000">
             <a:noAutofit/>
           </a:bodyPr>
           <a:p>
+            <a:pPr>
+              <a:lnSpc>
+                <a:spcPct val="100000"/>
+              </a:lnSpc>
+            </a:pPr>
             <a:r>
               <a:rPr b="0" lang="ru-RU" sz="1800" spc="-1" strike="noStrike">
                 <a:latin typeface="Arial"/>
@@ -8409,7 +7226,7 @@
       </p:sp>
       <p:pic>
         <p:nvPicPr>
-          <p:cNvPr id="214" name="" descr=""/>
+          <p:cNvPr id="176" name="" descr=""/>
           <p:cNvPicPr/>
           <p:nvPr/>
         </p:nvPicPr>
@@ -8420,7 +7237,7 @@
         <p:spPr>
           <a:xfrm>
             <a:off x="180000" y="1980000"/>
-            <a:ext cx="7045200" cy="2476080"/>
+            <a:ext cx="7044840" cy="2475720"/>
           </a:xfrm>
           <a:prstGeom prst="rect">
             <a:avLst/>
@@ -8462,14 +7279,14 @@
       </p:grpSpPr>
       <p:sp>
         <p:nvSpPr>
-          <p:cNvPr id="215" name="Заголовок 1_34"/>
+          <p:cNvPr id="177" name="Заголовок 1_34"/>
           <p:cNvSpPr/>
           <p:nvPr/>
         </p:nvSpPr>
         <p:spPr>
           <a:xfrm>
             <a:off x="457200" y="274680"/>
-            <a:ext cx="8228880" cy="1142280"/>
+            <a:ext cx="8228520" cy="1141920"/>
           </a:xfrm>
           <a:prstGeom prst="rect">
             <a:avLst/>
@@ -8488,7 +7305,7 @@
       </p:sp>
       <p:pic>
         <p:nvPicPr>
-          <p:cNvPr id="216" name="Picture 3_19" descr=""/>
+          <p:cNvPr id="178" name="Picture 3_19" descr=""/>
           <p:cNvPicPr/>
           <p:nvPr/>
         </p:nvPicPr>
@@ -8499,7 +7316,7 @@
         <p:spPr>
           <a:xfrm>
             <a:off x="0" y="29160"/>
-            <a:ext cx="1583640" cy="1394640"/>
+            <a:ext cx="1583280" cy="1394280"/>
           </a:xfrm>
           <a:prstGeom prst="rect">
             <a:avLst/>
@@ -8511,14 +7328,14 @@
       </p:pic>
       <p:sp>
         <p:nvSpPr>
-          <p:cNvPr id="217" name="Заголовок 1_35"/>
+          <p:cNvPr id="179" name="Заголовок 1_35"/>
           <p:cNvSpPr/>
           <p:nvPr/>
         </p:nvSpPr>
         <p:spPr>
           <a:xfrm>
             <a:off x="1670760" y="297360"/>
-            <a:ext cx="5888880" cy="1142280"/>
+            <a:ext cx="5888520" cy="1141920"/>
           </a:xfrm>
           <a:prstGeom prst="rect">
             <a:avLst/>
@@ -8550,6 +7367,7 @@
                   <a:srgbClr val="000000"/>
                 </a:solidFill>
                 <a:latin typeface="Calibri"/>
+                <a:ea typeface="DejaVu Sans"/>
               </a:rPr>
               <a:t>Архитектура приложения. MVC</a:t>
             </a:r>
@@ -8561,14 +7379,14 @@
       </p:sp>
       <p:sp>
         <p:nvSpPr>
-          <p:cNvPr id="218" name=""/>
-          <p:cNvSpPr txBox="1"/>
+          <p:cNvPr id="180" name=""/>
+          <p:cNvSpPr/>
           <p:nvPr/>
         </p:nvSpPr>
         <p:spPr>
           <a:xfrm>
             <a:off x="540000" y="1980000"/>
-            <a:ext cx="5220000" cy="1370160"/>
+            <a:ext cx="5219640" cy="1369800"/>
           </a:xfrm>
           <a:prstGeom prst="rect">
             <a:avLst/>
@@ -8578,28 +7396,27 @@
             <a:noFill/>
           </a:ln>
         </p:spPr>
+        <p:style>
+          <a:lnRef idx="0"/>
+          <a:fillRef idx="0"/>
+          <a:effectRef idx="0"/>
+          <a:fontRef idx="minor"/>
+        </p:style>
         <p:txBody>
           <a:bodyPr lIns="90000" rIns="90000" tIns="45000" bIns="45000">
             <a:noAutofit/>
           </a:bodyPr>
           <a:p>
+            <a:pPr>
+              <a:lnSpc>
+                <a:spcPct val="100000"/>
+              </a:lnSpc>
+            </a:pPr>
             <a:r>
               <a:rPr b="0" lang="ru-RU" sz="1800" spc="-1" strike="noStrike">
                 <a:latin typeface="Arial"/>
               </a:rPr>
-              <a:t>MVC — множество типовых решений по написанию </a:t>
-            </a:r>
-            <a:r>
-              <a:rPr b="0" lang="ru-RU" sz="1800" spc="-1" strike="noStrike">
-                <a:latin typeface="Arial"/>
-              </a:rPr>
-              <a:t>ГПИ. Заключается в разделении поставленной </a:t>
-            </a:r>
-            <a:r>
-              <a:rPr b="0" lang="ru-RU" sz="1800" spc="-1" strike="noStrike">
-                <a:latin typeface="Arial"/>
-              </a:rPr>
-              <a:t>задачи на «уровни», которые выполняют свою роль</a:t>
+              <a:t>MVC — множество типовых решений по написанию ГПИ. Заключается в разделении поставленной задачи на «уровни», которые выполняют свою роль</a:t>
             </a:r>
             <a:endParaRPr b="0" lang="ru-RU" sz="1800" spc="-1" strike="noStrike">
               <a:latin typeface="Arial"/>
@@ -8639,14 +7456,14 @@
       </p:grpSpPr>
       <p:sp>
         <p:nvSpPr>
-          <p:cNvPr id="219" name="Заголовок 1_44"/>
+          <p:cNvPr id="181" name="Заголовок 1_44"/>
           <p:cNvSpPr/>
           <p:nvPr/>
         </p:nvSpPr>
         <p:spPr>
           <a:xfrm>
             <a:off x="457200" y="274680"/>
-            <a:ext cx="8228880" cy="1142280"/>
+            <a:ext cx="8228520" cy="1141920"/>
           </a:xfrm>
           <a:prstGeom prst="rect">
             <a:avLst/>
@@ -8665,7 +7482,7 @@
       </p:sp>
       <p:pic>
         <p:nvPicPr>
-          <p:cNvPr id="220" name="Picture 3_24" descr=""/>
+          <p:cNvPr id="182" name="Picture 3_24" descr=""/>
           <p:cNvPicPr/>
           <p:nvPr/>
         </p:nvPicPr>
@@ -8676,7 +7493,7 @@
         <p:spPr>
           <a:xfrm>
             <a:off x="0" y="29160"/>
-            <a:ext cx="1583640" cy="1394640"/>
+            <a:ext cx="1583280" cy="1394280"/>
           </a:xfrm>
           <a:prstGeom prst="rect">
             <a:avLst/>
@@ -8688,14 +7505,14 @@
       </p:pic>
       <p:sp>
         <p:nvSpPr>
-          <p:cNvPr id="221" name="Заголовок 1_45"/>
+          <p:cNvPr id="183" name="Заголовок 1_45"/>
           <p:cNvSpPr/>
           <p:nvPr/>
         </p:nvSpPr>
         <p:spPr>
           <a:xfrm>
             <a:off x="1670760" y="297360"/>
-            <a:ext cx="5888880" cy="1142280"/>
+            <a:ext cx="5888520" cy="1141920"/>
           </a:xfrm>
           <a:prstGeom prst="rect">
             <a:avLst/>
@@ -8727,6 +7544,7 @@
                   <a:srgbClr val="000000"/>
                 </a:solidFill>
                 <a:latin typeface="Calibri"/>
+                <a:ea typeface="DejaVu Sans"/>
               </a:rPr>
               <a:t>Архитектура приложения. MVC</a:t>
             </a:r>
@@ -8738,14 +7556,14 @@
       </p:sp>
       <p:sp>
         <p:nvSpPr>
-          <p:cNvPr id="222" name=""/>
-          <p:cNvSpPr txBox="1"/>
+          <p:cNvPr id="184" name=""/>
+          <p:cNvSpPr/>
           <p:nvPr/>
         </p:nvSpPr>
         <p:spPr>
           <a:xfrm>
             <a:off x="540000" y="1980000"/>
-            <a:ext cx="5220000" cy="1370160"/>
+            <a:ext cx="5219640" cy="1369800"/>
           </a:xfrm>
           <a:prstGeom prst="rect">
             <a:avLst/>
@@ -8755,11 +7573,22 @@
             <a:noFill/>
           </a:ln>
         </p:spPr>
+        <p:style>
+          <a:lnRef idx="0"/>
+          <a:fillRef idx="0"/>
+          <a:effectRef idx="0"/>
+          <a:fontRef idx="minor"/>
+        </p:style>
         <p:txBody>
           <a:bodyPr lIns="90000" rIns="90000" tIns="45000" bIns="45000">
             <a:noAutofit/>
           </a:bodyPr>
           <a:p>
+            <a:pPr>
+              <a:lnSpc>
+                <a:spcPct val="100000"/>
+              </a:lnSpc>
+            </a:pPr>
             <a:r>
               <a:rPr b="0" lang="ru-RU" sz="1800" spc="-1" strike="noStrike">
                 <a:latin typeface="Arial"/>
@@ -8774,7 +7603,7 @@
       </p:sp>
       <p:pic>
         <p:nvPicPr>
-          <p:cNvPr id="223" name="" descr=""/>
+          <p:cNvPr id="185" name="" descr=""/>
           <p:cNvPicPr/>
           <p:nvPr/>
         </p:nvPicPr>
@@ -8785,7 +7614,7 @@
         <p:spPr>
           <a:xfrm>
             <a:off x="911520" y="3528000"/>
-            <a:ext cx="4668480" cy="2232000"/>
+            <a:ext cx="4668120" cy="2231640"/>
           </a:xfrm>
           <a:prstGeom prst="rect">
             <a:avLst/>
@@ -8797,14 +7626,14 @@
       </p:pic>
       <p:sp>
         <p:nvSpPr>
-          <p:cNvPr id="224" name=""/>
-          <p:cNvSpPr txBox="1"/>
+          <p:cNvPr id="186" name=""/>
+          <p:cNvSpPr/>
           <p:nvPr/>
         </p:nvSpPr>
         <p:spPr>
           <a:xfrm>
             <a:off x="6120000" y="3960000"/>
-            <a:ext cx="2700000" cy="1896120"/>
+            <a:ext cx="2699640" cy="1895760"/>
           </a:xfrm>
           <a:prstGeom prst="rect">
             <a:avLst/>
@@ -8814,29 +7643,45 @@
             <a:noFill/>
           </a:ln>
         </p:spPr>
+        <p:style>
+          <a:lnRef idx="0"/>
+          <a:fillRef idx="0"/>
+          <a:effectRef idx="0"/>
+          <a:fontRef idx="minor"/>
+        </p:style>
         <p:txBody>
           <a:bodyPr lIns="90000" rIns="90000" tIns="45000" bIns="45000">
             <a:noAutofit/>
           </a:bodyPr>
           <a:p>
+            <a:pPr>
+              <a:lnSpc>
+                <a:spcPct val="100000"/>
+              </a:lnSpc>
+            </a:pPr>
             <a:r>
               <a:rPr b="0" i="1" lang="ru-RU" sz="1600" spc="-1" strike="noStrike">
                 <a:latin typeface="Arial"/>
               </a:rPr>
               <a:t>Слой «Представление» использует данные модели для отображения на экране, </a:t>
             </a:r>
-            <a:endParaRPr b="0" i="1" lang="ru-RU" sz="1600" spc="-1" strike="noStrike">
-              <a:latin typeface="Arial"/>
-            </a:endParaRPr>
-          </a:p>
-          <a:p>
+            <a:endParaRPr b="0" lang="ru-RU" sz="1600" spc="-1" strike="noStrike">
+              <a:latin typeface="Arial"/>
+            </a:endParaRPr>
+          </a:p>
+          <a:p>
+            <a:pPr>
+              <a:lnSpc>
+                <a:spcPct val="100000"/>
+              </a:lnSpc>
+            </a:pPr>
             <a:r>
               <a:rPr b="0" i="1" lang="ru-RU" sz="1600" spc="-1" strike="noStrike">
                 <a:latin typeface="Arial"/>
               </a:rPr>
               <a:t>слой «Контроллер» работает с моделью, решая поставленную задачу</a:t>
             </a:r>
-            <a:endParaRPr b="0" i="1" lang="ru-RU" sz="1600" spc="-1" strike="noStrike">
+            <a:endParaRPr b="0" lang="ru-RU" sz="1600" spc="-1" strike="noStrike">
               <a:latin typeface="Arial"/>
             </a:endParaRPr>
           </a:p>
@@ -8874,14 +7719,14 @@
       </p:grpSpPr>
       <p:sp>
         <p:nvSpPr>
-          <p:cNvPr id="225" name="Заголовок 1_16"/>
+          <p:cNvPr id="187" name="Заголовок 1_16"/>
           <p:cNvSpPr/>
           <p:nvPr/>
         </p:nvSpPr>
         <p:spPr>
           <a:xfrm>
             <a:off x="457200" y="274680"/>
-            <a:ext cx="8228880" cy="1142280"/>
+            <a:ext cx="8228520" cy="1141920"/>
           </a:xfrm>
           <a:prstGeom prst="rect">
             <a:avLst/>
@@ -8900,7 +7745,7 @@
       </p:sp>
       <p:pic>
         <p:nvPicPr>
-          <p:cNvPr id="226" name="Picture 3_10" descr=""/>
+          <p:cNvPr id="188" name="Picture 3_10" descr=""/>
           <p:cNvPicPr/>
           <p:nvPr/>
         </p:nvPicPr>
@@ -8911,7 +7756,7 @@
         <p:spPr>
           <a:xfrm>
             <a:off x="0" y="29160"/>
-            <a:ext cx="1583640" cy="1394640"/>
+            <a:ext cx="1583280" cy="1394280"/>
           </a:xfrm>
           <a:prstGeom prst="rect">
             <a:avLst/>
@@ -8923,14 +7768,14 @@
       </p:pic>
       <p:sp>
         <p:nvSpPr>
-          <p:cNvPr id="227" name="Заголовок 1_17"/>
+          <p:cNvPr id="189" name="Заголовок 1_17"/>
           <p:cNvSpPr/>
           <p:nvPr/>
         </p:nvSpPr>
         <p:spPr>
           <a:xfrm>
             <a:off x="1670760" y="297360"/>
-            <a:ext cx="5888880" cy="1142280"/>
+            <a:ext cx="5888520" cy="1141920"/>
           </a:xfrm>
           <a:prstGeom prst="rect">
             <a:avLst/>
@@ -8962,6 +7807,7 @@
                   <a:srgbClr val="000000"/>
                 </a:solidFill>
                 <a:latin typeface="Calibri"/>
+                <a:ea typeface="DejaVu Sans"/>
               </a:rPr>
               <a:t>Архитектура приложения. MVVM</a:t>
             </a:r>
@@ -8973,14 +7819,14 @@
       </p:sp>
       <p:sp>
         <p:nvSpPr>
-          <p:cNvPr id="228" name=""/>
-          <p:cNvSpPr txBox="1"/>
+          <p:cNvPr id="190" name=""/>
+          <p:cNvSpPr/>
           <p:nvPr/>
         </p:nvSpPr>
         <p:spPr>
           <a:xfrm>
             <a:off x="360000" y="1800000"/>
-            <a:ext cx="8460000" cy="1370160"/>
+            <a:ext cx="8459640" cy="1369800"/>
           </a:xfrm>
           <a:prstGeom prst="rect">
             <a:avLst/>
@@ -8990,11 +7836,22 @@
             <a:noFill/>
           </a:ln>
         </p:spPr>
+        <p:style>
+          <a:lnRef idx="0"/>
+          <a:fillRef idx="0"/>
+          <a:effectRef idx="0"/>
+          <a:fontRef idx="minor"/>
+        </p:style>
         <p:txBody>
           <a:bodyPr lIns="90000" rIns="90000" tIns="45000" bIns="45000">
             <a:noAutofit/>
           </a:bodyPr>
           <a:p>
+            <a:pPr>
+              <a:lnSpc>
+                <a:spcPct val="100000"/>
+              </a:lnSpc>
+            </a:pPr>
             <a:r>
               <a:rPr b="0" lang="ru-RU" sz="1800" spc="-1" strike="noStrike">
                 <a:latin typeface="Arial"/>
@@ -9006,6 +7863,11 @@
             </a:endParaRPr>
           </a:p>
           <a:p>
+            <a:pPr>
+              <a:lnSpc>
+                <a:spcPct val="100000"/>
+              </a:lnSpc>
+            </a:pPr>
             <a:r>
               <a:rPr b="0" lang="ru-RU" sz="1800" spc="-1" strike="noStrike">
                 <a:latin typeface="Arial"/>
@@ -9026,7 +7888,7 @@
       </p:sp>
       <p:pic>
         <p:nvPicPr>
-          <p:cNvPr id="229" name="" descr=""/>
+          <p:cNvPr id="191" name="" descr=""/>
           <p:cNvPicPr/>
           <p:nvPr/>
         </p:nvPicPr>
@@ -9037,7 +7899,7 @@
         <p:spPr>
           <a:xfrm>
             <a:off x="180000" y="3038040"/>
-            <a:ext cx="6342480" cy="2361960"/>
+            <a:ext cx="6342120" cy="2361600"/>
           </a:xfrm>
           <a:prstGeom prst="rect">
             <a:avLst/>
@@ -9049,14 +7911,14 @@
       </p:pic>
       <p:sp>
         <p:nvSpPr>
-          <p:cNvPr id="230" name=""/>
-          <p:cNvSpPr txBox="1"/>
+          <p:cNvPr id="192" name=""/>
+          <p:cNvSpPr/>
           <p:nvPr/>
         </p:nvSpPr>
         <p:spPr>
           <a:xfrm>
             <a:off x="6660000" y="3240000"/>
-            <a:ext cx="2340000" cy="2520000"/>
+            <a:ext cx="2339640" cy="2519640"/>
           </a:xfrm>
           <a:prstGeom prst="rect">
             <a:avLst/>
@@ -9066,18 +7928,29 @@
             <a:noFill/>
           </a:ln>
         </p:spPr>
+        <p:style>
+          <a:lnRef idx="0"/>
+          <a:fillRef idx="0"/>
+          <a:effectRef idx="0"/>
+          <a:fontRef idx="minor"/>
+        </p:style>
         <p:txBody>
           <a:bodyPr lIns="90000" rIns="90000" tIns="45000" bIns="45000">
             <a:noAutofit/>
           </a:bodyPr>
           <a:p>
+            <a:pPr>
+              <a:lnSpc>
+                <a:spcPct val="100000"/>
+              </a:lnSpc>
+            </a:pPr>
             <a:r>
               <a:rPr b="0" i="1" lang="ru-RU" sz="1600" spc="-1" strike="noStrike">
                 <a:latin typeface="Arial"/>
               </a:rPr>
               <a:t>Здесь слой представления работает с удобной для него абстракцией, а не с абстракцией предметной области</a:t>
             </a:r>
-            <a:endParaRPr b="0" i="1" lang="ru-RU" sz="1600" spc="-1" strike="noStrike">
+            <a:endParaRPr b="0" lang="ru-RU" sz="1600" spc="-1" strike="noStrike">
               <a:latin typeface="Arial"/>
             </a:endParaRPr>
           </a:p>
@@ -9115,14 +7988,14 @@
       </p:grpSpPr>
       <p:sp>
         <p:nvSpPr>
-          <p:cNvPr id="231" name="Заголовок 1_36"/>
+          <p:cNvPr id="193" name="Заголовок 1_36"/>
           <p:cNvSpPr/>
           <p:nvPr/>
         </p:nvSpPr>
         <p:spPr>
           <a:xfrm>
             <a:off x="457200" y="274680"/>
-            <a:ext cx="8228880" cy="1142280"/>
+            <a:ext cx="8228520" cy="1141920"/>
           </a:xfrm>
           <a:prstGeom prst="rect">
             <a:avLst/>
@@ -9141,7 +8014,7 @@
       </p:sp>
       <p:pic>
         <p:nvPicPr>
-          <p:cNvPr id="232" name="Picture 3_20" descr=""/>
+          <p:cNvPr id="194" name="Picture 3_20" descr=""/>
           <p:cNvPicPr/>
           <p:nvPr/>
         </p:nvPicPr>
@@ -9152,7 +8025,7 @@
         <p:spPr>
           <a:xfrm>
             <a:off x="0" y="29160"/>
-            <a:ext cx="1583640" cy="1394640"/>
+            <a:ext cx="1583280" cy="1394280"/>
           </a:xfrm>
           <a:prstGeom prst="rect">
             <a:avLst/>
@@ -9164,14 +8037,14 @@
       </p:pic>
       <p:sp>
         <p:nvSpPr>
-          <p:cNvPr id="233" name="Заголовок 1_37"/>
+          <p:cNvPr id="195" name="Заголовок 1_37"/>
           <p:cNvSpPr/>
           <p:nvPr/>
         </p:nvSpPr>
         <p:spPr>
           <a:xfrm>
             <a:off x="1670760" y="297360"/>
-            <a:ext cx="5888880" cy="1142280"/>
+            <a:ext cx="5888520" cy="1141920"/>
           </a:xfrm>
           <a:prstGeom prst="rect">
             <a:avLst/>
@@ -9203,6 +8076,7 @@
                   <a:srgbClr val="000000"/>
                 </a:solidFill>
                 <a:latin typeface="Calibri"/>
+                <a:ea typeface="DejaVu Sans"/>
               </a:rPr>
               <a:t>Выбор задачи</a:t>
             </a:r>
@@ -9214,14 +8088,14 @@
       </p:sp>
       <p:sp>
         <p:nvSpPr>
-          <p:cNvPr id="234" name=""/>
-          <p:cNvSpPr txBox="1"/>
+          <p:cNvPr id="196" name=""/>
+          <p:cNvSpPr/>
           <p:nvPr/>
         </p:nvSpPr>
         <p:spPr>
           <a:xfrm>
             <a:off x="360000" y="1620000"/>
-            <a:ext cx="4860000" cy="602280"/>
+            <a:ext cx="4859640" cy="601920"/>
           </a:xfrm>
           <a:prstGeom prst="rect">
             <a:avLst/>
@@ -9231,11 +8105,22 @@
             <a:noFill/>
           </a:ln>
         </p:spPr>
+        <p:style>
+          <a:lnRef idx="0"/>
+          <a:fillRef idx="0"/>
+          <a:effectRef idx="0"/>
+          <a:fontRef idx="minor"/>
+        </p:style>
         <p:txBody>
           <a:bodyPr lIns="90000" rIns="90000" tIns="45000" bIns="45000">
             <a:noAutofit/>
           </a:bodyPr>
           <a:p>
+            <a:pPr>
+              <a:lnSpc>
+                <a:spcPct val="100000"/>
+              </a:lnSpc>
+            </a:pPr>
             <a:r>
               <a:rPr b="0" lang="ru-RU" sz="1800" spc="-1" strike="noStrike">
                 <a:latin typeface="Arial"/>
@@ -9250,14 +8135,14 @@
       </p:sp>
       <p:sp>
         <p:nvSpPr>
-          <p:cNvPr id="235" name=""/>
-          <p:cNvSpPr txBox="1"/>
+          <p:cNvPr id="197" name=""/>
+          <p:cNvSpPr/>
           <p:nvPr/>
         </p:nvSpPr>
         <p:spPr>
           <a:xfrm>
             <a:off x="540000" y="2314080"/>
-            <a:ext cx="7020000" cy="1370160"/>
+            <a:ext cx="7019640" cy="1369800"/>
           </a:xfrm>
           <a:prstGeom prst="rect">
             <a:avLst/>
@@ -9267,11 +8152,22 @@
             <a:noFill/>
           </a:ln>
         </p:spPr>
+        <p:style>
+          <a:lnRef idx="0"/>
+          <a:fillRef idx="0"/>
+          <a:effectRef idx="0"/>
+          <a:fontRef idx="minor"/>
+        </p:style>
         <p:txBody>
           <a:bodyPr lIns="90000" rIns="90000" tIns="45000" bIns="45000">
             <a:noAutofit/>
           </a:bodyPr>
           <a:p>
+            <a:pPr>
+              <a:lnSpc>
+                <a:spcPct val="100000"/>
+              </a:lnSpc>
+            </a:pPr>
             <a:r>
               <a:rPr b="0" lang="ru-RU" sz="1800" spc="-1" strike="noStrike">
                 <a:latin typeface="Arial"/>
@@ -9286,14 +8182,14 @@
       </p:sp>
       <p:sp>
         <p:nvSpPr>
-          <p:cNvPr id="236" name=""/>
-          <p:cNvSpPr txBox="1"/>
+          <p:cNvPr id="198" name=""/>
+          <p:cNvSpPr/>
           <p:nvPr/>
         </p:nvSpPr>
         <p:spPr>
           <a:xfrm>
             <a:off x="540000" y="4140000"/>
-            <a:ext cx="4500000" cy="900000"/>
+            <a:ext cx="4499640" cy="899640"/>
           </a:xfrm>
           <a:prstGeom prst="rect">
             <a:avLst/>
@@ -9303,11 +8199,22 @@
             <a:noFill/>
           </a:ln>
         </p:spPr>
+        <p:style>
+          <a:lnRef idx="0"/>
+          <a:fillRef idx="0"/>
+          <a:effectRef idx="0"/>
+          <a:fontRef idx="minor"/>
+        </p:style>
         <p:txBody>
           <a:bodyPr lIns="90000" rIns="90000" tIns="45000" bIns="45000">
             <a:noAutofit/>
           </a:bodyPr>
           <a:p>
+            <a:pPr>
+              <a:lnSpc>
+                <a:spcPct val="100000"/>
+              </a:lnSpc>
+            </a:pPr>
             <a:r>
               <a:rPr b="0" lang="ru-RU" sz="1800" spc="-1" strike="noStrike">
                 <a:latin typeface="Arial"/>
@@ -9322,7 +8229,7 @@
       </p:sp>
       <p:pic>
         <p:nvPicPr>
-          <p:cNvPr id="237" name="" descr=""/>
+          <p:cNvPr id="199" name="" descr=""/>
           <p:cNvPicPr/>
           <p:nvPr/>
         </p:nvPicPr>
@@ -9333,7 +8240,7 @@
         <p:spPr>
           <a:xfrm>
             <a:off x="4140000" y="4534200"/>
-            <a:ext cx="4647960" cy="1585800"/>
+            <a:ext cx="4647600" cy="1585440"/>
           </a:xfrm>
           <a:prstGeom prst="rect">
             <a:avLst/>
@@ -9375,14 +8282,14 @@
       </p:grpSpPr>
       <p:sp>
         <p:nvSpPr>
-          <p:cNvPr id="238" name="Заголовок 1_38"/>
+          <p:cNvPr id="200" name="Заголовок 1_38"/>
           <p:cNvSpPr/>
           <p:nvPr/>
         </p:nvSpPr>
         <p:spPr>
           <a:xfrm>
             <a:off x="720000" y="297720"/>
-            <a:ext cx="8228880" cy="1142280"/>
+            <a:ext cx="8228520" cy="1141920"/>
           </a:xfrm>
           <a:prstGeom prst="rect">
             <a:avLst/>
@@ -9401,7 +8308,7 @@
       </p:sp>
       <p:pic>
         <p:nvPicPr>
-          <p:cNvPr id="239" name="Picture 3_21" descr=""/>
+          <p:cNvPr id="201" name="Picture 3_21" descr=""/>
           <p:cNvPicPr/>
           <p:nvPr/>
         </p:nvPicPr>
@@ -9412,7 +8319,7 @@
         <p:spPr>
           <a:xfrm>
             <a:off x="0" y="29160"/>
-            <a:ext cx="1583640" cy="1394640"/>
+            <a:ext cx="1583280" cy="1394280"/>
           </a:xfrm>
           <a:prstGeom prst="rect">
             <a:avLst/>
@@ -9424,14 +8331,14 @@
       </p:pic>
       <p:sp>
         <p:nvSpPr>
-          <p:cNvPr id="240" name="Заголовок 1_39"/>
+          <p:cNvPr id="202" name="Заголовок 1_39"/>
           <p:cNvSpPr/>
           <p:nvPr/>
         </p:nvSpPr>
         <p:spPr>
           <a:xfrm>
             <a:off x="1671120" y="540000"/>
-            <a:ext cx="5888880" cy="782640"/>
+            <a:ext cx="5888520" cy="782280"/>
           </a:xfrm>
           <a:prstGeom prst="rect">
             <a:avLst/>
@@ -9463,6 +8370,7 @@
                   <a:srgbClr val="000000"/>
                 </a:solidFill>
                 <a:latin typeface="Calibri"/>
+                <a:ea typeface="DejaVu Sans"/>
               </a:rPr>
               <a:t>Реализация. </a:t>
             </a:r>
@@ -9474,14 +8382,14 @@
       </p:sp>
       <p:sp>
         <p:nvSpPr>
-          <p:cNvPr id="241" name=""/>
-          <p:cNvSpPr txBox="1"/>
+          <p:cNvPr id="203" name=""/>
+          <p:cNvSpPr/>
           <p:nvPr/>
         </p:nvSpPr>
         <p:spPr>
           <a:xfrm>
             <a:off x="540000" y="1661760"/>
-            <a:ext cx="3600000" cy="858240"/>
+            <a:ext cx="3599640" cy="857880"/>
           </a:xfrm>
           <a:prstGeom prst="rect">
             <a:avLst/>
@@ -9491,11 +8399,22 @@
             <a:noFill/>
           </a:ln>
         </p:spPr>
+        <p:style>
+          <a:lnRef idx="0"/>
+          <a:fillRef idx="0"/>
+          <a:effectRef idx="0"/>
+          <a:fontRef idx="minor"/>
+        </p:style>
         <p:txBody>
           <a:bodyPr lIns="90000" rIns="90000" tIns="45000" bIns="45000">
             <a:noAutofit/>
           </a:bodyPr>
           <a:p>
+            <a:pPr>
+              <a:lnSpc>
+                <a:spcPct val="100000"/>
+              </a:lnSpc>
+            </a:pPr>
             <a:r>
               <a:rPr b="0" lang="ru-RU" sz="1800" spc="-1" strike="noStrike">
                 <a:latin typeface="Arial"/>
@@ -9510,14 +8429,14 @@
       </p:sp>
       <p:sp>
         <p:nvSpPr>
-          <p:cNvPr id="242" name=""/>
-          <p:cNvSpPr txBox="1"/>
+          <p:cNvPr id="204" name=""/>
+          <p:cNvSpPr/>
           <p:nvPr/>
         </p:nvSpPr>
         <p:spPr>
           <a:xfrm>
             <a:off x="540000" y="2817720"/>
-            <a:ext cx="3960000" cy="602280"/>
+            <a:ext cx="3959640" cy="601920"/>
           </a:xfrm>
           <a:prstGeom prst="rect">
             <a:avLst/>
@@ -9527,11 +8446,22 @@
             <a:noFill/>
           </a:ln>
         </p:spPr>
+        <p:style>
+          <a:lnRef idx="0"/>
+          <a:fillRef idx="0"/>
+          <a:effectRef idx="0"/>
+          <a:fontRef idx="minor"/>
+        </p:style>
         <p:txBody>
           <a:bodyPr lIns="90000" rIns="90000" tIns="45000" bIns="45000">
             <a:noAutofit/>
           </a:bodyPr>
           <a:p>
+            <a:pPr>
+              <a:lnSpc>
+                <a:spcPct val="100000"/>
+              </a:lnSpc>
+            </a:pPr>
             <a:r>
               <a:rPr b="0" lang="ru-RU" sz="1800" spc="-1" strike="noStrike">
                 <a:latin typeface="Arial"/>
@@ -9543,6 +8473,11 @@
             </a:endParaRPr>
           </a:p>
           <a:p>
+            <a:pPr>
+              <a:lnSpc>
+                <a:spcPct val="100000"/>
+              </a:lnSpc>
+            </a:pPr>
             <a:endParaRPr b="0" lang="ru-RU" sz="1800" spc="-1" strike="noStrike">
               <a:latin typeface="Arial"/>
             </a:endParaRPr>
@@ -9551,7 +8486,7 @@
       </p:sp>
       <p:pic>
         <p:nvPicPr>
-          <p:cNvPr id="243" name="" descr=""/>
+          <p:cNvPr id="205" name="" descr=""/>
           <p:cNvPicPr/>
           <p:nvPr/>
         </p:nvPicPr>
@@ -9562,7 +8497,7 @@
         <p:spPr>
           <a:xfrm>
             <a:off x="720000" y="3460320"/>
-            <a:ext cx="3666600" cy="1399680"/>
+            <a:ext cx="3666240" cy="1399320"/>
           </a:xfrm>
           <a:prstGeom prst="rect">
             <a:avLst/>
@@ -9604,14 +8539,14 @@
       </p:grpSpPr>
       <p:sp>
         <p:nvSpPr>
-          <p:cNvPr id="244" name="Заголовок 1_46"/>
+          <p:cNvPr id="206" name="Заголовок 1_46"/>
           <p:cNvSpPr/>
           <p:nvPr/>
         </p:nvSpPr>
         <p:spPr>
           <a:xfrm>
             <a:off x="720000" y="297720"/>
-            <a:ext cx="8228880" cy="1142280"/>
+            <a:ext cx="8228520" cy="1141920"/>
           </a:xfrm>
           <a:prstGeom prst="rect">
             <a:avLst/>
@@ -9630,7 +8565,7 @@
       </p:sp>
       <p:pic>
         <p:nvPicPr>
-          <p:cNvPr id="245" name="Picture 3_25" descr=""/>
+          <p:cNvPr id="207" name="Picture 3_25" descr=""/>
           <p:cNvPicPr/>
           <p:nvPr/>
         </p:nvPicPr>
@@ -9641,7 +8576,7 @@
         <p:spPr>
           <a:xfrm>
             <a:off x="0" y="29160"/>
-            <a:ext cx="1583640" cy="1394640"/>
+            <a:ext cx="1583280" cy="1394280"/>
           </a:xfrm>
           <a:prstGeom prst="rect">
             <a:avLst/>
@@ -9653,14 +8588,14 @@
       </p:pic>
       <p:sp>
         <p:nvSpPr>
-          <p:cNvPr id="246" name="Заголовок 1_47"/>
+          <p:cNvPr id="208" name="Заголовок 1_47"/>
           <p:cNvSpPr/>
           <p:nvPr/>
         </p:nvSpPr>
         <p:spPr>
           <a:xfrm>
             <a:off x="1671120" y="540000"/>
-            <a:ext cx="5888880" cy="782640"/>
+            <a:ext cx="5888520" cy="782280"/>
           </a:xfrm>
           <a:prstGeom prst="rect">
             <a:avLst/>
@@ -9692,6 +8627,7 @@
                   <a:srgbClr val="000000"/>
                 </a:solidFill>
                 <a:latin typeface="Calibri"/>
+                <a:ea typeface="DejaVu Sans"/>
               </a:rPr>
               <a:t>Реализация. </a:t>
             </a:r>
@@ -9703,14 +8639,14 @@
       </p:sp>
       <p:sp>
         <p:nvSpPr>
-          <p:cNvPr id="247" name=""/>
-          <p:cNvSpPr txBox="1"/>
+          <p:cNvPr id="209" name=""/>
+          <p:cNvSpPr/>
           <p:nvPr/>
         </p:nvSpPr>
         <p:spPr>
           <a:xfrm>
             <a:off x="900000" y="1620000"/>
-            <a:ext cx="1620000" cy="346320"/>
+            <a:ext cx="1619640" cy="345960"/>
           </a:xfrm>
           <a:prstGeom prst="rect">
             <a:avLst/>
@@ -9720,11 +8656,22 @@
             <a:noFill/>
           </a:ln>
         </p:spPr>
+        <p:style>
+          <a:lnRef idx="0"/>
+          <a:fillRef idx="0"/>
+          <a:effectRef idx="0"/>
+          <a:fontRef idx="minor"/>
+        </p:style>
         <p:txBody>
           <a:bodyPr lIns="90000" rIns="90000" tIns="45000" bIns="45000">
             <a:noAutofit/>
           </a:bodyPr>
           <a:p>
+            <a:pPr>
+              <a:lnSpc>
+                <a:spcPct val="100000"/>
+              </a:lnSpc>
+            </a:pPr>
             <a:r>
               <a:rPr b="0" lang="ru-RU" sz="1800" spc="-1" strike="noStrike">
                 <a:latin typeface="Arial"/>
@@ -9739,7 +8686,7 @@
       </p:sp>
       <p:pic>
         <p:nvPicPr>
-          <p:cNvPr id="248" name="" descr=""/>
+          <p:cNvPr id="210" name="" descr=""/>
           <p:cNvPicPr/>
           <p:nvPr/>
         </p:nvPicPr>
@@ -9750,7 +8697,7 @@
         <p:spPr>
           <a:xfrm>
             <a:off x="900000" y="2160000"/>
-            <a:ext cx="3295440" cy="971280"/>
+            <a:ext cx="3295080" cy="970920"/>
           </a:xfrm>
           <a:prstGeom prst="rect">
             <a:avLst/>
@@ -9762,14 +8709,14 @@
       </p:pic>
       <p:sp>
         <p:nvSpPr>
-          <p:cNvPr id="249" name=""/>
-          <p:cNvSpPr txBox="1"/>
+          <p:cNvPr id="211" name=""/>
+          <p:cNvSpPr/>
           <p:nvPr/>
         </p:nvSpPr>
         <p:spPr>
           <a:xfrm>
             <a:off x="4860000" y="1353960"/>
-            <a:ext cx="3960000" cy="2394000"/>
+            <a:ext cx="3959640" cy="2393640"/>
           </a:xfrm>
           <a:prstGeom prst="rect">
             <a:avLst/>
@@ -9779,6 +8726,12 @@
             <a:noFill/>
           </a:ln>
         </p:spPr>
+        <p:style>
+          <a:lnRef idx="0"/>
+          <a:fillRef idx="0"/>
+          <a:effectRef idx="0"/>
+          <a:fontRef idx="minor"/>
+        </p:style>
         <p:txBody>
           <a:bodyPr lIns="90000" rIns="90000" tIns="45000" bIns="45000">
             <a:noAutofit/>
@@ -9803,7 +8756,6 @@
             </a:r>
             <a:endParaRPr b="0" lang="ru-RU" sz="1600" spc="-1" strike="noStrike">
               <a:latin typeface="Arial"/>
-              <a:ea typeface="Noto Sans CJK SC"/>
             </a:endParaRPr>
           </a:p>
           <a:p>
@@ -9826,7 +8778,6 @@
             </a:r>
             <a:endParaRPr b="0" lang="ru-RU" sz="1600" spc="-1" strike="noStrike">
               <a:latin typeface="Arial"/>
-              <a:ea typeface="Noto Sans CJK SC"/>
             </a:endParaRPr>
           </a:p>
           <a:p>
@@ -9849,21 +8800,20 @@
             </a:r>
             <a:endParaRPr b="0" lang="ru-RU" sz="1600" spc="-1" strike="noStrike">
               <a:latin typeface="Arial"/>
-              <a:ea typeface="Noto Sans CJK SC"/>
-            </a:endParaRPr>
-          </a:p>
-        </p:txBody>
-      </p:sp>
-      <p:sp>
-        <p:nvSpPr>
-          <p:cNvPr id="250" name=""/>
-          <p:cNvSpPr txBox="1"/>
+            </a:endParaRPr>
+          </a:p>
+        </p:txBody>
+      </p:sp>
+      <p:sp>
+        <p:nvSpPr>
+          <p:cNvPr id="212" name=""/>
+          <p:cNvSpPr/>
           <p:nvPr/>
         </p:nvSpPr>
         <p:spPr>
           <a:xfrm>
             <a:off x="720000" y="3960000"/>
-            <a:ext cx="2700000" cy="602280"/>
+            <a:ext cx="2699640" cy="601920"/>
           </a:xfrm>
           <a:prstGeom prst="rect">
             <a:avLst/>
@@ -9873,11 +8823,22 @@
             <a:noFill/>
           </a:ln>
         </p:spPr>
+        <p:style>
+          <a:lnRef idx="0"/>
+          <a:fillRef idx="0"/>
+          <a:effectRef idx="0"/>
+          <a:fontRef idx="minor"/>
+        </p:style>
         <p:txBody>
           <a:bodyPr lIns="90000" rIns="90000" tIns="45000" bIns="45000">
             <a:noAutofit/>
           </a:bodyPr>
           <a:p>
+            <a:pPr>
+              <a:lnSpc>
+                <a:spcPct val="100000"/>
+              </a:lnSpc>
+            </a:pPr>
             <a:r>
               <a:rPr b="0" lang="ru-RU" sz="1800" spc="-1" strike="noStrike">
                 <a:latin typeface="Arial"/>
@@ -9892,7 +8853,7 @@
       </p:sp>
       <p:pic>
         <p:nvPicPr>
-          <p:cNvPr id="251" name="" descr=""/>
+          <p:cNvPr id="213" name="" descr=""/>
           <p:cNvPicPr/>
           <p:nvPr/>
         </p:nvPicPr>
@@ -9903,7 +8864,7 @@
         <p:spPr>
           <a:xfrm>
             <a:off x="720000" y="4680000"/>
-            <a:ext cx="2885760" cy="952200"/>
+            <a:ext cx="2885400" cy="951840"/>
           </a:xfrm>
           <a:prstGeom prst="rect">
             <a:avLst/>
@@ -9915,14 +8876,14 @@
       </p:pic>
       <p:sp>
         <p:nvSpPr>
-          <p:cNvPr id="252" name=""/>
-          <p:cNvSpPr txBox="1"/>
+          <p:cNvPr id="214" name=""/>
+          <p:cNvSpPr/>
           <p:nvPr/>
         </p:nvSpPr>
         <p:spPr>
           <a:xfrm>
             <a:off x="3960000" y="4500000"/>
-            <a:ext cx="5184000" cy="1218960"/>
+            <a:ext cx="5183640" cy="1218600"/>
           </a:xfrm>
           <a:prstGeom prst="rect">
             <a:avLst/>
@@ -9932,11 +8893,22 @@
             <a:noFill/>
           </a:ln>
         </p:spPr>
+        <p:style>
+          <a:lnRef idx="0"/>
+          <a:fillRef idx="0"/>
+          <a:effectRef idx="0"/>
+          <a:fontRef idx="minor"/>
+        </p:style>
         <p:txBody>
           <a:bodyPr lIns="90000" rIns="90000" tIns="45000" bIns="45000">
             <a:noAutofit/>
           </a:bodyPr>
           <a:p>
+            <a:pPr>
+              <a:lnSpc>
+                <a:spcPct val="100000"/>
+              </a:lnSpc>
+            </a:pPr>
             <a:r>
               <a:rPr b="0" lang="ru-RU" sz="1600" spc="-1" strike="noStrike">
                 <a:latin typeface="Arial"/>
@@ -9948,6 +8920,11 @@
             </a:endParaRPr>
           </a:p>
           <a:p>
+            <a:pPr>
+              <a:lnSpc>
+                <a:spcPct val="100000"/>
+              </a:lnSpc>
+            </a:pPr>
             <a:r>
               <a:rPr b="0" lang="ru-RU" sz="1600" spc="-1" strike="noStrike">
                 <a:latin typeface="Arial"/>
@@ -9959,6 +8936,11 @@
             </a:endParaRPr>
           </a:p>
           <a:p>
+            <a:pPr>
+              <a:lnSpc>
+                <a:spcPct val="100000"/>
+              </a:lnSpc>
+            </a:pPr>
             <a:r>
               <a:rPr b="0" lang="ru-RU" sz="1600" spc="-1" strike="noStrike">
                 <a:latin typeface="Arial"/>
@@ -10003,14 +8985,14 @@
       </p:grpSpPr>
       <p:sp>
         <p:nvSpPr>
-          <p:cNvPr id="253" name="Заголовок 1_48"/>
+          <p:cNvPr id="215" name="Заголовок 1_49"/>
           <p:cNvSpPr/>
           <p:nvPr/>
         </p:nvSpPr>
         <p:spPr>
           <a:xfrm>
-            <a:off x="457200" y="274680"/>
-            <a:ext cx="8228880" cy="1142280"/>
+            <a:off x="720000" y="297720"/>
+            <a:ext cx="8228520" cy="1141920"/>
           </a:xfrm>
           <a:prstGeom prst="rect">
             <a:avLst/>
@@ -10026,34 +9008,10 @@
           <a:effectRef idx="0"/>
           <a:fontRef idx="minor"/>
         </p:style>
-        <p:txBody>
-          <a:bodyPr lIns="90000" rIns="90000" tIns="45000" bIns="45000" anchor="ctr">
-            <a:normAutofit/>
-          </a:bodyPr>
-          <a:p>
-            <a:pPr algn="ctr">
-              <a:lnSpc>
-                <a:spcPct val="100000"/>
-              </a:lnSpc>
-            </a:pPr>
-            <a:r>
-              <a:rPr b="0" lang="ru-RU" sz="4400" spc="-1" strike="noStrike">
-                <a:solidFill>
-                  <a:srgbClr val="000000"/>
-                </a:solidFill>
-                <a:latin typeface="Calibri"/>
-              </a:rPr>
-              <a:t>Итог</a:t>
-            </a:r>
-            <a:endParaRPr b="0" lang="ru-RU" sz="4400" spc="-1" strike="noStrike">
-              <a:latin typeface="Arial"/>
-            </a:endParaRPr>
-          </a:p>
-        </p:txBody>
       </p:sp>
       <p:pic>
         <p:nvPicPr>
-          <p:cNvPr id="254" name="Picture 3_26" descr=""/>
+          <p:cNvPr id="216" name="Picture 3_27" descr=""/>
           <p:cNvPicPr/>
           <p:nvPr/>
         </p:nvPicPr>
@@ -10064,7 +9022,7 @@
         <p:spPr>
           <a:xfrm>
             <a:off x="0" y="29160"/>
-            <a:ext cx="1583640" cy="1394640"/>
+            <a:ext cx="1583280" cy="1394280"/>
           </a:xfrm>
           <a:prstGeom prst="rect">
             <a:avLst/>
@@ -10076,14 +9034,14 @@
       </p:pic>
       <p:sp>
         <p:nvSpPr>
-          <p:cNvPr id="255" name=""/>
+          <p:cNvPr id="217" name="Заголовок 1_50"/>
           <p:cNvSpPr/>
           <p:nvPr/>
         </p:nvSpPr>
         <p:spPr>
           <a:xfrm>
-            <a:off x="457200" y="1600200"/>
-            <a:ext cx="8228880" cy="4525200"/>
+            <a:off x="1671120" y="540000"/>
+            <a:ext cx="5888520" cy="782280"/>
           </a:xfrm>
           <a:prstGeom prst="rect">
             <a:avLst/>
@@ -10100,90 +9058,26 @@
           <a:fontRef idx="minor"/>
         </p:style>
         <p:txBody>
-          <a:bodyPr lIns="0" rIns="0" tIns="0" bIns="0" anchor="ctr">
-            <a:noAutofit/>
-          </a:bodyPr>
-          <a:p>
-            <a:pPr marL="216000" indent="-215640">
-              <a:lnSpc>
-                <a:spcPct val="100000"/>
-              </a:lnSpc>
-              <a:spcBef>
-                <a:spcPts val="567"/>
-              </a:spcBef>
-              <a:spcAft>
-                <a:spcPts val="567"/>
-              </a:spcAft>
-              <a:buClr>
-                <a:srgbClr val="000000"/>
-              </a:buClr>
-              <a:buSzPct val="45000"/>
-              <a:buFont typeface="Wingdings" charset="2"/>
-              <a:buChar char=""/>
-            </a:pPr>
-            <a:r>
-              <a:rPr b="0" lang="ru-RU" sz="3200" spc="-1" strike="noStrike">
-                <a:latin typeface="Arial"/>
-              </a:rPr>
-              <a:t>Исследованы основные способы написания программ</a:t>
-            </a:r>
-            <a:endParaRPr b="0" lang="ru-RU" sz="3200" spc="-1" strike="noStrike">
-              <a:latin typeface="Arial"/>
-            </a:endParaRPr>
-          </a:p>
-          <a:p>
-            <a:pPr marL="216000" indent="-215640">
-              <a:lnSpc>
-                <a:spcPct val="100000"/>
-              </a:lnSpc>
-              <a:spcBef>
-                <a:spcPts val="567"/>
-              </a:spcBef>
-              <a:spcAft>
-                <a:spcPts val="567"/>
-              </a:spcAft>
-              <a:buClr>
-                <a:srgbClr val="000000"/>
-              </a:buClr>
-              <a:buSzPct val="45000"/>
-              <a:buFont typeface="Wingdings" charset="2"/>
-              <a:buChar char=""/>
-            </a:pPr>
-            <a:r>
-              <a:rPr b="0" lang="ru-RU" sz="3200" spc="-1" strike="noStrike">
-                <a:latin typeface="Arial"/>
-              </a:rPr>
-              <a:t>Отработка навыков проектирования</a:t>
-            </a:r>
-            <a:endParaRPr b="0" lang="ru-RU" sz="3200" spc="-1" strike="noStrike">
-              <a:latin typeface="Arial"/>
-            </a:endParaRPr>
-          </a:p>
-          <a:p>
-            <a:pPr marL="216000" indent="-215640">
-              <a:lnSpc>
-                <a:spcPct val="100000"/>
-              </a:lnSpc>
-              <a:spcBef>
-                <a:spcPts val="567"/>
-              </a:spcBef>
-              <a:spcAft>
-                <a:spcPts val="567"/>
-              </a:spcAft>
-              <a:buClr>
-                <a:srgbClr val="000000"/>
-              </a:buClr>
-              <a:buSzPct val="45000"/>
-              <a:buFont typeface="Wingdings" charset="2"/>
-              <a:buChar char=""/>
-            </a:pPr>
-            <a:r>
-              <a:rPr b="0" lang="ru-RU" sz="3200" spc="-1" strike="noStrike">
-                <a:latin typeface="Arial"/>
-              </a:rPr>
-              <a:t>Опыт использования JavaFX</a:t>
-            </a:r>
-            <a:endParaRPr b="0" lang="ru-RU" sz="3200" spc="-1" strike="noStrike">
+          <a:bodyPr lIns="90000" rIns="90000" tIns="45000" bIns="45000">
+            <a:normAutofit/>
+          </a:bodyPr>
+          <a:p>
+            <a:pPr>
+              <a:lnSpc>
+                <a:spcPct val="100000"/>
+              </a:lnSpc>
+            </a:pPr>
+            <a:r>
+              <a:rPr b="0" lang="ru-RU" sz="2800" spc="-1" strike="noStrike">
+                <a:solidFill>
+                  <a:srgbClr val="000000"/>
+                </a:solidFill>
+                <a:latin typeface="Calibri"/>
+                <a:ea typeface="DejaVu Sans"/>
+              </a:rPr>
+              <a:t>Приложение </a:t>
+            </a:r>
+            <a:endParaRPr b="0" lang="ru-RU" sz="2800" spc="-1" strike="noStrike">
               <a:latin typeface="Arial"/>
             </a:endParaRPr>
           </a:p>
@@ -10221,14 +9115,14 @@
       </p:grpSpPr>
       <p:sp>
         <p:nvSpPr>
-          <p:cNvPr id="125" name="Заголовок 1_0"/>
+          <p:cNvPr id="87" name="Заголовок 1_0"/>
           <p:cNvSpPr/>
           <p:nvPr/>
         </p:nvSpPr>
         <p:spPr>
           <a:xfrm>
             <a:off x="457200" y="274680"/>
-            <a:ext cx="8228880" cy="1142280"/>
+            <a:ext cx="8228520" cy="1141920"/>
           </a:xfrm>
           <a:prstGeom prst="rect">
             <a:avLst/>
@@ -10260,6 +9154,7 @@
                   <a:srgbClr val="000000"/>
                 </a:solidFill>
                 <a:latin typeface="Calibri"/>
+                <a:ea typeface="DejaVu Sans"/>
               </a:rPr>
               <a:t>Задачи</a:t>
             </a:r>
@@ -10271,7 +9166,7 @@
       </p:sp>
       <p:pic>
         <p:nvPicPr>
-          <p:cNvPr id="126" name="Picture 3_0" descr=""/>
+          <p:cNvPr id="88" name="Picture 3_0" descr=""/>
           <p:cNvPicPr/>
           <p:nvPr/>
         </p:nvPicPr>
@@ -10282,7 +9177,7 @@
         <p:spPr>
           <a:xfrm>
             <a:off x="0" y="29160"/>
-            <a:ext cx="1583640" cy="1394640"/>
+            <a:ext cx="1583280" cy="1394280"/>
           </a:xfrm>
           <a:prstGeom prst="rect">
             <a:avLst/>
@@ -10294,14 +9189,14 @@
       </p:pic>
       <p:sp>
         <p:nvSpPr>
-          <p:cNvPr id="127" name=""/>
+          <p:cNvPr id="89" name=""/>
           <p:cNvSpPr/>
           <p:nvPr/>
         </p:nvSpPr>
         <p:spPr>
           <a:xfrm>
             <a:off x="360000" y="2494440"/>
-            <a:ext cx="8228880" cy="2905200"/>
+            <a:ext cx="8228520" cy="2904840"/>
           </a:xfrm>
           <a:prstGeom prst="rect">
             <a:avLst/>
@@ -10322,7 +9217,7 @@
             <a:noAutofit/>
           </a:bodyPr>
           <a:p>
-            <a:pPr marL="216000" indent="-215640">
+            <a:pPr marL="216000" indent="-215280">
               <a:lnSpc>
                 <a:spcPct val="100000"/>
               </a:lnSpc>
@@ -10341,7 +9236,11 @@
             </a:pPr>
             <a:r>
               <a:rPr b="0" lang="ru-RU" sz="1800" spc="-1" strike="noStrike">
-                <a:latin typeface="Arial"/>
+                <a:solidFill>
+                  <a:srgbClr val="000000"/>
+                </a:solidFill>
+                <a:latin typeface="Arial"/>
+                <a:ea typeface="DejaVu Sans"/>
               </a:rPr>
               <a:t>Изучить литературу по темам:</a:t>
             </a:r>
@@ -10350,7 +9249,7 @@
             </a:endParaRPr>
           </a:p>
           <a:p>
-            <a:pPr lvl="1" marL="432000" indent="-215640">
+            <a:pPr lvl="1" marL="432000" indent="-215280">
               <a:lnSpc>
                 <a:spcPct val="100000"/>
               </a:lnSpc>
@@ -10369,7 +9268,11 @@
             </a:pPr>
             <a:r>
               <a:rPr b="0" lang="ru-RU" sz="1800" spc="-1" strike="noStrike">
-                <a:latin typeface="Arial"/>
+                <a:solidFill>
+                  <a:srgbClr val="000000"/>
+                </a:solidFill>
+                <a:latin typeface="Arial"/>
+                <a:ea typeface="DejaVu Sans"/>
               </a:rPr>
               <a:t>Построение Графических приложений</a:t>
             </a:r>
@@ -10378,7 +9281,7 @@
             </a:endParaRPr>
           </a:p>
           <a:p>
-            <a:pPr lvl="1" marL="432000" indent="-215640">
+            <a:pPr lvl="1" marL="432000" indent="-215280">
               <a:lnSpc>
                 <a:spcPct val="100000"/>
               </a:lnSpc>
@@ -10397,7 +9300,11 @@
             </a:pPr>
             <a:r>
               <a:rPr b="0" lang="ru-RU" sz="1800" spc="-1" strike="noStrike">
-                <a:latin typeface="Arial"/>
+                <a:solidFill>
+                  <a:srgbClr val="000000"/>
+                </a:solidFill>
+                <a:latin typeface="Arial"/>
+                <a:ea typeface="DejaVu Sans"/>
               </a:rPr>
               <a:t>Инструментарий, доступный на платформе Java</a:t>
             </a:r>
@@ -10406,7 +9313,7 @@
             </a:endParaRPr>
           </a:p>
           <a:p>
-            <a:pPr lvl="1" marL="432000" indent="-215640">
+            <a:pPr lvl="1" marL="432000" indent="-215280">
               <a:lnSpc>
                 <a:spcPct val="100000"/>
               </a:lnSpc>
@@ -10425,7 +9332,11 @@
             </a:pPr>
             <a:r>
               <a:rPr b="0" lang="ru-RU" sz="1800" spc="-1" strike="noStrike">
-                <a:latin typeface="Arial"/>
+                <a:solidFill>
+                  <a:srgbClr val="000000"/>
+                </a:solidFill>
+                <a:latin typeface="Arial"/>
+                <a:ea typeface="DejaVu Sans"/>
               </a:rPr>
               <a:t>Клеточные автоматы</a:t>
             </a:r>
@@ -10434,7 +9345,7 @@
             </a:endParaRPr>
           </a:p>
           <a:p>
-            <a:pPr marL="216000" indent="-215640">
+            <a:pPr marL="216000" indent="-215280">
               <a:lnSpc>
                 <a:spcPct val="100000"/>
               </a:lnSpc>
@@ -10453,7 +9364,11 @@
             </a:pPr>
             <a:r>
               <a:rPr b="0" lang="ru-RU" sz="1800" spc="-1" strike="noStrike">
-                <a:latin typeface="Arial"/>
+                <a:solidFill>
+                  <a:srgbClr val="000000"/>
+                </a:solidFill>
+                <a:latin typeface="Arial"/>
+                <a:ea typeface="DejaVu Sans"/>
               </a:rPr>
               <a:t>Отбор технологий</a:t>
             </a:r>
@@ -10462,7 +9377,7 @@
             </a:endParaRPr>
           </a:p>
           <a:p>
-            <a:pPr marL="216000" indent="-215640">
+            <a:pPr marL="216000" indent="-215280">
               <a:lnSpc>
                 <a:spcPct val="100000"/>
               </a:lnSpc>
@@ -10481,11 +9396,246 @@
             </a:pPr>
             <a:r>
               <a:rPr b="0" lang="ru-RU" sz="1800" spc="-1" strike="noStrike">
-                <a:latin typeface="Arial"/>
+                <a:solidFill>
+                  <a:srgbClr val="000000"/>
+                </a:solidFill>
+                <a:latin typeface="Arial"/>
+                <a:ea typeface="DejaVu Sans"/>
               </a:rPr>
               <a:t>Написать итоговое приложение</a:t>
             </a:r>
             <a:endParaRPr b="0" lang="ru-RU" sz="1800" spc="-1" strike="noStrike">
+              <a:latin typeface="Arial"/>
+            </a:endParaRPr>
+          </a:p>
+        </p:txBody>
+      </p:sp>
+    </p:spTree>
+  </p:cSld>
+  <mc:AlternateContent>
+    <mc:Choice Requires="p14">
+      <p:transition spd="slow" p14:dur="2000"/>
+    </mc:Choice>
+    <mc:Fallback>
+      <p:transition spd="slow"/>
+    </mc:Fallback>
+  </mc:AlternateContent>
+</p:sld>
+</file>
+
+<file path=ppt/slides/slide30.xml><?xml version="1.0" encoding="utf-8"?>
+<p:sld xmlns:a="http://schemas.openxmlformats.org/drawingml/2006/main" xmlns:p="http://schemas.openxmlformats.org/presentationml/2006/main" xmlns:r="http://schemas.openxmlformats.org/officeDocument/2006/relationships" xmlns:p14="http://schemas.microsoft.com/office/powerpoint/2010/main" xmlns:p15="http://schemas.microsoft.com/office/powerpoint/2012/main" xmlns:mc="http://schemas.openxmlformats.org/markup-compatibility/2006">
+  <p:cSld>
+    <p:spTree>
+      <p:nvGrpSpPr>
+        <p:cNvPr id="1" name=""/>
+        <p:cNvGrpSpPr/>
+        <p:nvPr/>
+      </p:nvGrpSpPr>
+      <p:grpSpPr>
+        <a:xfrm>
+          <a:off x="0" y="0"/>
+          <a:ext cx="0" cy="0"/>
+          <a:chOff x="0" y="0"/>
+          <a:chExt cx="0" cy="0"/>
+        </a:xfrm>
+      </p:grpSpPr>
+      <p:sp>
+        <p:nvSpPr>
+          <p:cNvPr id="218" name="Заголовок 1_48"/>
+          <p:cNvSpPr/>
+          <p:nvPr/>
+        </p:nvSpPr>
+        <p:spPr>
+          <a:xfrm>
+            <a:off x="457200" y="274680"/>
+            <a:ext cx="8228520" cy="1141920"/>
+          </a:xfrm>
+          <a:prstGeom prst="rect">
+            <a:avLst/>
+          </a:prstGeom>
+          <a:noFill/>
+          <a:ln w="0">
+            <a:noFill/>
+          </a:ln>
+        </p:spPr>
+        <p:style>
+          <a:lnRef idx="0"/>
+          <a:fillRef idx="0"/>
+          <a:effectRef idx="0"/>
+          <a:fontRef idx="minor"/>
+        </p:style>
+        <p:txBody>
+          <a:bodyPr lIns="90000" rIns="90000" tIns="45000" bIns="45000" anchor="ctr">
+            <a:normAutofit/>
+          </a:bodyPr>
+          <a:p>
+            <a:pPr algn="ctr">
+              <a:lnSpc>
+                <a:spcPct val="100000"/>
+              </a:lnSpc>
+            </a:pPr>
+            <a:r>
+              <a:rPr b="0" lang="ru-RU" sz="4400" spc="-1" strike="noStrike">
+                <a:solidFill>
+                  <a:srgbClr val="000000"/>
+                </a:solidFill>
+                <a:latin typeface="Calibri"/>
+                <a:ea typeface="DejaVu Sans"/>
+              </a:rPr>
+              <a:t>Итог</a:t>
+            </a:r>
+            <a:endParaRPr b="0" lang="ru-RU" sz="4400" spc="-1" strike="noStrike">
+              <a:latin typeface="Arial"/>
+            </a:endParaRPr>
+          </a:p>
+        </p:txBody>
+      </p:sp>
+      <p:pic>
+        <p:nvPicPr>
+          <p:cNvPr id="219" name="Picture 3_26" descr=""/>
+          <p:cNvPicPr/>
+          <p:nvPr/>
+        </p:nvPicPr>
+        <p:blipFill>
+          <a:blip r:embed="rId1"/>
+          <a:stretch/>
+        </p:blipFill>
+        <p:spPr>
+          <a:xfrm>
+            <a:off x="0" y="29160"/>
+            <a:ext cx="1583280" cy="1394280"/>
+          </a:xfrm>
+          <a:prstGeom prst="rect">
+            <a:avLst/>
+          </a:prstGeom>
+          <a:ln w="0">
+            <a:noFill/>
+          </a:ln>
+        </p:spPr>
+      </p:pic>
+      <p:sp>
+        <p:nvSpPr>
+          <p:cNvPr id="220" name=""/>
+          <p:cNvSpPr/>
+          <p:nvPr/>
+        </p:nvSpPr>
+        <p:spPr>
+          <a:xfrm>
+            <a:off x="457200" y="1600200"/>
+            <a:ext cx="8228520" cy="4524840"/>
+          </a:xfrm>
+          <a:prstGeom prst="rect">
+            <a:avLst/>
+          </a:prstGeom>
+          <a:noFill/>
+          <a:ln w="0">
+            <a:noFill/>
+          </a:ln>
+        </p:spPr>
+        <p:style>
+          <a:lnRef idx="0"/>
+          <a:fillRef idx="0"/>
+          <a:effectRef idx="0"/>
+          <a:fontRef idx="minor"/>
+        </p:style>
+        <p:txBody>
+          <a:bodyPr lIns="0" rIns="0" tIns="0" bIns="0" anchor="ctr">
+            <a:noAutofit/>
+          </a:bodyPr>
+          <a:p>
+            <a:pPr marL="216000" indent="-215280">
+              <a:lnSpc>
+                <a:spcPct val="100000"/>
+              </a:lnSpc>
+              <a:spcBef>
+                <a:spcPts val="567"/>
+              </a:spcBef>
+              <a:spcAft>
+                <a:spcPts val="567"/>
+              </a:spcAft>
+              <a:buClr>
+                <a:srgbClr val="000000"/>
+              </a:buClr>
+              <a:buSzPct val="45000"/>
+              <a:buFont typeface="Wingdings" charset="2"/>
+              <a:buChar char=""/>
+            </a:pPr>
+            <a:r>
+              <a:rPr b="0" lang="ru-RU" sz="3200" spc="-1" strike="noStrike">
+                <a:solidFill>
+                  <a:srgbClr val="000000"/>
+                </a:solidFill>
+                <a:latin typeface="Arial"/>
+                <a:ea typeface="DejaVu Sans"/>
+              </a:rPr>
+              <a:t>Исследованы основные способы написания программ</a:t>
+            </a:r>
+            <a:endParaRPr b="0" lang="ru-RU" sz="3200" spc="-1" strike="noStrike">
+              <a:latin typeface="Arial"/>
+            </a:endParaRPr>
+          </a:p>
+          <a:p>
+            <a:pPr marL="216000" indent="-215280">
+              <a:lnSpc>
+                <a:spcPct val="100000"/>
+              </a:lnSpc>
+              <a:spcBef>
+                <a:spcPts val="567"/>
+              </a:spcBef>
+              <a:spcAft>
+                <a:spcPts val="567"/>
+              </a:spcAft>
+              <a:buClr>
+                <a:srgbClr val="000000"/>
+              </a:buClr>
+              <a:buSzPct val="45000"/>
+              <a:buFont typeface="Wingdings" charset="2"/>
+              <a:buChar char=""/>
+            </a:pPr>
+            <a:r>
+              <a:rPr b="0" lang="ru-RU" sz="3200" spc="-1" strike="noStrike">
+                <a:solidFill>
+                  <a:srgbClr val="000000"/>
+                </a:solidFill>
+                <a:latin typeface="Arial"/>
+                <a:ea typeface="DejaVu Sans"/>
+              </a:rPr>
+              <a:t>Отработка навыков проектирования</a:t>
+            </a:r>
+            <a:endParaRPr b="0" lang="ru-RU" sz="3200" spc="-1" strike="noStrike">
+              <a:latin typeface="Arial"/>
+            </a:endParaRPr>
+          </a:p>
+          <a:p>
+            <a:pPr marL="216000" indent="-215280">
+              <a:lnSpc>
+                <a:spcPct val="100000"/>
+              </a:lnSpc>
+              <a:spcBef>
+                <a:spcPts val="567"/>
+              </a:spcBef>
+              <a:spcAft>
+                <a:spcPts val="567"/>
+              </a:spcAft>
+              <a:buClr>
+                <a:srgbClr val="000000"/>
+              </a:buClr>
+              <a:buSzPct val="45000"/>
+              <a:buFont typeface="Wingdings" charset="2"/>
+              <a:buChar char=""/>
+            </a:pPr>
+            <a:r>
+              <a:rPr b="0" lang="ru-RU" sz="3200" spc="-1" strike="noStrike">
+                <a:solidFill>
+                  <a:srgbClr val="000000"/>
+                </a:solidFill>
+                <a:latin typeface="Arial"/>
+                <a:ea typeface="DejaVu Sans"/>
+              </a:rPr>
+              <a:t>Опыт использования JavaFX</a:t>
+            </a:r>
+            <a:endParaRPr b="0" lang="ru-RU" sz="3200" spc="-1" strike="noStrike">
               <a:latin typeface="Arial"/>
             </a:endParaRPr>
           </a:p>
@@ -10523,14 +9673,14 @@
       </p:grpSpPr>
       <p:sp>
         <p:nvSpPr>
-          <p:cNvPr id="128" name="Заголовок 1_2"/>
+          <p:cNvPr id="90" name="Заголовок 1_2"/>
           <p:cNvSpPr/>
           <p:nvPr/>
         </p:nvSpPr>
         <p:spPr>
           <a:xfrm>
             <a:off x="1670760" y="297360"/>
-            <a:ext cx="5888880" cy="1142280"/>
+            <a:ext cx="5888520" cy="1141920"/>
           </a:xfrm>
           <a:prstGeom prst="rect">
             <a:avLst/>
@@ -10562,6 +9712,7 @@
                   <a:srgbClr val="000000"/>
                 </a:solidFill>
                 <a:latin typeface="Calibri"/>
+                <a:ea typeface="DejaVu Sans"/>
               </a:rPr>
               <a:t>Отбор Технологий. AWT</a:t>
             </a:r>
@@ -10573,7 +9724,7 @@
       </p:sp>
       <p:pic>
         <p:nvPicPr>
-          <p:cNvPr id="129" name="Picture 3_2" descr=""/>
+          <p:cNvPr id="91" name="Picture 3_2" descr=""/>
           <p:cNvPicPr/>
           <p:nvPr/>
         </p:nvPicPr>
@@ -10584,7 +9735,7 @@
         <p:spPr>
           <a:xfrm>
             <a:off x="0" y="29160"/>
-            <a:ext cx="1583640" cy="1394640"/>
+            <a:ext cx="1583280" cy="1394280"/>
           </a:xfrm>
           <a:prstGeom prst="rect">
             <a:avLst/>
@@ -10596,14 +9747,14 @@
       </p:pic>
       <p:sp>
         <p:nvSpPr>
-          <p:cNvPr id="130" name=""/>
+          <p:cNvPr id="92" name=""/>
           <p:cNvSpPr/>
           <p:nvPr/>
         </p:nvSpPr>
         <p:spPr>
           <a:xfrm>
             <a:off x="457200" y="1600200"/>
-            <a:ext cx="8228880" cy="4525200"/>
+            <a:ext cx="8228520" cy="4524840"/>
           </a:xfrm>
           <a:prstGeom prst="rect">
             <a:avLst/>
@@ -10624,7 +9775,7 @@
             <a:noAutofit/>
           </a:bodyPr>
           <a:p>
-            <a:pPr marL="216000" indent="-215640">
+            <a:pPr marL="216000" indent="-215280">
               <a:lnSpc>
                 <a:spcPct val="100000"/>
               </a:lnSpc>
@@ -10643,22 +9794,20 @@
             </a:pPr>
             <a:r>
               <a:rPr b="0" lang="ru-RU" sz="3200" spc="-1" strike="noStrike">
-                <a:latin typeface="Arial"/>
-              </a:rPr>
-              <a:t>Пер</a:t>
-            </a:r>
-            <a:r>
-              <a:rPr b="0" lang="ru-RU" sz="3200" spc="-1" strike="noStrike">
-                <a:latin typeface="Arial"/>
-              </a:rPr>
-              <a:t>вая</a:t>
+                <a:solidFill>
+                  <a:srgbClr val="000000"/>
+                </a:solidFill>
+                <a:latin typeface="Arial"/>
+                <a:ea typeface="DejaVu Sans"/>
+              </a:rPr>
+              <a:t>Первая</a:t>
             </a:r>
             <a:endParaRPr b="0" lang="ru-RU" sz="3200" spc="-1" strike="noStrike">
               <a:latin typeface="Arial"/>
             </a:endParaRPr>
           </a:p>
           <a:p>
-            <a:pPr marL="216000" indent="-215640">
+            <a:pPr marL="216000" indent="-215280">
               <a:lnSpc>
                 <a:spcPct val="100000"/>
               </a:lnSpc>
@@ -10677,58 +9826,20 @@
             </a:pPr>
             <a:r>
               <a:rPr b="0" lang="ru-RU" sz="3200" spc="-1" strike="noStrike">
-                <a:latin typeface="Arial"/>
-              </a:rPr>
-              <a:t>Мед</a:t>
-            </a:r>
-            <a:r>
-              <a:rPr b="0" lang="ru-RU" sz="3200" spc="-1" strike="noStrike">
-                <a:latin typeface="Arial"/>
-              </a:rPr>
-              <a:t>лен</a:t>
-            </a:r>
-            <a:r>
-              <a:rPr b="0" lang="ru-RU" sz="3200" spc="-1" strike="noStrike">
-                <a:latin typeface="Arial"/>
-              </a:rPr>
-              <a:t>ная </a:t>
-            </a:r>
-            <a:r>
-              <a:rPr b="0" lang="ru-RU" sz="3200" spc="-1" strike="noStrike">
-                <a:latin typeface="Arial"/>
-              </a:rPr>
-              <a:t>и </a:t>
-            </a:r>
-            <a:r>
-              <a:rPr b="0" lang="ru-RU" sz="3200" spc="-1" strike="noStrike">
-                <a:latin typeface="Arial"/>
-              </a:rPr>
-              <a:t>нес</a:t>
-            </a:r>
-            <a:r>
-              <a:rPr b="0" lang="ru-RU" sz="3200" spc="-1" strike="noStrike">
-                <a:latin typeface="Arial"/>
-              </a:rPr>
-              <a:t>таб</a:t>
-            </a:r>
-            <a:r>
-              <a:rPr b="0" lang="ru-RU" sz="3200" spc="-1" strike="noStrike">
-                <a:latin typeface="Arial"/>
-              </a:rPr>
-              <a:t>иль</a:t>
-            </a:r>
-            <a:r>
-              <a:rPr b="0" lang="ru-RU" sz="3200" spc="-1" strike="noStrike">
-                <a:latin typeface="Arial"/>
-              </a:rPr>
-              <a:t>ная</a:t>
+                <a:solidFill>
+                  <a:srgbClr val="000000"/>
+                </a:solidFill>
+                <a:latin typeface="Arial"/>
+                <a:ea typeface="DejaVu Sans"/>
+              </a:rPr>
+              <a:t>Медленная и нестабильная</a:t>
             </a:r>
             <a:endParaRPr b="0" lang="ru-RU" sz="3200" spc="-1" strike="noStrike">
               <a:latin typeface="Arial"/>
             </a:endParaRPr>
           </a:p>
           <a:p>
-            <a:pPr marL="216000" indent="-215640">
+            <a:pPr marL="216000" indent="-215280">
               <a:lnSpc>
                 <a:spcPct val="100000"/>
               </a:lnSpc>
@@ -10747,34 +9858,20 @@
             </a:pPr>
             <a:r>
               <a:rPr b="0" lang="ru-RU" sz="3200" spc="-1" strike="noStrike">
-                <a:latin typeface="Arial"/>
-              </a:rPr>
-              <a:t>Уст</a:t>
-            </a:r>
-            <a:r>
-              <a:rPr b="0" lang="ru-RU" sz="3200" spc="-1" strike="noStrike">
-                <a:latin typeface="Arial"/>
-              </a:rPr>
-              <a:t>аре</a:t>
-            </a:r>
-            <a:r>
-              <a:rPr b="0" lang="ru-RU" sz="3200" spc="-1" strike="noStrike">
-                <a:latin typeface="Arial"/>
-              </a:rPr>
-              <a:t>вша</a:t>
-            </a:r>
-            <a:r>
-              <a:rPr b="0" lang="ru-RU" sz="3200" spc="-1" strike="noStrike">
-                <a:latin typeface="Arial"/>
-              </a:rPr>
-              <a:t>я</a:t>
+                <a:solidFill>
+                  <a:srgbClr val="000000"/>
+                </a:solidFill>
+                <a:latin typeface="Arial"/>
+                <a:ea typeface="DejaVu Sans"/>
+              </a:rPr>
+              <a:t>Устаревшая</a:t>
             </a:r>
             <a:endParaRPr b="0" lang="ru-RU" sz="3200" spc="-1" strike="noStrike">
               <a:latin typeface="Arial"/>
             </a:endParaRPr>
           </a:p>
           <a:p>
-            <a:pPr marL="216000" indent="-215640">
+            <a:pPr marL="216000" indent="-215280">
               <a:lnSpc>
                 <a:spcPct val="100000"/>
               </a:lnSpc>
@@ -10793,129 +9890,13 @@
             </a:pPr>
             <a:r>
               <a:rPr b="0" lang="ru-RU" sz="3200" spc="-1" strike="noStrike">
-                <a:latin typeface="Arial"/>
-              </a:rPr>
-              <a:t>Нач</a:t>
-            </a:r>
-            <a:r>
-              <a:rPr b="0" lang="ru-RU" sz="3200" spc="-1" strike="noStrike">
-                <a:latin typeface="Arial"/>
-              </a:rPr>
-              <a:t>ина</a:t>
-            </a:r>
-            <a:r>
-              <a:rPr b="0" lang="ru-RU" sz="3200" spc="-1" strike="noStrike">
-                <a:latin typeface="Arial"/>
-              </a:rPr>
-              <a:t>ть </a:t>
-            </a:r>
-            <a:r>
-              <a:rPr b="0" lang="ru-RU" sz="3200" spc="-1" strike="noStrike">
-                <a:latin typeface="Arial"/>
-              </a:rPr>
-              <a:t>нов</a:t>
-            </a:r>
-            <a:r>
-              <a:rPr b="0" lang="ru-RU" sz="3200" spc="-1" strike="noStrike">
-                <a:latin typeface="Arial"/>
-              </a:rPr>
-              <a:t>ые </a:t>
-            </a:r>
-            <a:r>
-              <a:rPr b="0" lang="ru-RU" sz="3200" spc="-1" strike="noStrike">
-                <a:latin typeface="Arial"/>
-              </a:rPr>
-              <a:t>про</a:t>
-            </a:r>
-            <a:r>
-              <a:rPr b="0" lang="ru-RU" sz="3200" spc="-1" strike="noStrike">
-                <a:latin typeface="Arial"/>
-              </a:rPr>
-              <a:t>ект</a:t>
-            </a:r>
-            <a:r>
-              <a:rPr b="0" lang="ru-RU" sz="3200" spc="-1" strike="noStrike">
-                <a:latin typeface="Arial"/>
-              </a:rPr>
-              <a:t>ы с </a:t>
-            </a:r>
-            <a:r>
-              <a:rPr b="0" lang="ru-RU" sz="3200" spc="-1" strike="noStrike">
-                <a:latin typeface="Arial"/>
-              </a:rPr>
-              <a:t>исп</a:t>
-            </a:r>
-            <a:r>
-              <a:rPr b="0" lang="ru-RU" sz="3200" spc="-1" strike="noStrike">
-                <a:latin typeface="Arial"/>
-              </a:rPr>
-              <a:t>оль</a:t>
-            </a:r>
-            <a:r>
-              <a:rPr b="0" lang="ru-RU" sz="3200" spc="-1" strike="noStrike">
-                <a:latin typeface="Arial"/>
-              </a:rPr>
-              <a:t>зов</a:t>
-            </a:r>
-            <a:r>
-              <a:rPr b="0" lang="ru-RU" sz="3200" spc="-1" strike="noStrike">
-                <a:latin typeface="Arial"/>
-              </a:rPr>
-              <a:t>ани</a:t>
-            </a:r>
-            <a:r>
-              <a:rPr b="0" lang="ru-RU" sz="3200" spc="-1" strike="noStrike">
-                <a:latin typeface="Arial"/>
-              </a:rPr>
-              <a:t>ем </a:t>
-            </a:r>
-            <a:r>
-              <a:rPr b="0" lang="ru-RU" sz="3200" spc="-1" strike="noStrike">
-                <a:latin typeface="Arial"/>
-              </a:rPr>
-              <a:t>это</a:t>
-            </a:r>
-            <a:r>
-              <a:rPr b="0" lang="ru-RU" sz="3200" spc="-1" strike="noStrike">
-                <a:latin typeface="Arial"/>
-              </a:rPr>
-              <a:t>й </a:t>
-            </a:r>
-            <a:r>
-              <a:rPr b="0" lang="ru-RU" sz="3200" spc="-1" strike="noStrike">
-                <a:latin typeface="Arial"/>
-              </a:rPr>
-              <a:t>биб</a:t>
-            </a:r>
-            <a:r>
-              <a:rPr b="0" lang="ru-RU" sz="3200" spc="-1" strike="noStrike">
-                <a:latin typeface="Arial"/>
-              </a:rPr>
-              <a:t>лио</a:t>
-            </a:r>
-            <a:r>
-              <a:rPr b="0" lang="ru-RU" sz="3200" spc="-1" strike="noStrike">
-                <a:latin typeface="Arial"/>
-              </a:rPr>
-              <a:t>теки </a:t>
-            </a:r>
-            <a:r>
-              <a:rPr b="0" lang="ru-RU" sz="3200" spc="-1" strike="noStrike">
-                <a:latin typeface="Arial"/>
-              </a:rPr>
-              <a:t>не </a:t>
-            </a:r>
-            <a:r>
-              <a:rPr b="0" lang="ru-RU" sz="3200" spc="-1" strike="noStrike">
-                <a:latin typeface="Arial"/>
-              </a:rPr>
-              <a:t>сто</a:t>
-            </a:r>
-            <a:r>
-              <a:rPr b="0" lang="ru-RU" sz="3200" spc="-1" strike="noStrike">
-                <a:latin typeface="Arial"/>
-              </a:rPr>
-              <a:t>ит</a:t>
+                <a:solidFill>
+                  <a:srgbClr val="000000"/>
+                </a:solidFill>
+                <a:latin typeface="Arial"/>
+                <a:ea typeface="DejaVu Sans"/>
+              </a:rPr>
+              <a:t>Начинать новые проекты с использованием этой библиотеки не стоит</a:t>
             </a:r>
             <a:endParaRPr b="0" lang="ru-RU" sz="3200" spc="-1" strike="noStrike">
               <a:latin typeface="Arial"/>
@@ -10955,14 +9936,14 @@
       </p:grpSpPr>
       <p:sp>
         <p:nvSpPr>
-          <p:cNvPr id="131" name="Заголовок 1_3"/>
+          <p:cNvPr id="93" name="Заголовок 1_3"/>
           <p:cNvSpPr/>
           <p:nvPr/>
         </p:nvSpPr>
         <p:spPr>
           <a:xfrm>
             <a:off x="1670760" y="297360"/>
-            <a:ext cx="5888880" cy="1142280"/>
+            <a:ext cx="5888520" cy="1141920"/>
           </a:xfrm>
           <a:prstGeom prst="rect">
             <a:avLst/>
@@ -10994,6 +9975,7 @@
                   <a:srgbClr val="000000"/>
                 </a:solidFill>
                 <a:latin typeface="Calibri"/>
+                <a:ea typeface="DejaVu Sans"/>
               </a:rPr>
               <a:t>Отбор Технологий. Swing</a:t>
             </a:r>
@@ -11005,7 +9987,7 @@
       </p:sp>
       <p:pic>
         <p:nvPicPr>
-          <p:cNvPr id="132" name="Picture 3_3" descr=""/>
+          <p:cNvPr id="94" name="Picture 3_3" descr=""/>
           <p:cNvPicPr/>
           <p:nvPr/>
         </p:nvPicPr>
@@ -11016,7 +9998,7 @@
         <p:spPr>
           <a:xfrm>
             <a:off x="0" y="29160"/>
-            <a:ext cx="1583640" cy="1394640"/>
+            <a:ext cx="1583280" cy="1394280"/>
           </a:xfrm>
           <a:prstGeom prst="rect">
             <a:avLst/>
@@ -11028,14 +10010,14 @@
       </p:pic>
       <p:sp>
         <p:nvSpPr>
-          <p:cNvPr id="133" name=""/>
+          <p:cNvPr id="95" name=""/>
           <p:cNvSpPr/>
           <p:nvPr/>
         </p:nvSpPr>
         <p:spPr>
           <a:xfrm>
             <a:off x="457200" y="1600200"/>
-            <a:ext cx="8228880" cy="4525200"/>
+            <a:ext cx="8228520" cy="4524840"/>
           </a:xfrm>
           <a:prstGeom prst="rect">
             <a:avLst/>
@@ -11056,7 +10038,7 @@
             <a:noAutofit/>
           </a:bodyPr>
           <a:p>
-            <a:pPr marL="216000" indent="-215640">
+            <a:pPr marL="216000" indent="-215280">
               <a:lnSpc>
                 <a:spcPct val="100000"/>
               </a:lnSpc>
@@ -11075,7 +10057,11 @@
             </a:pPr>
             <a:r>
               <a:rPr b="0" lang="ru-RU" sz="3200" spc="-1" strike="noStrike">
-                <a:latin typeface="Arial"/>
+                <a:solidFill>
+                  <a:srgbClr val="000000"/>
+                </a:solidFill>
+                <a:latin typeface="Arial"/>
+                <a:ea typeface="DejaVu Sans"/>
               </a:rPr>
               <a:t>На основе AWT</a:t>
             </a:r>
@@ -11084,7 +10070,7 @@
             </a:endParaRPr>
           </a:p>
           <a:p>
-            <a:pPr marL="216000" indent="-215640">
+            <a:pPr marL="216000" indent="-215280">
               <a:lnSpc>
                 <a:spcPct val="100000"/>
               </a:lnSpc>
@@ -11103,7 +10089,11 @@
             </a:pPr>
             <a:r>
               <a:rPr b="0" lang="ru-RU" sz="3200" spc="-1" strike="noStrike">
-                <a:latin typeface="Arial"/>
+                <a:solidFill>
+                  <a:srgbClr val="000000"/>
+                </a:solidFill>
+                <a:latin typeface="Arial"/>
+                <a:ea typeface="DejaVu Sans"/>
               </a:rPr>
               <a:t>Легкие объекты*</a:t>
             </a:r>
@@ -11112,7 +10102,7 @@
             </a:endParaRPr>
           </a:p>
           <a:p>
-            <a:pPr marL="216000" indent="-215640">
+            <a:pPr marL="216000" indent="-215280">
               <a:lnSpc>
                 <a:spcPct val="100000"/>
               </a:lnSpc>
@@ -11131,7 +10121,11 @@
             </a:pPr>
             <a:r>
               <a:rPr b="0" lang="ru-RU" sz="3200" spc="-1" strike="noStrike">
-                <a:latin typeface="Arial"/>
+                <a:solidFill>
+                  <a:srgbClr val="000000"/>
+                </a:solidFill>
+                <a:latin typeface="Arial"/>
+                <a:ea typeface="DejaVu Sans"/>
               </a:rPr>
               <a:t>Нормированный внешний вид</a:t>
             </a:r>
@@ -11140,7 +10134,7 @@
             </a:endParaRPr>
           </a:p>
           <a:p>
-            <a:pPr marL="216000" indent="-215640">
+            <a:pPr>
               <a:lnSpc>
                 <a:spcPct val="100000"/>
               </a:lnSpc>
@@ -11150,12 +10144,6 @@
               <a:spcAft>
                 <a:spcPts val="567"/>
               </a:spcAft>
-              <a:buClr>
-                <a:srgbClr val="000000"/>
-              </a:buClr>
-              <a:buSzPct val="45000"/>
-              <a:buFont typeface="Wingdings" charset="2"/>
-              <a:buChar char=""/>
             </a:pPr>
             <a:endParaRPr b="0" lang="ru-RU" sz="3200" spc="-1" strike="noStrike">
               <a:latin typeface="Arial"/>
@@ -11195,14 +10183,14 @@
       </p:grpSpPr>
       <p:sp>
         <p:nvSpPr>
-          <p:cNvPr id="134" name="Заголовок 1_4"/>
+          <p:cNvPr id="96" name="Заголовок 1_4"/>
           <p:cNvSpPr/>
           <p:nvPr/>
         </p:nvSpPr>
         <p:spPr>
           <a:xfrm>
             <a:off x="1670760" y="297360"/>
-            <a:ext cx="5888880" cy="1142280"/>
+            <a:ext cx="5888520" cy="1141920"/>
           </a:xfrm>
           <a:prstGeom prst="rect">
             <a:avLst/>
@@ -11234,6 +10222,7 @@
                   <a:srgbClr val="000000"/>
                 </a:solidFill>
                 <a:latin typeface="Calibri"/>
+                <a:ea typeface="DejaVu Sans"/>
               </a:rPr>
               <a:t>Отбор Технологий. Swing</a:t>
             </a:r>
@@ -11245,7 +10234,7 @@
       </p:sp>
       <p:pic>
         <p:nvPicPr>
-          <p:cNvPr id="135" name="Picture 3_4" descr=""/>
+          <p:cNvPr id="97" name="Picture 3_4" descr=""/>
           <p:cNvPicPr/>
           <p:nvPr/>
         </p:nvPicPr>
@@ -11256,7 +10245,7 @@
         <p:spPr>
           <a:xfrm>
             <a:off x="0" y="29160"/>
-            <a:ext cx="1583640" cy="1394640"/>
+            <a:ext cx="1583280" cy="1394280"/>
           </a:xfrm>
           <a:prstGeom prst="rect">
             <a:avLst/>
@@ -11268,14 +10257,14 @@
       </p:pic>
       <p:sp>
         <p:nvSpPr>
-          <p:cNvPr id="136" name=""/>
-          <p:cNvSpPr txBox="1"/>
+          <p:cNvPr id="98" name=""/>
+          <p:cNvSpPr/>
           <p:nvPr/>
         </p:nvSpPr>
         <p:spPr>
           <a:xfrm>
             <a:off x="360000" y="2128680"/>
-            <a:ext cx="6840000" cy="3991320"/>
+            <a:ext cx="6839640" cy="3990960"/>
           </a:xfrm>
           <a:prstGeom prst="rect">
             <a:avLst/>
@@ -11285,11 +10274,22 @@
             <a:noFill/>
           </a:ln>
         </p:spPr>
+        <p:style>
+          <a:lnRef idx="0"/>
+          <a:fillRef idx="0"/>
+          <a:effectRef idx="0"/>
+          <a:fontRef idx="minor"/>
+        </p:style>
         <p:txBody>
           <a:bodyPr lIns="90000" rIns="90000" tIns="45000" bIns="45000">
             <a:noAutofit/>
           </a:bodyPr>
           <a:p>
+            <a:pPr>
+              <a:lnSpc>
+                <a:spcPct val="100000"/>
+              </a:lnSpc>
+            </a:pPr>
             <a:r>
               <a:rPr b="0" lang="ru-RU" sz="1300" spc="-1" strike="noStrike">
                 <a:solidFill>
@@ -11599,25 +10599,21 @@
               <a:t>}</a:t>
             </a:r>
             <a:endParaRPr b="0" lang="ru-RU" sz="1300" spc="-1" strike="noStrike">
-              <a:solidFill>
-                <a:srgbClr val="000000"/>
-              </a:solidFill>
-              <a:latin typeface="Hack"/>
-              <a:ea typeface="Noto Sans Mono CJK SC"/>
-            </a:endParaRPr>
-          </a:p>
-        </p:txBody>
-      </p:sp>
-      <p:sp>
-        <p:nvSpPr>
-          <p:cNvPr id="137" name=""/>
-          <p:cNvSpPr txBox="1"/>
+              <a:latin typeface="Arial"/>
+            </a:endParaRPr>
+          </a:p>
+        </p:txBody>
+      </p:sp>
+      <p:sp>
+        <p:nvSpPr>
+          <p:cNvPr id="99" name=""/>
+          <p:cNvSpPr/>
           <p:nvPr/>
         </p:nvSpPr>
         <p:spPr>
           <a:xfrm>
             <a:off x="3600000" y="1439640"/>
-            <a:ext cx="900000" cy="302040"/>
+            <a:ext cx="899640" cy="301680"/>
           </a:xfrm>
           <a:prstGeom prst="rect">
             <a:avLst/>
@@ -11627,11 +10623,22 @@
             <a:noFill/>
           </a:ln>
         </p:spPr>
+        <p:style>
+          <a:lnRef idx="0"/>
+          <a:fillRef idx="0"/>
+          <a:effectRef idx="0"/>
+          <a:fontRef idx="minor"/>
+        </p:style>
         <p:txBody>
           <a:bodyPr lIns="90000" rIns="90000" tIns="45000" bIns="45000">
             <a:noAutofit/>
           </a:bodyPr>
           <a:p>
+            <a:pPr>
+              <a:lnSpc>
+                <a:spcPct val="100000"/>
+              </a:lnSpc>
+            </a:pPr>
             <a:r>
               <a:rPr b="0" lang="ru-RU" sz="1500" spc="-1" strike="noStrike">
                 <a:latin typeface="Arial"/>
@@ -11676,14 +10683,14 @@
       </p:grpSpPr>
       <p:sp>
         <p:nvSpPr>
-          <p:cNvPr id="138" name="Заголовок 1_1"/>
+          <p:cNvPr id="100" name="Заголовок 1_1"/>
           <p:cNvSpPr/>
           <p:nvPr/>
         </p:nvSpPr>
         <p:spPr>
           <a:xfrm>
             <a:off x="457200" y="274680"/>
-            <a:ext cx="8228880" cy="1142280"/>
+            <a:ext cx="8228520" cy="1141920"/>
           </a:xfrm>
           <a:prstGeom prst="rect">
             <a:avLst/>
@@ -11715,6 +10722,7 @@
                   <a:srgbClr val="000000"/>
                 </a:solidFill>
                 <a:latin typeface="Calibri"/>
+                <a:ea typeface="DejaVu Sans"/>
               </a:rPr>
               <a:t>Мотивация</a:t>
             </a:r>
@@ -11726,7 +10734,7 @@
       </p:sp>
       <p:pic>
         <p:nvPicPr>
-          <p:cNvPr id="139" name="Picture 3_1" descr=""/>
+          <p:cNvPr id="101" name="Picture 3_1" descr=""/>
           <p:cNvPicPr/>
           <p:nvPr/>
         </p:nvPicPr>
@@ -11737,7 +10745,7 @@
         <p:spPr>
           <a:xfrm>
             <a:off x="0" y="29160"/>
-            <a:ext cx="1583640" cy="1394640"/>
+            <a:ext cx="1583280" cy="1394280"/>
           </a:xfrm>
           <a:prstGeom prst="rect">
             <a:avLst/>
@@ -11749,14 +10757,14 @@
       </p:pic>
       <p:sp>
         <p:nvSpPr>
-          <p:cNvPr id="140" name="Заголовок 1_5"/>
+          <p:cNvPr id="102" name="Заголовок 1_5"/>
           <p:cNvSpPr/>
           <p:nvPr/>
         </p:nvSpPr>
         <p:spPr>
           <a:xfrm>
             <a:off x="1670760" y="297360"/>
-            <a:ext cx="5888880" cy="1142280"/>
+            <a:ext cx="5888520" cy="1141920"/>
           </a:xfrm>
           <a:prstGeom prst="rect">
             <a:avLst/>
@@ -11788,6 +10796,7 @@
                   <a:srgbClr val="000000"/>
                 </a:solidFill>
                 <a:latin typeface="Calibri"/>
+                <a:ea typeface="DejaVu Sans"/>
               </a:rPr>
               <a:t>Отбор Технологий. Swing</a:t>
             </a:r>
@@ -11799,7 +10808,7 @@
       </p:sp>
       <p:pic>
         <p:nvPicPr>
-          <p:cNvPr id="141" name="" descr=""/>
+          <p:cNvPr id="103" name="" descr=""/>
           <p:cNvPicPr/>
           <p:nvPr/>
         </p:nvPicPr>
@@ -11810,7 +10819,7 @@
         <p:spPr>
           <a:xfrm>
             <a:off x="2661480" y="1593000"/>
-            <a:ext cx="3818520" cy="3447000"/>
+            <a:ext cx="3818160" cy="3446640"/>
           </a:xfrm>
           <a:prstGeom prst="rect">
             <a:avLst/>
@@ -11822,14 +10831,14 @@
       </p:pic>
       <p:sp>
         <p:nvSpPr>
-          <p:cNvPr id="142" name=""/>
-          <p:cNvSpPr txBox="1"/>
+          <p:cNvPr id="104" name=""/>
+          <p:cNvSpPr/>
           <p:nvPr/>
         </p:nvSpPr>
         <p:spPr>
           <a:xfrm>
             <a:off x="3060000" y="5261760"/>
-            <a:ext cx="2880000" cy="858240"/>
+            <a:ext cx="2879640" cy="857880"/>
           </a:xfrm>
           <a:prstGeom prst="rect">
             <a:avLst/>
@@ -11839,11 +10848,22 @@
             <a:noFill/>
           </a:ln>
         </p:spPr>
+        <p:style>
+          <a:lnRef idx="0"/>
+          <a:fillRef idx="0"/>
+          <a:effectRef idx="0"/>
+          <a:fontRef idx="minor"/>
+        </p:style>
         <p:txBody>
           <a:bodyPr lIns="90000" rIns="90000" tIns="45000" bIns="45000">
             <a:noAutofit/>
           </a:bodyPr>
           <a:p>
+            <a:pPr>
+              <a:lnSpc>
+                <a:spcPct val="100000"/>
+              </a:lnSpc>
+            </a:pPr>
             <a:r>
               <a:rPr b="0" lang="ru-RU" sz="1800" spc="-1" strike="noStrike">
                 <a:latin typeface="Arial"/>
@@ -11888,14 +10908,14 @@
       </p:grpSpPr>
       <p:sp>
         <p:nvSpPr>
-          <p:cNvPr id="143" name="Заголовок 1_6"/>
+          <p:cNvPr id="105" name="Заголовок 1_6"/>
           <p:cNvSpPr/>
           <p:nvPr/>
         </p:nvSpPr>
         <p:spPr>
           <a:xfrm>
             <a:off x="457200" y="274680"/>
-            <a:ext cx="8228880" cy="1142280"/>
+            <a:ext cx="8228520" cy="1141920"/>
           </a:xfrm>
           <a:prstGeom prst="rect">
             <a:avLst/>
@@ -11914,7 +10934,7 @@
       </p:sp>
       <p:pic>
         <p:nvPicPr>
-          <p:cNvPr id="144" name="Picture 3_5" descr=""/>
+          <p:cNvPr id="106" name="Picture 3_5" descr=""/>
           <p:cNvPicPr/>
           <p:nvPr/>
         </p:nvPicPr>
@@ -11925,7 +10945,7 @@
         <p:spPr>
           <a:xfrm>
             <a:off x="0" y="29160"/>
-            <a:ext cx="1583640" cy="1394640"/>
+            <a:ext cx="1583280" cy="1394280"/>
           </a:xfrm>
           <a:prstGeom prst="rect">
             <a:avLst/>
@@ -11937,14 +10957,14 @@
       </p:pic>
       <p:sp>
         <p:nvSpPr>
-          <p:cNvPr id="145" name="Заголовок 1_7"/>
+          <p:cNvPr id="107" name="Заголовок 1_7"/>
           <p:cNvSpPr/>
           <p:nvPr/>
         </p:nvSpPr>
         <p:spPr>
           <a:xfrm>
             <a:off x="1670760" y="297360"/>
-            <a:ext cx="5888880" cy="1142280"/>
+            <a:ext cx="5888520" cy="1141920"/>
           </a:xfrm>
           <a:prstGeom prst="rect">
             <a:avLst/>
@@ -11976,6 +10996,7 @@
                   <a:srgbClr val="000000"/>
                 </a:solidFill>
                 <a:latin typeface="Calibri"/>
+                <a:ea typeface="DejaVu Sans"/>
               </a:rPr>
               <a:t>Отбор Технологий. JavaFX</a:t>
             </a:r>
@@ -11987,14 +11008,14 @@
       </p:sp>
       <p:sp>
         <p:nvSpPr>
-          <p:cNvPr id="146" name=""/>
-          <p:cNvSpPr txBox="1"/>
+          <p:cNvPr id="108" name=""/>
+          <p:cNvSpPr/>
           <p:nvPr/>
         </p:nvSpPr>
         <p:spPr>
           <a:xfrm>
             <a:off x="360000" y="1980000"/>
-            <a:ext cx="8100000" cy="2706120"/>
+            <a:ext cx="8099640" cy="2705760"/>
           </a:xfrm>
           <a:prstGeom prst="rect">
             <a:avLst/>
@@ -12004,12 +11025,18 @@
             <a:noFill/>
           </a:ln>
         </p:spPr>
+        <p:style>
+          <a:lnRef idx="0"/>
+          <a:fillRef idx="0"/>
+          <a:effectRef idx="0"/>
+          <a:fontRef idx="minor"/>
+        </p:style>
         <p:txBody>
           <a:bodyPr lIns="90000" rIns="90000" tIns="45000" bIns="45000">
             <a:noAutofit/>
           </a:bodyPr>
           <a:p>
-            <a:pPr marL="216000" indent="-216000">
+            <a:pPr marL="216000" indent="-215640">
               <a:lnSpc>
                 <a:spcPct val="100000"/>
               </a:lnSpc>
@@ -12034,11 +11061,10 @@
             </a:r>
             <a:endParaRPr b="0" lang="ru-RU" sz="1800" spc="-1" strike="noStrike">
               <a:latin typeface="Arial"/>
-              <a:ea typeface="Noto Sans CJK SC"/>
-            </a:endParaRPr>
-          </a:p>
-          <a:p>
-            <a:pPr marL="216000" indent="-216000">
+            </a:endParaRPr>
+          </a:p>
+          <a:p>
+            <a:pPr marL="216000" indent="-215640">
               <a:lnSpc>
                 <a:spcPct val="100000"/>
               </a:lnSpc>
@@ -12063,11 +11089,10 @@
             </a:r>
             <a:endParaRPr b="0" lang="ru-RU" sz="1800" spc="-1" strike="noStrike">
               <a:latin typeface="Arial"/>
-              <a:ea typeface="Noto Sans CJK SC"/>
-            </a:endParaRPr>
-          </a:p>
-          <a:p>
-            <a:pPr marL="216000" indent="-216000">
+            </a:endParaRPr>
+          </a:p>
+          <a:p>
+            <a:pPr marL="216000" indent="-215640">
               <a:lnSpc>
                 <a:spcPct val="100000"/>
               </a:lnSpc>
@@ -12092,11 +11117,10 @@
             </a:r>
             <a:endParaRPr b="0" lang="ru-RU" sz="1800" spc="-1" strike="noStrike">
               <a:latin typeface="Arial"/>
-              <a:ea typeface="Noto Sans CJK SC"/>
-            </a:endParaRPr>
-          </a:p>
-          <a:p>
-            <a:pPr marL="216000" indent="-216000">
+            </a:endParaRPr>
+          </a:p>
+          <a:p>
+            <a:pPr marL="216000" indent="-215640">
               <a:lnSpc>
                 <a:spcPct val="100000"/>
               </a:lnSpc>
@@ -12121,11 +11145,10 @@
             </a:r>
             <a:endParaRPr b="0" lang="ru-RU" sz="1800" spc="-1" strike="noStrike">
               <a:latin typeface="Arial"/>
-              <a:ea typeface="Noto Sans CJK SC"/>
-            </a:endParaRPr>
-          </a:p>
-          <a:p>
-            <a:pPr marL="216000" indent="-216000">
+            </a:endParaRPr>
+          </a:p>
+          <a:p>
+            <a:pPr marL="216000" indent="-215640">
               <a:lnSpc>
                 <a:spcPct val="100000"/>
               </a:lnSpc>
@@ -12150,11 +11173,10 @@
             </a:r>
             <a:endParaRPr b="0" lang="ru-RU" sz="1800" spc="-1" strike="noStrike">
               <a:latin typeface="Arial"/>
-              <a:ea typeface="Noto Sans CJK SC"/>
-            </a:endParaRPr>
-          </a:p>
-          <a:p>
-            <a:pPr marL="216000" indent="-216000">
+            </a:endParaRPr>
+          </a:p>
+          <a:p>
+            <a:pPr marL="216000" indent="-215640">
               <a:lnSpc>
                 <a:spcPct val="100000"/>
               </a:lnSpc>
@@ -12179,7 +11201,6 @@
             </a:r>
             <a:endParaRPr b="0" lang="ru-RU" sz="1800" spc="-1" strike="noStrike">
               <a:latin typeface="Arial"/>
-              <a:ea typeface="Noto Sans CJK SC"/>
             </a:endParaRPr>
           </a:p>
         </p:txBody>
@@ -12216,14 +11237,14 @@
       </p:grpSpPr>
       <p:sp>
         <p:nvSpPr>
-          <p:cNvPr id="147" name="Заголовок 1_8"/>
+          <p:cNvPr id="109" name="Заголовок 1_8"/>
           <p:cNvSpPr/>
           <p:nvPr/>
         </p:nvSpPr>
         <p:spPr>
           <a:xfrm>
             <a:off x="457200" y="274680"/>
-            <a:ext cx="8228880" cy="1142280"/>
+            <a:ext cx="8228520" cy="1141920"/>
           </a:xfrm>
           <a:prstGeom prst="rect">
             <a:avLst/>
@@ -12242,7 +11263,7 @@
       </p:sp>
       <p:pic>
         <p:nvPicPr>
-          <p:cNvPr id="148" name="Picture 3_6" descr=""/>
+          <p:cNvPr id="110" name="Picture 3_6" descr=""/>
           <p:cNvPicPr/>
           <p:nvPr/>
         </p:nvPicPr>
@@ -12253,7 +11274,7 @@
         <p:spPr>
           <a:xfrm>
             <a:off x="0" y="29160"/>
-            <a:ext cx="1583640" cy="1394640"/>
+            <a:ext cx="1583280" cy="1394280"/>
           </a:xfrm>
           <a:prstGeom prst="rect">
             <a:avLst/>
@@ -12265,14 +11286,14 @@
       </p:pic>
       <p:sp>
         <p:nvSpPr>
-          <p:cNvPr id="149" name="Заголовок 1_9"/>
+          <p:cNvPr id="111" name="Заголовок 1_9"/>
           <p:cNvSpPr/>
           <p:nvPr/>
         </p:nvSpPr>
         <p:spPr>
           <a:xfrm>
             <a:off x="1670760" y="297360"/>
-            <a:ext cx="5888880" cy="1142280"/>
+            <a:ext cx="5888520" cy="1141920"/>
           </a:xfrm>
           <a:prstGeom prst="rect">
             <a:avLst/>
@@ -12304,6 +11325,7 @@
                   <a:srgbClr val="000000"/>
                 </a:solidFill>
                 <a:latin typeface="Calibri"/>
+                <a:ea typeface="DejaVu Sans"/>
               </a:rPr>
               <a:t>Архитектура. JavaFX</a:t>
             </a:r>
@@ -12315,7 +11337,7 @@
       </p:sp>
       <p:pic>
         <p:nvPicPr>
-          <p:cNvPr id="150" name="" descr=""/>
+          <p:cNvPr id="112" name="" descr=""/>
           <p:cNvPicPr/>
           <p:nvPr/>
         </p:nvPicPr>
@@ -12326,7 +11348,7 @@
         <p:spPr>
           <a:xfrm>
             <a:off x="900000" y="2520000"/>
-            <a:ext cx="7200000" cy="2320920"/>
+            <a:ext cx="7199640" cy="2320560"/>
           </a:xfrm>
           <a:prstGeom prst="rect">
             <a:avLst/>
@@ -12799,230 +11821,4 @@
     </a:fmtScheme>
   </a:themeElements>
 </a:theme>
-</file>
-
-<file path=ppt/theme/theme3.xml><?xml version="1.0" encoding="utf-8"?>
-<a:theme xmlns:a="http://schemas.openxmlformats.org/drawingml/2006/main" name="Office Theme">
-  <a:themeElements>
-    <a:clrScheme name="Office">
-      <a:dk1>
-        <a:sysClr val="windowText" lastClr="000000"/>
-      </a:dk1>
-      <a:lt1>
-        <a:sysClr val="window" lastClr="FFFFFF"/>
-      </a:lt1>
-      <a:dk2>
-        <a:srgbClr val="1f497d"/>
-      </a:dk2>
-      <a:lt2>
-        <a:srgbClr val="eeece1"/>
-      </a:lt2>
-      <a:accent1>
-        <a:srgbClr val="4f81bd"/>
-      </a:accent1>
-      <a:accent2>
-        <a:srgbClr val="c0504d"/>
-      </a:accent2>
-      <a:accent3>
-        <a:srgbClr val="9bbb59"/>
-      </a:accent3>
-      <a:accent4>
-        <a:srgbClr val="8064a2"/>
-      </a:accent4>
-      <a:accent5>
-        <a:srgbClr val="4bacc6"/>
-      </a:accent5>
-      <a:accent6>
-        <a:srgbClr val="f79646"/>
-      </a:accent6>
-      <a:hlink>
-        <a:srgbClr val="0000ff"/>
-      </a:hlink>
-      <a:folHlink>
-        <a:srgbClr val="800080"/>
-      </a:folHlink>
-    </a:clrScheme>
-    <a:fontScheme name="Office">
-      <a:majorFont>
-        <a:latin typeface="Arial"/>
-        <a:ea typeface="DejaVu Sans"/>
-        <a:cs typeface="DejaVu Sans"/>
-      </a:majorFont>
-      <a:minorFont>
-        <a:latin typeface="Arial"/>
-        <a:ea typeface="DejaVu Sans"/>
-        <a:cs typeface="DejaVu Sans"/>
-      </a:minorFont>
-    </a:fontScheme>
-    <a:fmtScheme name="Office">
-      <a:fillStyleLst>
-        <a:solidFill>
-          <a:schemeClr val="phClr"/>
-        </a:solidFill>
-        <a:gradFill rotWithShape="1">
-          <a:gsLst>
-            <a:gs pos="0">
-              <a:schemeClr val="phClr">
-                <a:tint val="50000"/>
-                <a:satMod val="300000"/>
-              </a:schemeClr>
-            </a:gs>
-            <a:gs pos="35000">
-              <a:schemeClr val="phClr">
-                <a:tint val="37000"/>
-                <a:satMod val="300000"/>
-              </a:schemeClr>
-            </a:gs>
-            <a:gs pos="100000">
-              <a:schemeClr val="phClr">
-                <a:tint val="15000"/>
-                <a:satMod val="350000"/>
-              </a:schemeClr>
-            </a:gs>
-          </a:gsLst>
-          <a:lin ang="16200000" scaled="1"/>
-        </a:gradFill>
-        <a:gradFill rotWithShape="1">
-          <a:gsLst>
-            <a:gs pos="0">
-              <a:schemeClr val="phClr">
-                <a:shade val="51000"/>
-                <a:satMod val="130000"/>
-              </a:schemeClr>
-            </a:gs>
-            <a:gs pos="80000">
-              <a:schemeClr val="phClr">
-                <a:shade val="93000"/>
-                <a:satMod val="130000"/>
-              </a:schemeClr>
-            </a:gs>
-            <a:gs pos="100000">
-              <a:schemeClr val="phClr">
-                <a:shade val="94000"/>
-                <a:satMod val="135000"/>
-              </a:schemeClr>
-            </a:gs>
-          </a:gsLst>
-          <a:lin ang="16200000" scaled="0"/>
-        </a:gradFill>
-      </a:fillStyleLst>
-      <a:lnStyleLst>
-        <a:ln w="9525" cap="flat" cmpd="sng" algn="ctr">
-          <a:solidFill>
-            <a:schemeClr val="phClr">
-              <a:shade val="95000"/>
-              <a:satMod val="105000"/>
-            </a:schemeClr>
-          </a:solidFill>
-          <a:prstDash val="solid"/>
-          <a:miter/>
-        </a:ln>
-        <a:ln w="25400" cap="flat" cmpd="sng" algn="ctr">
-          <a:solidFill>
-            <a:schemeClr val="phClr"/>
-          </a:solidFill>
-          <a:prstDash val="solid"/>
-          <a:miter/>
-        </a:ln>
-        <a:ln w="38100" cap="flat" cmpd="sng" algn="ctr">
-          <a:solidFill>
-            <a:schemeClr val="phClr"/>
-          </a:solidFill>
-          <a:prstDash val="solid"/>
-          <a:miter/>
-        </a:ln>
-      </a:lnStyleLst>
-      <a:effectStyleLst>
-        <a:effectStyle>
-          <a:effectLst>
-            <a:outerShdw blurRad="40000" dist="20000" dir="5400000" rotWithShape="0">
-              <a:srgbClr val="000000">
-                <a:alpha val="38000"/>
-              </a:srgbClr>
-            </a:outerShdw>
-          </a:effectLst>
-        </a:effectStyle>
-        <a:effectStyle>
-          <a:effectLst>
-            <a:outerShdw blurRad="40000" dist="23000" dir="5400000" rotWithShape="0">
-              <a:srgbClr val="000000">
-                <a:alpha val="35000"/>
-              </a:srgbClr>
-            </a:outerShdw>
-          </a:effectLst>
-        </a:effectStyle>
-        <a:effectStyle>
-          <a:effectLst>
-            <a:outerShdw blurRad="40000" dist="23000" dir="5400000" rotWithShape="0">
-              <a:srgbClr val="000000">
-                <a:alpha val="35000"/>
-              </a:srgbClr>
-            </a:outerShdw>
-          </a:effectLst>
-          <a:scene3d>
-            <a:camera prst="orthographicFront">
-              <a:rot lat="0" lon="0" rev="0"/>
-            </a:camera>
-            <a:lightRig rig="threePt" dir="t">
-              <a:rot lat="0" lon="0" rev="1200000"/>
-            </a:lightRig>
-          </a:scene3d>
-          <a:sp3d>
-            <a:bevelT w="63500" h="25400"/>
-          </a:sp3d>
-        </a:effectStyle>
-      </a:effectStyleLst>
-      <a:bgFillStyleLst>
-        <a:solidFill>
-          <a:schemeClr val="phClr"/>
-        </a:solidFill>
-        <a:gradFill rotWithShape="1">
-          <a:gsLst>
-            <a:gs pos="0">
-              <a:schemeClr val="phClr">
-                <a:tint val="40000"/>
-                <a:satMod val="350000"/>
-              </a:schemeClr>
-            </a:gs>
-            <a:gs pos="40000">
-              <a:schemeClr val="phClr">
-                <a:tint val="45000"/>
-                <a:shade val="99000"/>
-                <a:satMod val="350000"/>
-              </a:schemeClr>
-            </a:gs>
-            <a:gs pos="100000">
-              <a:schemeClr val="phClr">
-                <a:shade val="20000"/>
-                <a:satMod val="255000"/>
-              </a:schemeClr>
-            </a:gs>
-          </a:gsLst>
-          <a:path path="circle">
-            <a:fillToRect l="50000" t="-80000" r="50000" b="180000"/>
-          </a:path>
-        </a:gradFill>
-        <a:gradFill rotWithShape="1">
-          <a:gsLst>
-            <a:gs pos="0">
-              <a:schemeClr val="phClr">
-                <a:tint val="80000"/>
-                <a:satMod val="300000"/>
-              </a:schemeClr>
-            </a:gs>
-            <a:gs pos="100000">
-              <a:schemeClr val="phClr">
-                <a:shade val="30000"/>
-                <a:satMod val="200000"/>
-              </a:schemeClr>
-            </a:gs>
-          </a:gsLst>
-          <a:path path="circle">
-            <a:fillToRect l="50000" t="50000" r="50000" b="50000"/>
-          </a:path>
-        </a:gradFill>
-      </a:bgFillStyleLst>
-    </a:fmtScheme>
-  </a:themeElements>
-</a:theme>
 </file>